--- a/7-neon2/neon2.pptx
+++ b/7-neon2/neon2.pptx
@@ -12,18 +12,19 @@
     <p:sldId id="259" r:id="rId6"/>
     <p:sldId id="346" r:id="rId7"/>
     <p:sldId id="347" r:id="rId8"/>
-    <p:sldId id="335" r:id="rId9"/>
-    <p:sldId id="336" r:id="rId10"/>
-    <p:sldId id="337" r:id="rId11"/>
-    <p:sldId id="338" r:id="rId12"/>
-    <p:sldId id="339" r:id="rId13"/>
-    <p:sldId id="340" r:id="rId14"/>
-    <p:sldId id="341" r:id="rId15"/>
-    <p:sldId id="342" r:id="rId16"/>
-    <p:sldId id="343" r:id="rId17"/>
-    <p:sldId id="345" r:id="rId18"/>
-    <p:sldId id="344" r:id="rId19"/>
-    <p:sldId id="312" r:id="rId20"/>
+    <p:sldId id="348" r:id="rId9"/>
+    <p:sldId id="335" r:id="rId10"/>
+    <p:sldId id="336" r:id="rId11"/>
+    <p:sldId id="337" r:id="rId12"/>
+    <p:sldId id="338" r:id="rId13"/>
+    <p:sldId id="339" r:id="rId14"/>
+    <p:sldId id="340" r:id="rId15"/>
+    <p:sldId id="341" r:id="rId16"/>
+    <p:sldId id="342" r:id="rId17"/>
+    <p:sldId id="343" r:id="rId18"/>
+    <p:sldId id="345" r:id="rId19"/>
+    <p:sldId id="344" r:id="rId20"/>
+    <p:sldId id="312" r:id="rId21"/>
   </p:sldIdLst>
   <p:sldSz cx="9144000" cy="6858000" type="screen4x3"/>
   <p:notesSz cx="6858000" cy="9144000"/>
@@ -124,7 +125,7 @@
   </p:defaultTextStyle>
   <p:extLst>
     <p:ext uri="{EFAFB233-063F-42B5-8137-9DF3F51BA10A}">
-      <p15:sldGuideLst xmlns="" xmlns:p15="http://schemas.microsoft.com/office/powerpoint/2012/main">
+      <p15:sldGuideLst xmlns:p15="http://schemas.microsoft.com/office/powerpoint/2012/main">
         <p15:guide id="1" orient="horz" pos="2160">
           <p15:clr>
             <a:srgbClr val="A4A3A4"/>
@@ -3418,7 +3419,7 @@
         <p:spPr>
           <a:xfrm>
             <a:off x="467544" y="476672"/>
-            <a:ext cx="7200800" cy="738664"/>
+            <a:ext cx="7200800" cy="662554"/>
           </a:xfrm>
           <a:prstGeom prst="rect">
             <a:avLst/>
@@ -3447,7 +3448,7 @@
                 <a:latin typeface="微软雅黑" pitchFamily="34" charset="-122"/>
                 <a:ea typeface="微软雅黑" pitchFamily="34" charset="-122"/>
               </a:rPr>
-              <a:t>6.</a:t>
+              <a:t>5.</a:t>
             </a:r>
             <a:r>
               <a:rPr lang="zh-CN" altLang="en-US" sz="2800" dirty="0" smtClean="0">
@@ -3460,7 +3461,7 @@
                 <a:latin typeface="微软雅黑" pitchFamily="34" charset="-122"/>
                 <a:ea typeface="微软雅黑" pitchFamily="34" charset="-122"/>
               </a:rPr>
-              <a:t>点亮的霓虹灯文字</a:t>
+              <a:t>闪光的灯管</a:t>
             </a:r>
             <a:endParaRPr lang="zh-CN" altLang="en-US" sz="2800" dirty="0">
               <a:solidFill>
@@ -3484,7 +3485,7 @@
         <p:spPr>
           <a:xfrm>
             <a:off x="621565" y="1365540"/>
-            <a:ext cx="7488832" cy="3970318"/>
+            <a:ext cx="7488832" cy="1754326"/>
           </a:xfrm>
           <a:prstGeom prst="rect">
             <a:avLst/>
@@ -3513,7 +3514,98 @@
                 <a:latin typeface="微软雅黑" pitchFamily="34" charset="-122"/>
                 <a:ea typeface="微软雅黑" pitchFamily="34" charset="-122"/>
               </a:rPr>
-              <a:t>霓虹的文字，我们需要考虑几个部分的效果</a:t>
+              <a:t>我们要做的灯管是不规则形状，看起来似乎无法用</a:t>
+            </a:r>
+            <a:r>
+              <a:rPr lang="en-US" altLang="zh-CN" sz="2400" dirty="0" err="1" smtClean="0">
+                <a:solidFill>
+                  <a:schemeClr val="tx1">
+                    <a:lumMod val="75000"/>
+                    <a:lumOff val="25000"/>
+                  </a:schemeClr>
+                </a:solidFill>
+                <a:latin typeface="微软雅黑" pitchFamily="34" charset="-122"/>
+                <a:ea typeface="微软雅黑" pitchFamily="34" charset="-122"/>
+              </a:rPr>
+              <a:t>css</a:t>
+            </a:r>
+            <a:r>
+              <a:rPr lang="zh-CN" altLang="en-US" sz="2400" dirty="0" smtClean="0">
+                <a:solidFill>
+                  <a:schemeClr val="tx1">
+                    <a:lumMod val="75000"/>
+                    <a:lumOff val="25000"/>
+                  </a:schemeClr>
+                </a:solidFill>
+                <a:latin typeface="微软雅黑" pitchFamily="34" charset="-122"/>
+                <a:ea typeface="微软雅黑" pitchFamily="34" charset="-122"/>
+              </a:rPr>
+              <a:t>实现；其实就是在</a:t>
+            </a:r>
+            <a:r>
+              <a:rPr lang="zh-CN" altLang="en-US" sz="2400" dirty="0">
+                <a:solidFill>
+                  <a:schemeClr val="tx1">
+                    <a:lumMod val="75000"/>
+                    <a:lumOff val="25000"/>
+                  </a:schemeClr>
+                </a:solidFill>
+                <a:latin typeface="微软雅黑" pitchFamily="34" charset="-122"/>
+                <a:ea typeface="微软雅黑" pitchFamily="34" charset="-122"/>
+              </a:rPr>
+              <a:t>元素</a:t>
+            </a:r>
+            <a:r>
+              <a:rPr lang="en-US" altLang="zh-CN" sz="2400" dirty="0" smtClean="0">
+                <a:solidFill>
+                  <a:schemeClr val="tx1">
+                    <a:lumMod val="75000"/>
+                    <a:lumOff val="25000"/>
+                  </a:schemeClr>
+                </a:solidFill>
+                <a:latin typeface="微软雅黑" pitchFamily="34" charset="-122"/>
+                <a:ea typeface="微软雅黑" pitchFamily="34" charset="-122"/>
+              </a:rPr>
+              <a:t>box</a:t>
+            </a:r>
+            <a:r>
+              <a:rPr lang="zh-CN" altLang="en-US" sz="2400" dirty="0" smtClean="0">
+                <a:solidFill>
+                  <a:schemeClr val="tx1">
+                    <a:lumMod val="75000"/>
+                    <a:lumOff val="25000"/>
+                  </a:schemeClr>
+                </a:solidFill>
+                <a:latin typeface="微软雅黑" pitchFamily="34" charset="-122"/>
+                <a:ea typeface="微软雅黑" pitchFamily="34" charset="-122"/>
+              </a:rPr>
+              <a:t>的四个角使用了不同的</a:t>
+            </a:r>
+            <a:r>
+              <a:rPr lang="en-US" altLang="zh-CN" sz="2400" dirty="0" smtClean="0">
+                <a:solidFill>
+                  <a:schemeClr val="tx1">
+                    <a:lumMod val="75000"/>
+                    <a:lumOff val="25000"/>
+                  </a:schemeClr>
+                </a:solidFill>
+                <a:latin typeface="微软雅黑" pitchFamily="34" charset="-122"/>
+                <a:ea typeface="微软雅黑" pitchFamily="34" charset="-122"/>
+              </a:rPr>
+              <a:t>border-radius</a:t>
+            </a:r>
+            <a:r>
+              <a:rPr lang="zh-CN" altLang="en-US" sz="2400" dirty="0" smtClean="0">
+                <a:solidFill>
+                  <a:schemeClr val="tx1">
+                    <a:lumMod val="75000"/>
+                    <a:lumOff val="25000"/>
+                  </a:schemeClr>
+                </a:solidFill>
+                <a:latin typeface="微软雅黑" pitchFamily="34" charset="-122"/>
+                <a:ea typeface="微软雅黑" pitchFamily="34" charset="-122"/>
+              </a:rPr>
+              <a:t>参数而已。</a:t>
             </a:r>
             <a:endParaRPr lang="en-US" altLang="zh-CN" sz="2400" dirty="0" smtClean="0">
               <a:solidFill>
@@ -3526,253 +3618,12 @@
               <a:ea typeface="微软雅黑" pitchFamily="34" charset="-122"/>
             </a:endParaRPr>
           </a:p>
-          <a:p>
-            <a:pPr>
-              <a:lnSpc>
-                <a:spcPct val="150000"/>
-              </a:lnSpc>
-            </a:pPr>
-            <a:r>
-              <a:rPr lang="en-US" altLang="zh-CN" sz="2400" dirty="0" smtClean="0">
-                <a:solidFill>
-                  <a:schemeClr val="tx1">
-                    <a:lumMod val="75000"/>
-                    <a:lumOff val="25000"/>
-                  </a:schemeClr>
-                </a:solidFill>
-                <a:latin typeface="微软雅黑" pitchFamily="34" charset="-122"/>
-                <a:ea typeface="微软雅黑" pitchFamily="34" charset="-122"/>
-              </a:rPr>
-              <a:t>	1.</a:t>
-            </a:r>
-            <a:r>
-              <a:rPr lang="zh-CN" altLang="en-US" sz="2400" dirty="0" smtClean="0">
-                <a:solidFill>
-                  <a:schemeClr val="tx1">
-                    <a:lumMod val="75000"/>
-                    <a:lumOff val="25000"/>
-                  </a:schemeClr>
-                </a:solidFill>
-                <a:latin typeface="微软雅黑" pitchFamily="34" charset="-122"/>
-                <a:ea typeface="微软雅黑" pitchFamily="34" charset="-122"/>
-              </a:rPr>
-              <a:t>文字本身的颜色</a:t>
-            </a:r>
-            <a:endParaRPr lang="en-US" altLang="zh-CN" sz="2400" dirty="0" smtClean="0">
-              <a:solidFill>
-                <a:schemeClr val="tx1">
-                  <a:lumMod val="75000"/>
-                  <a:lumOff val="25000"/>
-                </a:schemeClr>
-              </a:solidFill>
-              <a:latin typeface="微软雅黑" pitchFamily="34" charset="-122"/>
-              <a:ea typeface="微软雅黑" pitchFamily="34" charset="-122"/>
-            </a:endParaRPr>
-          </a:p>
-          <a:p>
-            <a:pPr>
-              <a:lnSpc>
-                <a:spcPct val="150000"/>
-              </a:lnSpc>
-            </a:pPr>
-            <a:r>
-              <a:rPr lang="en-US" altLang="zh-CN" sz="2400" dirty="0" smtClean="0">
-                <a:solidFill>
-                  <a:schemeClr val="tx1">
-                    <a:lumMod val="75000"/>
-                    <a:lumOff val="25000"/>
-                  </a:schemeClr>
-                </a:solidFill>
-                <a:latin typeface="微软雅黑" pitchFamily="34" charset="-122"/>
-                <a:ea typeface="微软雅黑" pitchFamily="34" charset="-122"/>
-              </a:rPr>
-              <a:t>	2.</a:t>
-            </a:r>
-            <a:r>
-              <a:rPr lang="zh-CN" altLang="en-US" sz="2400" dirty="0">
-                <a:solidFill>
-                  <a:schemeClr val="tx1">
-                    <a:lumMod val="75000"/>
-                    <a:lumOff val="25000"/>
-                  </a:schemeClr>
-                </a:solidFill>
-                <a:latin typeface="微软雅黑" pitchFamily="34" charset="-122"/>
-                <a:ea typeface="微软雅黑" pitchFamily="34" charset="-122"/>
-              </a:rPr>
-              <a:t>文字本身的立体感，需要有一个暗色的边缘</a:t>
-            </a:r>
-            <a:endParaRPr lang="en-US" altLang="zh-CN" sz="2400" dirty="0">
-              <a:solidFill>
-                <a:schemeClr val="tx1">
-                  <a:lumMod val="75000"/>
-                  <a:lumOff val="25000"/>
-                </a:schemeClr>
-              </a:solidFill>
-              <a:latin typeface="微软雅黑" pitchFamily="34" charset="-122"/>
-              <a:ea typeface="微软雅黑" pitchFamily="34" charset="-122"/>
-            </a:endParaRPr>
-          </a:p>
-          <a:p>
-            <a:pPr>
-              <a:lnSpc>
-                <a:spcPct val="150000"/>
-              </a:lnSpc>
-            </a:pPr>
-            <a:r>
-              <a:rPr lang="en-US" altLang="zh-CN" sz="2400" dirty="0" smtClean="0">
-                <a:solidFill>
-                  <a:schemeClr val="tx1">
-                    <a:lumMod val="75000"/>
-                    <a:lumOff val="25000"/>
-                  </a:schemeClr>
-                </a:solidFill>
-                <a:latin typeface="微软雅黑" pitchFamily="34" charset="-122"/>
-                <a:ea typeface="微软雅黑" pitchFamily="34" charset="-122"/>
-              </a:rPr>
-              <a:t>	3.</a:t>
-            </a:r>
-            <a:r>
-              <a:rPr lang="zh-CN" altLang="en-US" sz="2400" dirty="0" smtClean="0">
-                <a:solidFill>
-                  <a:schemeClr val="tx1">
-                    <a:lumMod val="75000"/>
-                    <a:lumOff val="25000"/>
-                  </a:schemeClr>
-                </a:solidFill>
-                <a:latin typeface="微软雅黑" pitchFamily="34" charset="-122"/>
-                <a:ea typeface="微软雅黑" pitchFamily="34" charset="-122"/>
-              </a:rPr>
-              <a:t>文字本身的投影，要有点离开墙壁的感觉</a:t>
-            </a:r>
-            <a:endParaRPr lang="en-US" altLang="zh-CN" sz="2400" dirty="0" smtClean="0">
-              <a:solidFill>
-                <a:schemeClr val="tx1">
-                  <a:lumMod val="75000"/>
-                  <a:lumOff val="25000"/>
-                </a:schemeClr>
-              </a:solidFill>
-              <a:latin typeface="微软雅黑" pitchFamily="34" charset="-122"/>
-              <a:ea typeface="微软雅黑" pitchFamily="34" charset="-122"/>
-            </a:endParaRPr>
-          </a:p>
-          <a:p>
-            <a:pPr>
-              <a:lnSpc>
-                <a:spcPct val="150000"/>
-              </a:lnSpc>
-            </a:pPr>
-            <a:r>
-              <a:rPr lang="en-US" altLang="zh-CN" sz="2400" dirty="0" smtClean="0">
-                <a:solidFill>
-                  <a:schemeClr val="tx1">
-                    <a:lumMod val="75000"/>
-                    <a:lumOff val="25000"/>
-                  </a:schemeClr>
-                </a:solidFill>
-                <a:latin typeface="微软雅黑" pitchFamily="34" charset="-122"/>
-                <a:ea typeface="微软雅黑" pitchFamily="34" charset="-122"/>
-              </a:rPr>
-              <a:t>	4.</a:t>
-            </a:r>
-            <a:r>
-              <a:rPr lang="zh-CN" altLang="en-US" sz="2400" dirty="0" smtClean="0">
-                <a:solidFill>
-                  <a:schemeClr val="tx1">
-                    <a:lumMod val="75000"/>
-                    <a:lumOff val="25000"/>
-                  </a:schemeClr>
-                </a:solidFill>
-                <a:latin typeface="微软雅黑" pitchFamily="34" charset="-122"/>
-                <a:ea typeface="微软雅黑" pitchFamily="34" charset="-122"/>
-              </a:rPr>
-              <a:t>文字的发光</a:t>
-            </a:r>
-            <a:endParaRPr lang="en-US" altLang="zh-CN" sz="2400" dirty="0" smtClean="0">
-              <a:solidFill>
-                <a:schemeClr val="tx1">
-                  <a:lumMod val="75000"/>
-                  <a:lumOff val="25000"/>
-                </a:schemeClr>
-              </a:solidFill>
-              <a:latin typeface="微软雅黑" pitchFamily="34" charset="-122"/>
-              <a:ea typeface="微软雅黑" pitchFamily="34" charset="-122"/>
-            </a:endParaRPr>
-          </a:p>
-          <a:p>
-            <a:pPr>
-              <a:lnSpc>
-                <a:spcPct val="150000"/>
-              </a:lnSpc>
-            </a:pPr>
-            <a:r>
-              <a:rPr lang="zh-CN" altLang="en-US" sz="2400" dirty="0" smtClean="0">
-                <a:solidFill>
-                  <a:schemeClr val="tx1">
-                    <a:lumMod val="75000"/>
-                    <a:lumOff val="25000"/>
-                  </a:schemeClr>
-                </a:solidFill>
-                <a:latin typeface="微软雅黑" pitchFamily="34" charset="-122"/>
-                <a:ea typeface="微软雅黑" pitchFamily="34" charset="-122"/>
-              </a:rPr>
-              <a:t>以上几个部分，我们全部可以通过不同参数的</a:t>
-            </a:r>
-            <a:r>
-              <a:rPr lang="en-US" altLang="zh-CN" sz="2400" dirty="0" smtClean="0">
-                <a:solidFill>
-                  <a:schemeClr val="tx1">
-                    <a:lumMod val="75000"/>
-                    <a:lumOff val="25000"/>
-                  </a:schemeClr>
-                </a:solidFill>
-                <a:latin typeface="微软雅黑" pitchFamily="34" charset="-122"/>
-                <a:ea typeface="微软雅黑" pitchFamily="34" charset="-122"/>
-              </a:rPr>
-              <a:t>text-shadow</a:t>
-            </a:r>
-            <a:r>
-              <a:rPr lang="zh-CN" altLang="en-US" sz="2400" dirty="0" smtClean="0">
-                <a:solidFill>
-                  <a:schemeClr val="tx1">
-                    <a:lumMod val="75000"/>
-                    <a:lumOff val="25000"/>
-                  </a:schemeClr>
-                </a:solidFill>
-                <a:latin typeface="微软雅黑" pitchFamily="34" charset="-122"/>
-                <a:ea typeface="微软雅黑" pitchFamily="34" charset="-122"/>
-              </a:rPr>
-              <a:t>叠加来实现</a:t>
-            </a:r>
-            <a:r>
-              <a:rPr lang="zh-CN" altLang="en-US" sz="2400" dirty="0" smtClean="0">
-                <a:solidFill>
-                  <a:schemeClr val="tx1">
-                    <a:lumMod val="75000"/>
-                    <a:lumOff val="25000"/>
-                  </a:schemeClr>
-                </a:solidFill>
-                <a:latin typeface="微软雅黑" pitchFamily="34" charset="-122"/>
-                <a:ea typeface="微软雅黑" pitchFamily="34" charset="-122"/>
-              </a:rPr>
-              <a:t>！对，就是这么神奇！</a:t>
-            </a:r>
-            <a:endParaRPr lang="en-US" altLang="zh-CN" sz="2400" dirty="0" smtClean="0">
-              <a:solidFill>
-                <a:schemeClr val="tx1">
-                  <a:lumMod val="75000"/>
-                  <a:lumOff val="25000"/>
-                </a:schemeClr>
-              </a:solidFill>
-              <a:latin typeface="微软雅黑" pitchFamily="34" charset="-122"/>
-              <a:ea typeface="微软雅黑" pitchFamily="34" charset="-122"/>
-            </a:endParaRPr>
-          </a:p>
         </p:txBody>
       </p:sp>
     </p:spTree>
     <p:extLst>
       <p:ext uri="{BB962C8B-B14F-4D97-AF65-F5344CB8AC3E}">
-        <p14:creationId xmlns:p14="http://schemas.microsoft.com/office/powerpoint/2010/main" val="4006184029"/>
+        <p14:creationId xmlns:p14="http://schemas.microsoft.com/office/powerpoint/2010/main" val="2149539409"/>
       </p:ext>
     </p:extLst>
   </p:cSld>
@@ -3844,7 +3695,7 @@
                 <a:latin typeface="微软雅黑" pitchFamily="34" charset="-122"/>
                 <a:ea typeface="微软雅黑" pitchFamily="34" charset="-122"/>
               </a:rPr>
-              <a:t>7.</a:t>
+              <a:t>6.</a:t>
             </a:r>
             <a:r>
               <a:rPr lang="zh-CN" altLang="en-US" sz="2800" dirty="0" smtClean="0">
@@ -3857,7 +3708,7 @@
                 <a:latin typeface="微软雅黑" pitchFamily="34" charset="-122"/>
                 <a:ea typeface="微软雅黑" pitchFamily="34" charset="-122"/>
               </a:rPr>
-              <a:t>熄灭的霓虹灯文字</a:t>
+              <a:t>点亮的霓虹灯文字</a:t>
             </a:r>
             <a:endParaRPr lang="zh-CN" altLang="en-US" sz="2800" dirty="0">
               <a:solidFill>
@@ -3881,7 +3732,7 @@
         <p:spPr>
           <a:xfrm>
             <a:off x="621565" y="1365540"/>
-            <a:ext cx="7488832" cy="3416320"/>
+            <a:ext cx="7488832" cy="3970318"/>
           </a:xfrm>
           <a:prstGeom prst="rect">
             <a:avLst/>
@@ -3910,7 +3761,7 @@
                 <a:latin typeface="微软雅黑" pitchFamily="34" charset="-122"/>
                 <a:ea typeface="微软雅黑" pitchFamily="34" charset="-122"/>
               </a:rPr>
-              <a:t>霓虹灯熄灭时：</a:t>
+              <a:t>霓虹的文字，我们需要考虑几个部分的效果</a:t>
             </a:r>
             <a:endParaRPr lang="en-US" altLang="zh-CN" sz="2400" dirty="0" smtClean="0">
               <a:solidFill>
@@ -3930,19 +3781,6 @@
               </a:lnSpc>
             </a:pPr>
             <a:r>
-              <a:rPr lang="en-US" altLang="zh-CN" sz="2400" dirty="0">
-                <a:solidFill>
-                  <a:schemeClr val="tx1">
-                    <a:lumMod val="75000"/>
-                    <a:lumOff val="25000"/>
-                  </a:schemeClr>
-                </a:solidFill>
-                <a:latin typeface="微软雅黑" pitchFamily="34" charset="-122"/>
-                <a:ea typeface="微软雅黑" pitchFamily="34" charset="-122"/>
-              </a:rPr>
-              <a:t>	</a:t>
-            </a:r>
-            <a:r>
               <a:rPr lang="en-US" altLang="zh-CN" sz="2400" dirty="0" smtClean="0">
                 <a:solidFill>
                   <a:schemeClr val="tx1">
@@ -3953,7 +3791,7 @@
                 <a:latin typeface="微软雅黑" pitchFamily="34" charset="-122"/>
                 <a:ea typeface="微软雅黑" pitchFamily="34" charset="-122"/>
               </a:rPr>
-              <a:t>1.</a:t>
+              <a:t>	1.</a:t>
             </a:r>
             <a:r>
               <a:rPr lang="zh-CN" altLang="en-US" sz="2400" dirty="0" smtClean="0">
@@ -3966,7 +3804,7 @@
                 <a:latin typeface="微软雅黑" pitchFamily="34" charset="-122"/>
                 <a:ea typeface="微软雅黑" pitchFamily="34" charset="-122"/>
               </a:rPr>
-              <a:t>文字的颜色变暗</a:t>
+              <a:t>文字本身的颜色</a:t>
             </a:r>
             <a:endParaRPr lang="en-US" altLang="zh-CN" sz="2400" dirty="0" smtClean="0">
               <a:solidFill>
@@ -3986,19 +3824,6 @@
               </a:lnSpc>
             </a:pPr>
             <a:r>
-              <a:rPr lang="en-US" altLang="zh-CN" sz="2400" dirty="0">
-                <a:solidFill>
-                  <a:schemeClr val="tx1">
-                    <a:lumMod val="75000"/>
-                    <a:lumOff val="25000"/>
-                  </a:schemeClr>
-                </a:solidFill>
-                <a:latin typeface="微软雅黑" pitchFamily="34" charset="-122"/>
-                <a:ea typeface="微软雅黑" pitchFamily="34" charset="-122"/>
-              </a:rPr>
-              <a:t>	</a:t>
-            </a:r>
-            <a:r>
               <a:rPr lang="en-US" altLang="zh-CN" sz="2400" dirty="0" smtClean="0">
                 <a:solidFill>
                   <a:schemeClr val="tx1">
@@ -4009,7 +3834,50 @@
                 <a:latin typeface="微软雅黑" pitchFamily="34" charset="-122"/>
                 <a:ea typeface="微软雅黑" pitchFamily="34" charset="-122"/>
               </a:rPr>
-              <a:t>2.</a:t>
+              <a:t>	2.</a:t>
+            </a:r>
+            <a:r>
+              <a:rPr lang="zh-CN" altLang="en-US" sz="2400" dirty="0">
+                <a:solidFill>
+                  <a:schemeClr val="tx1">
+                    <a:lumMod val="75000"/>
+                    <a:lumOff val="25000"/>
+                  </a:schemeClr>
+                </a:solidFill>
+                <a:latin typeface="微软雅黑" pitchFamily="34" charset="-122"/>
+                <a:ea typeface="微软雅黑" pitchFamily="34" charset="-122"/>
+              </a:rPr>
+              <a:t>文字本身的立体感，需要有一个暗色的边缘</a:t>
+            </a:r>
+            <a:endParaRPr lang="en-US" altLang="zh-CN" sz="2400" dirty="0">
+              <a:solidFill>
+                <a:schemeClr val="tx1">
+                  <a:lumMod val="75000"/>
+                  <a:lumOff val="25000"/>
+                </a:schemeClr>
+              </a:solidFill>
+              <a:latin typeface="微软雅黑" pitchFamily="34" charset="-122"/>
+              <a:ea typeface="微软雅黑" pitchFamily="34" charset="-122"/>
+            </a:endParaRPr>
+          </a:p>
+          <a:p>
+            <a:pPr>
+              <a:lnSpc>
+                <a:spcPct val="150000"/>
+              </a:lnSpc>
+            </a:pPr>
+            <a:r>
+              <a:rPr lang="en-US" altLang="zh-CN" sz="2400" dirty="0" smtClean="0">
+                <a:solidFill>
+                  <a:schemeClr val="tx1">
+                    <a:lumMod val="75000"/>
+                    <a:lumOff val="25000"/>
+                  </a:schemeClr>
+                </a:solidFill>
+                <a:latin typeface="微软雅黑" pitchFamily="34" charset="-122"/>
+                <a:ea typeface="微软雅黑" pitchFamily="34" charset="-122"/>
+              </a:rPr>
+              <a:t>	3.</a:t>
             </a:r>
             <a:r>
               <a:rPr lang="zh-CN" altLang="en-US" sz="2400" dirty="0" smtClean="0">
@@ -4022,7 +3890,7 @@
                 <a:latin typeface="微软雅黑" pitchFamily="34" charset="-122"/>
                 <a:ea typeface="微软雅黑" pitchFamily="34" charset="-122"/>
               </a:rPr>
-              <a:t>立体感的边缘也是有的</a:t>
+              <a:t>文字本身的投影，要有点离开墙壁的感觉</a:t>
             </a:r>
             <a:endParaRPr lang="en-US" altLang="zh-CN" sz="2400" dirty="0" smtClean="0">
               <a:solidFill>
@@ -4042,19 +3910,6 @@
               </a:lnSpc>
             </a:pPr>
             <a:r>
-              <a:rPr lang="en-US" altLang="zh-CN" sz="2400" dirty="0">
-                <a:solidFill>
-                  <a:schemeClr val="tx1">
-                    <a:lumMod val="75000"/>
-                    <a:lumOff val="25000"/>
-                  </a:schemeClr>
-                </a:solidFill>
-                <a:latin typeface="微软雅黑" pitchFamily="34" charset="-122"/>
-                <a:ea typeface="微软雅黑" pitchFamily="34" charset="-122"/>
-              </a:rPr>
-              <a:t>	</a:t>
-            </a:r>
-            <a:r>
               <a:rPr lang="en-US" altLang="zh-CN" sz="2400" dirty="0" smtClean="0">
                 <a:solidFill>
                   <a:schemeClr val="tx1">
@@ -4065,20 +3920,7 @@
                 <a:latin typeface="微软雅黑" pitchFamily="34" charset="-122"/>
                 <a:ea typeface="微软雅黑" pitchFamily="34" charset="-122"/>
               </a:rPr>
-              <a:t>3.</a:t>
-            </a:r>
-            <a:r>
-              <a:rPr lang="zh-CN" altLang="en-US" sz="2400" dirty="0">
-                <a:solidFill>
-                  <a:schemeClr val="tx1">
-                    <a:lumMod val="75000"/>
-                    <a:lumOff val="25000"/>
-                  </a:schemeClr>
-                </a:solidFill>
-                <a:latin typeface="微软雅黑" pitchFamily="34" charset="-122"/>
-                <a:ea typeface="微软雅黑" pitchFamily="34" charset="-122"/>
-              </a:rPr>
-              <a:t>投影是存在</a:t>
+              <a:t>	4.</a:t>
             </a:r>
             <a:r>
               <a:rPr lang="zh-CN" altLang="en-US" sz="2400" dirty="0" smtClean="0">
@@ -4091,63 +3933,7 @@
                 <a:latin typeface="微软雅黑" pitchFamily="34" charset="-122"/>
                 <a:ea typeface="微软雅黑" pitchFamily="34" charset="-122"/>
               </a:rPr>
-              <a:t>的</a:t>
-            </a:r>
-            <a:endParaRPr lang="en-US" altLang="zh-CN" sz="2400" dirty="0">
-              <a:solidFill>
-                <a:schemeClr val="tx1">
-                  <a:lumMod val="75000"/>
-                  <a:lumOff val="25000"/>
-                </a:schemeClr>
-              </a:solidFill>
-              <a:latin typeface="微软雅黑" pitchFamily="34" charset="-122"/>
-              <a:ea typeface="微软雅黑" pitchFamily="34" charset="-122"/>
-            </a:endParaRPr>
-          </a:p>
-          <a:p>
-            <a:pPr>
-              <a:lnSpc>
-                <a:spcPct val="150000"/>
-              </a:lnSpc>
-            </a:pPr>
-            <a:r>
-              <a:rPr lang="en-US" altLang="zh-CN" sz="2400" dirty="0" smtClean="0">
-                <a:solidFill>
-                  <a:schemeClr val="tx1">
-                    <a:lumMod val="75000"/>
-                    <a:lumOff val="25000"/>
-                  </a:schemeClr>
-                </a:solidFill>
-                <a:latin typeface="微软雅黑" pitchFamily="34" charset="-122"/>
-                <a:ea typeface="微软雅黑" pitchFamily="34" charset="-122"/>
-              </a:rPr>
-              <a:t>	</a:t>
-            </a:r>
-            <a:r>
-              <a:rPr lang="en-US" altLang="zh-CN" sz="2400" dirty="0" smtClean="0">
-                <a:solidFill>
-                  <a:schemeClr val="tx1">
-                    <a:lumMod val="75000"/>
-                    <a:lumOff val="25000"/>
-                  </a:schemeClr>
-                </a:solidFill>
-                <a:latin typeface="微软雅黑" pitchFamily="34" charset="-122"/>
-                <a:ea typeface="微软雅黑" pitchFamily="34" charset="-122"/>
-              </a:rPr>
-              <a:t>4.</a:t>
-            </a:r>
-            <a:r>
-              <a:rPr lang="zh-CN" altLang="en-US" sz="2400" dirty="0" smtClean="0">
-                <a:solidFill>
-                  <a:schemeClr val="tx1">
-                    <a:lumMod val="75000"/>
-                    <a:lumOff val="25000"/>
-                  </a:schemeClr>
-                </a:solidFill>
-                <a:latin typeface="微软雅黑" pitchFamily="34" charset="-122"/>
-                <a:ea typeface="微软雅黑" pitchFamily="34" charset="-122"/>
-              </a:rPr>
-              <a:t>发光部分，肯定是消失的</a:t>
+              <a:t>文字的发光</a:t>
             </a:r>
             <a:endParaRPr lang="en-US" altLang="zh-CN" sz="2400" dirty="0" smtClean="0">
               <a:solidFill>
@@ -4166,7 +3952,46 @@
                 <a:spcPct val="150000"/>
               </a:lnSpc>
             </a:pPr>
-            <a:endParaRPr lang="en-US" altLang="zh-CN" sz="2400" dirty="0">
+            <a:r>
+              <a:rPr lang="zh-CN" altLang="en-US" sz="2400" dirty="0" smtClean="0">
+                <a:solidFill>
+                  <a:schemeClr val="tx1">
+                    <a:lumMod val="75000"/>
+                    <a:lumOff val="25000"/>
+                  </a:schemeClr>
+                </a:solidFill>
+                <a:latin typeface="微软雅黑" pitchFamily="34" charset="-122"/>
+                <a:ea typeface="微软雅黑" pitchFamily="34" charset="-122"/>
+              </a:rPr>
+              <a:t>以上几个部分，我们全部可以通过不同参数的</a:t>
+            </a:r>
+            <a:r>
+              <a:rPr lang="en-US" altLang="zh-CN" sz="2400" dirty="0" smtClean="0">
+                <a:solidFill>
+                  <a:schemeClr val="tx1">
+                    <a:lumMod val="75000"/>
+                    <a:lumOff val="25000"/>
+                  </a:schemeClr>
+                </a:solidFill>
+                <a:latin typeface="微软雅黑" pitchFamily="34" charset="-122"/>
+                <a:ea typeface="微软雅黑" pitchFamily="34" charset="-122"/>
+              </a:rPr>
+              <a:t>text-shadow</a:t>
+            </a:r>
+            <a:r>
+              <a:rPr lang="zh-CN" altLang="en-US" sz="2400" dirty="0" smtClean="0">
+                <a:solidFill>
+                  <a:schemeClr val="tx1">
+                    <a:lumMod val="75000"/>
+                    <a:lumOff val="25000"/>
+                  </a:schemeClr>
+                </a:solidFill>
+                <a:latin typeface="微软雅黑" pitchFamily="34" charset="-122"/>
+                <a:ea typeface="微软雅黑" pitchFamily="34" charset="-122"/>
+              </a:rPr>
+              <a:t>叠加来实现！对，就是这么神奇！</a:t>
+            </a:r>
+            <a:endParaRPr lang="en-US" altLang="zh-CN" sz="2400" dirty="0" smtClean="0">
               <a:solidFill>
                 <a:schemeClr val="tx1">
                   <a:lumMod val="75000"/>
@@ -4182,7 +4007,7 @@
     </p:spTree>
     <p:extLst>
       <p:ext uri="{BB962C8B-B14F-4D97-AF65-F5344CB8AC3E}">
-        <p14:creationId xmlns:p14="http://schemas.microsoft.com/office/powerpoint/2010/main" val="818344989"/>
+        <p14:creationId xmlns:p14="http://schemas.microsoft.com/office/powerpoint/2010/main" val="4006184029"/>
       </p:ext>
     </p:extLst>
   </p:cSld>
@@ -4254,20 +4079,7 @@
                 <a:latin typeface="微软雅黑" pitchFamily="34" charset="-122"/>
                 <a:ea typeface="微软雅黑" pitchFamily="34" charset="-122"/>
               </a:rPr>
-              <a:t>8</a:t>
-            </a:r>
-            <a:r>
-              <a:rPr lang="en-US" altLang="zh-CN" sz="2800" dirty="0" smtClean="0">
-                <a:solidFill>
-                  <a:schemeClr val="tx1">
-                    <a:lumMod val="75000"/>
-                    <a:lumOff val="25000"/>
-                  </a:schemeClr>
-                </a:solidFill>
-                <a:latin typeface="微软雅黑" pitchFamily="34" charset="-122"/>
-                <a:ea typeface="微软雅黑" pitchFamily="34" charset="-122"/>
-              </a:rPr>
-              <a:t>.</a:t>
+              <a:t>7.</a:t>
             </a:r>
             <a:r>
               <a:rPr lang="zh-CN" altLang="en-US" sz="2800" dirty="0" smtClean="0">
@@ -4280,7 +4092,7 @@
                 <a:latin typeface="微软雅黑" pitchFamily="34" charset="-122"/>
                 <a:ea typeface="微软雅黑" pitchFamily="34" charset="-122"/>
               </a:rPr>
-              <a:t>闪烁的霓虹灯文字</a:t>
+              <a:t>熄灭的霓虹灯文字</a:t>
             </a:r>
             <a:endParaRPr lang="zh-CN" altLang="en-US" sz="2800" dirty="0">
               <a:solidFill>
@@ -4304,7 +4116,7 @@
         <p:spPr>
           <a:xfrm>
             <a:off x="621565" y="1365540"/>
-            <a:ext cx="7488832" cy="2862322"/>
+            <a:ext cx="7488832" cy="3416320"/>
           </a:xfrm>
           <a:prstGeom prst="rect">
             <a:avLst/>
@@ -4333,7 +4145,7 @@
                 <a:latin typeface="微软雅黑" pitchFamily="34" charset="-122"/>
                 <a:ea typeface="微软雅黑" pitchFamily="34" charset="-122"/>
               </a:rPr>
-              <a:t>所谓闪烁，感觉好像是接触不良或者是电压不稳的效果，其实就是快速的亮暗交替。闪烁的类型很多：</a:t>
+              <a:t>霓虹灯熄灭时：</a:t>
             </a:r>
             <a:endParaRPr lang="en-US" altLang="zh-CN" sz="2400" dirty="0" smtClean="0">
               <a:solidFill>
@@ -4389,7 +4201,7 @@
                 <a:latin typeface="微软雅黑" pitchFamily="34" charset="-122"/>
                 <a:ea typeface="微软雅黑" pitchFamily="34" charset="-122"/>
               </a:rPr>
-              <a:t>快速闪烁（类似灯管）</a:t>
+              <a:t>文字的颜色变暗</a:t>
             </a:r>
             <a:endParaRPr lang="en-US" altLang="zh-CN" sz="2400" dirty="0" smtClean="0">
               <a:solidFill>
@@ -4445,7 +4257,7 @@
                 <a:latin typeface="微软雅黑" pitchFamily="34" charset="-122"/>
                 <a:ea typeface="微软雅黑" pitchFamily="34" charset="-122"/>
               </a:rPr>
-              <a:t>正常发光，偶尔会闪几下</a:t>
+              <a:t>立体感的边缘也是有的</a:t>
             </a:r>
             <a:endParaRPr lang="en-US" altLang="zh-CN" sz="2400" dirty="0" smtClean="0">
               <a:solidFill>
@@ -4491,6 +4303,19 @@
               <a:t>3.</a:t>
             </a:r>
             <a:r>
+              <a:rPr lang="zh-CN" altLang="en-US" sz="2400" dirty="0">
+                <a:solidFill>
+                  <a:schemeClr val="tx1">
+                    <a:lumMod val="75000"/>
+                    <a:lumOff val="25000"/>
+                  </a:schemeClr>
+                </a:solidFill>
+                <a:latin typeface="微软雅黑" pitchFamily="34" charset="-122"/>
+                <a:ea typeface="微软雅黑" pitchFamily="34" charset="-122"/>
+              </a:rPr>
+              <a:t>投影是存在</a:t>
+            </a:r>
+            <a:r>
               <a:rPr lang="zh-CN" altLang="en-US" sz="2400" dirty="0" smtClean="0">
                 <a:solidFill>
                   <a:schemeClr val="tx1">
@@ -4501,7 +4326,7 @@
                 <a:latin typeface="微软雅黑" pitchFamily="34" charset="-122"/>
                 <a:ea typeface="微软雅黑" pitchFamily="34" charset="-122"/>
               </a:rPr>
-              <a:t>正常发光，闪几下熄灭，再闪几下正常发光</a:t>
+              <a:t>的</a:t>
             </a:r>
             <a:endParaRPr lang="en-US" altLang="zh-CN" sz="2400" dirty="0">
               <a:solidFill>
@@ -4514,12 +4339,72 @@
               <a:ea typeface="微软雅黑" pitchFamily="34" charset="-122"/>
             </a:endParaRPr>
           </a:p>
+          <a:p>
+            <a:pPr>
+              <a:lnSpc>
+                <a:spcPct val="150000"/>
+              </a:lnSpc>
+            </a:pPr>
+            <a:r>
+              <a:rPr lang="en-US" altLang="zh-CN" sz="2400" dirty="0" smtClean="0">
+                <a:solidFill>
+                  <a:schemeClr val="tx1">
+                    <a:lumMod val="75000"/>
+                    <a:lumOff val="25000"/>
+                  </a:schemeClr>
+                </a:solidFill>
+                <a:latin typeface="微软雅黑" pitchFamily="34" charset="-122"/>
+                <a:ea typeface="微软雅黑" pitchFamily="34" charset="-122"/>
+              </a:rPr>
+              <a:t>	4.</a:t>
+            </a:r>
+            <a:r>
+              <a:rPr lang="zh-CN" altLang="en-US" sz="2400" dirty="0" smtClean="0">
+                <a:solidFill>
+                  <a:schemeClr val="tx1">
+                    <a:lumMod val="75000"/>
+                    <a:lumOff val="25000"/>
+                  </a:schemeClr>
+                </a:solidFill>
+                <a:latin typeface="微软雅黑" pitchFamily="34" charset="-122"/>
+                <a:ea typeface="微软雅黑" pitchFamily="34" charset="-122"/>
+              </a:rPr>
+              <a:t>发光部分，肯定是消失的</a:t>
+            </a:r>
+            <a:endParaRPr lang="en-US" altLang="zh-CN" sz="2400" dirty="0" smtClean="0">
+              <a:solidFill>
+                <a:schemeClr val="tx1">
+                  <a:lumMod val="75000"/>
+                  <a:lumOff val="25000"/>
+                </a:schemeClr>
+              </a:solidFill>
+              <a:latin typeface="微软雅黑" pitchFamily="34" charset="-122"/>
+              <a:ea typeface="微软雅黑" pitchFamily="34" charset="-122"/>
+            </a:endParaRPr>
+          </a:p>
+          <a:p>
+            <a:pPr>
+              <a:lnSpc>
+                <a:spcPct val="150000"/>
+              </a:lnSpc>
+            </a:pPr>
+            <a:endParaRPr lang="en-US" altLang="zh-CN" sz="2400" dirty="0">
+              <a:solidFill>
+                <a:schemeClr val="tx1">
+                  <a:lumMod val="75000"/>
+                  <a:lumOff val="25000"/>
+                </a:schemeClr>
+              </a:solidFill>
+              <a:latin typeface="微软雅黑" pitchFamily="34" charset="-122"/>
+              <a:ea typeface="微软雅黑" pitchFamily="34" charset="-122"/>
+            </a:endParaRPr>
+          </a:p>
         </p:txBody>
       </p:sp>
     </p:spTree>
     <p:extLst>
       <p:ext uri="{BB962C8B-B14F-4D97-AF65-F5344CB8AC3E}">
-        <p14:creationId xmlns:p14="http://schemas.microsoft.com/office/powerpoint/2010/main" val="873650180"/>
+        <p14:creationId xmlns:p14="http://schemas.microsoft.com/office/powerpoint/2010/main" val="818344989"/>
       </p:ext>
     </p:extLst>
   </p:cSld>
@@ -4562,7 +4447,7 @@
         <p:spPr>
           <a:xfrm>
             <a:off x="467544" y="476672"/>
-            <a:ext cx="7200800" cy="662554"/>
+            <a:ext cx="7200800" cy="738664"/>
           </a:xfrm>
           <a:prstGeom prst="rect">
             <a:avLst/>
@@ -4591,7 +4476,7 @@
                 <a:latin typeface="微软雅黑" pitchFamily="34" charset="-122"/>
                 <a:ea typeface="微软雅黑" pitchFamily="34" charset="-122"/>
               </a:rPr>
-              <a:t>9.</a:t>
+              <a:t>8.</a:t>
             </a:r>
             <a:r>
               <a:rPr lang="zh-CN" altLang="en-US" sz="2800" dirty="0" smtClean="0">
@@ -4604,7 +4489,7 @@
                 <a:latin typeface="微软雅黑" pitchFamily="34" charset="-122"/>
                 <a:ea typeface="微软雅黑" pitchFamily="34" charset="-122"/>
               </a:rPr>
-              <a:t>按钮的内凹边框</a:t>
+              <a:t>闪烁的霓虹灯文字</a:t>
             </a:r>
             <a:endParaRPr lang="zh-CN" altLang="en-US" sz="2800" dirty="0">
               <a:solidFill>
@@ -4628,7 +4513,7 @@
         <p:spPr>
           <a:xfrm>
             <a:off x="621565" y="1365540"/>
-            <a:ext cx="7488832" cy="581057"/>
+            <a:ext cx="7488832" cy="2862322"/>
           </a:xfrm>
           <a:prstGeom prst="rect">
             <a:avLst/>
@@ -4657,7 +4542,175 @@
                 <a:latin typeface="微软雅黑" pitchFamily="34" charset="-122"/>
                 <a:ea typeface="微软雅黑" pitchFamily="34" charset="-122"/>
               </a:rPr>
-              <a:t>所谓闪烁，</a:t>
+              <a:t>所谓闪烁，感觉好像是接触不良或者是电压不稳的效果，其实就是快速的亮暗交替。闪烁的类型很多：</a:t>
+            </a:r>
+            <a:endParaRPr lang="en-US" altLang="zh-CN" sz="2400" dirty="0" smtClean="0">
+              <a:solidFill>
+                <a:schemeClr val="tx1">
+                  <a:lumMod val="75000"/>
+                  <a:lumOff val="25000"/>
+                </a:schemeClr>
+              </a:solidFill>
+              <a:latin typeface="微软雅黑" pitchFamily="34" charset="-122"/>
+              <a:ea typeface="微软雅黑" pitchFamily="34" charset="-122"/>
+            </a:endParaRPr>
+          </a:p>
+          <a:p>
+            <a:pPr>
+              <a:lnSpc>
+                <a:spcPct val="150000"/>
+              </a:lnSpc>
+            </a:pPr>
+            <a:r>
+              <a:rPr lang="en-US" altLang="zh-CN" sz="2400" dirty="0">
+                <a:solidFill>
+                  <a:schemeClr val="tx1">
+                    <a:lumMod val="75000"/>
+                    <a:lumOff val="25000"/>
+                  </a:schemeClr>
+                </a:solidFill>
+                <a:latin typeface="微软雅黑" pitchFamily="34" charset="-122"/>
+                <a:ea typeface="微软雅黑" pitchFamily="34" charset="-122"/>
+              </a:rPr>
+              <a:t>	</a:t>
+            </a:r>
+            <a:r>
+              <a:rPr lang="en-US" altLang="zh-CN" sz="2400" dirty="0" smtClean="0">
+                <a:solidFill>
+                  <a:schemeClr val="tx1">
+                    <a:lumMod val="75000"/>
+                    <a:lumOff val="25000"/>
+                  </a:schemeClr>
+                </a:solidFill>
+                <a:latin typeface="微软雅黑" pitchFamily="34" charset="-122"/>
+                <a:ea typeface="微软雅黑" pitchFamily="34" charset="-122"/>
+              </a:rPr>
+              <a:t>1.</a:t>
+            </a:r>
+            <a:r>
+              <a:rPr lang="zh-CN" altLang="en-US" sz="2400" dirty="0" smtClean="0">
+                <a:solidFill>
+                  <a:schemeClr val="tx1">
+                    <a:lumMod val="75000"/>
+                    <a:lumOff val="25000"/>
+                  </a:schemeClr>
+                </a:solidFill>
+                <a:latin typeface="微软雅黑" pitchFamily="34" charset="-122"/>
+                <a:ea typeface="微软雅黑" pitchFamily="34" charset="-122"/>
+              </a:rPr>
+              <a:t>快速闪烁（类似灯管）</a:t>
+            </a:r>
+            <a:endParaRPr lang="en-US" altLang="zh-CN" sz="2400" dirty="0" smtClean="0">
+              <a:solidFill>
+                <a:schemeClr val="tx1">
+                  <a:lumMod val="75000"/>
+                  <a:lumOff val="25000"/>
+                </a:schemeClr>
+              </a:solidFill>
+              <a:latin typeface="微软雅黑" pitchFamily="34" charset="-122"/>
+              <a:ea typeface="微软雅黑" pitchFamily="34" charset="-122"/>
+            </a:endParaRPr>
+          </a:p>
+          <a:p>
+            <a:pPr>
+              <a:lnSpc>
+                <a:spcPct val="150000"/>
+              </a:lnSpc>
+            </a:pPr>
+            <a:r>
+              <a:rPr lang="en-US" altLang="zh-CN" sz="2400" dirty="0">
+                <a:solidFill>
+                  <a:schemeClr val="tx1">
+                    <a:lumMod val="75000"/>
+                    <a:lumOff val="25000"/>
+                  </a:schemeClr>
+                </a:solidFill>
+                <a:latin typeface="微软雅黑" pitchFamily="34" charset="-122"/>
+                <a:ea typeface="微软雅黑" pitchFamily="34" charset="-122"/>
+              </a:rPr>
+              <a:t>	</a:t>
+            </a:r>
+            <a:r>
+              <a:rPr lang="en-US" altLang="zh-CN" sz="2400" dirty="0" smtClean="0">
+                <a:solidFill>
+                  <a:schemeClr val="tx1">
+                    <a:lumMod val="75000"/>
+                    <a:lumOff val="25000"/>
+                  </a:schemeClr>
+                </a:solidFill>
+                <a:latin typeface="微软雅黑" pitchFamily="34" charset="-122"/>
+                <a:ea typeface="微软雅黑" pitchFamily="34" charset="-122"/>
+              </a:rPr>
+              <a:t>2.</a:t>
+            </a:r>
+            <a:r>
+              <a:rPr lang="zh-CN" altLang="en-US" sz="2400" dirty="0" smtClean="0">
+                <a:solidFill>
+                  <a:schemeClr val="tx1">
+                    <a:lumMod val="75000"/>
+                    <a:lumOff val="25000"/>
+                  </a:schemeClr>
+                </a:solidFill>
+                <a:latin typeface="微软雅黑" pitchFamily="34" charset="-122"/>
+                <a:ea typeface="微软雅黑" pitchFamily="34" charset="-122"/>
+              </a:rPr>
+              <a:t>正常发光，偶尔会闪几下</a:t>
+            </a:r>
+            <a:endParaRPr lang="en-US" altLang="zh-CN" sz="2400" dirty="0" smtClean="0">
+              <a:solidFill>
+                <a:schemeClr val="tx1">
+                  <a:lumMod val="75000"/>
+                  <a:lumOff val="25000"/>
+                </a:schemeClr>
+              </a:solidFill>
+              <a:latin typeface="微软雅黑" pitchFamily="34" charset="-122"/>
+              <a:ea typeface="微软雅黑" pitchFamily="34" charset="-122"/>
+            </a:endParaRPr>
+          </a:p>
+          <a:p>
+            <a:pPr>
+              <a:lnSpc>
+                <a:spcPct val="150000"/>
+              </a:lnSpc>
+            </a:pPr>
+            <a:r>
+              <a:rPr lang="en-US" altLang="zh-CN" sz="2400" dirty="0">
+                <a:solidFill>
+                  <a:schemeClr val="tx1">
+                    <a:lumMod val="75000"/>
+                    <a:lumOff val="25000"/>
+                  </a:schemeClr>
+                </a:solidFill>
+                <a:latin typeface="微软雅黑" pitchFamily="34" charset="-122"/>
+                <a:ea typeface="微软雅黑" pitchFamily="34" charset="-122"/>
+              </a:rPr>
+              <a:t>	</a:t>
+            </a:r>
+            <a:r>
+              <a:rPr lang="en-US" altLang="zh-CN" sz="2400" dirty="0" smtClean="0">
+                <a:solidFill>
+                  <a:schemeClr val="tx1">
+                    <a:lumMod val="75000"/>
+                    <a:lumOff val="25000"/>
+                  </a:schemeClr>
+                </a:solidFill>
+                <a:latin typeface="微软雅黑" pitchFamily="34" charset="-122"/>
+                <a:ea typeface="微软雅黑" pitchFamily="34" charset="-122"/>
+              </a:rPr>
+              <a:t>3.</a:t>
+            </a:r>
+            <a:r>
+              <a:rPr lang="zh-CN" altLang="en-US" sz="2400" dirty="0" smtClean="0">
+                <a:solidFill>
+                  <a:schemeClr val="tx1">
+                    <a:lumMod val="75000"/>
+                    <a:lumOff val="25000"/>
+                  </a:schemeClr>
+                </a:solidFill>
+                <a:latin typeface="微软雅黑" pitchFamily="34" charset="-122"/>
+                <a:ea typeface="微软雅黑" pitchFamily="34" charset="-122"/>
+              </a:rPr>
+              <a:t>正常发光，闪几下熄灭，再闪几下正常发光</a:t>
             </a:r>
             <a:endParaRPr lang="en-US" altLang="zh-CN" sz="2400" dirty="0">
               <a:solidFill>
@@ -4675,7 +4728,7 @@
     </p:spTree>
     <p:extLst>
       <p:ext uri="{BB962C8B-B14F-4D97-AF65-F5344CB8AC3E}">
-        <p14:creationId xmlns:p14="http://schemas.microsoft.com/office/powerpoint/2010/main" val="240297660"/>
+        <p14:creationId xmlns:p14="http://schemas.microsoft.com/office/powerpoint/2010/main" val="873650180"/>
       </p:ext>
     </p:extLst>
   </p:cSld>
@@ -4747,7 +4800,7 @@
                 <a:latin typeface="微软雅黑" pitchFamily="34" charset="-122"/>
                 <a:ea typeface="微软雅黑" pitchFamily="34" charset="-122"/>
               </a:rPr>
-              <a:t>10.</a:t>
+              <a:t>9.</a:t>
             </a:r>
             <a:r>
               <a:rPr lang="zh-CN" altLang="en-US" sz="2800" dirty="0" smtClean="0">
@@ -4760,20 +4813,7 @@
                 <a:latin typeface="微软雅黑" pitchFamily="34" charset="-122"/>
                 <a:ea typeface="微软雅黑" pitchFamily="34" charset="-122"/>
               </a:rPr>
-              <a:t>按钮的</a:t>
-            </a:r>
-            <a:r>
-              <a:rPr lang="zh-CN" altLang="en-US" sz="2800" dirty="0" smtClean="0">
-                <a:solidFill>
-                  <a:schemeClr val="tx1">
-                    <a:lumMod val="75000"/>
-                    <a:lumOff val="25000"/>
-                  </a:schemeClr>
-                </a:solidFill>
-                <a:latin typeface="微软雅黑" pitchFamily="34" charset="-122"/>
-                <a:ea typeface="微软雅黑" pitchFamily="34" charset="-122"/>
-              </a:rPr>
-              <a:t>底板</a:t>
+              <a:t>按钮的内凹边框</a:t>
             </a:r>
             <a:endParaRPr lang="zh-CN" altLang="en-US" sz="2800" dirty="0">
               <a:solidFill>
@@ -4844,7 +4884,7 @@
     </p:spTree>
     <p:extLst>
       <p:ext uri="{BB962C8B-B14F-4D97-AF65-F5344CB8AC3E}">
-        <p14:creationId xmlns:p14="http://schemas.microsoft.com/office/powerpoint/2010/main" val="182657588"/>
+        <p14:creationId xmlns:p14="http://schemas.microsoft.com/office/powerpoint/2010/main" val="240297660"/>
       </p:ext>
     </p:extLst>
   </p:cSld>
@@ -4916,7 +4956,7 @@
                 <a:latin typeface="微软雅黑" pitchFamily="34" charset="-122"/>
                 <a:ea typeface="微软雅黑" pitchFamily="34" charset="-122"/>
               </a:rPr>
-              <a:t>11.</a:t>
+              <a:t>10.</a:t>
             </a:r>
             <a:r>
               <a:rPr lang="zh-CN" altLang="en-US" sz="2800" dirty="0" smtClean="0">
@@ -4929,7 +4969,7 @@
                 <a:latin typeface="微软雅黑" pitchFamily="34" charset="-122"/>
                 <a:ea typeface="微软雅黑" pitchFamily="34" charset="-122"/>
               </a:rPr>
-              <a:t>按钮的圆形滑块</a:t>
+              <a:t>按钮的底板</a:t>
             </a:r>
             <a:endParaRPr lang="zh-CN" altLang="en-US" sz="2800" dirty="0">
               <a:solidFill>
@@ -5000,7 +5040,7 @@
     </p:spTree>
     <p:extLst>
       <p:ext uri="{BB962C8B-B14F-4D97-AF65-F5344CB8AC3E}">
-        <p14:creationId xmlns:p14="http://schemas.microsoft.com/office/powerpoint/2010/main" val="2975012464"/>
+        <p14:creationId xmlns:p14="http://schemas.microsoft.com/office/powerpoint/2010/main" val="182657588"/>
       </p:ext>
     </p:extLst>
   </p:cSld>
@@ -5072,7 +5112,7 @@
                 <a:latin typeface="微软雅黑" pitchFamily="34" charset="-122"/>
                 <a:ea typeface="微软雅黑" pitchFamily="34" charset="-122"/>
               </a:rPr>
-              <a:t>12.</a:t>
+              <a:t>11.</a:t>
             </a:r>
             <a:r>
               <a:rPr lang="zh-CN" altLang="en-US" sz="2800" dirty="0" smtClean="0">
@@ -5085,7 +5125,7 @@
                 <a:latin typeface="微软雅黑" pitchFamily="34" charset="-122"/>
                 <a:ea typeface="微软雅黑" pitchFamily="34" charset="-122"/>
               </a:rPr>
-              <a:t>关联按钮和霓虹灯</a:t>
+              <a:t>按钮的圆形滑块</a:t>
             </a:r>
             <a:endParaRPr lang="zh-CN" altLang="en-US" sz="2800" dirty="0">
               <a:solidFill>
@@ -5156,7 +5196,7 @@
     </p:spTree>
     <p:extLst>
       <p:ext uri="{BB962C8B-B14F-4D97-AF65-F5344CB8AC3E}">
-        <p14:creationId xmlns:p14="http://schemas.microsoft.com/office/powerpoint/2010/main" val="3912534722"/>
+        <p14:creationId xmlns:p14="http://schemas.microsoft.com/office/powerpoint/2010/main" val="2975012464"/>
       </p:ext>
     </p:extLst>
   </p:cSld>
@@ -5199,6 +5239,162 @@
         <p:spPr>
           <a:xfrm>
             <a:off x="467544" y="476672"/>
+            <a:ext cx="7200800" cy="662554"/>
+          </a:xfrm>
+          <a:prstGeom prst="rect">
+            <a:avLst/>
+          </a:prstGeom>
+          <a:noFill/>
+        </p:spPr>
+        <p:txBody>
+          <a:bodyPr wrap="square" rtlCol="0">
+            <a:spAutoFit/>
+          </a:bodyPr>
+          <a:lstStyle/>
+          <a:p>
+            <a:pPr>
+              <a:lnSpc>
+                <a:spcPct val="150000"/>
+              </a:lnSpc>
+            </a:pPr>
+            <a:r>
+              <a:rPr lang="en-US" altLang="zh-CN" sz="2800" dirty="0" smtClean="0">
+                <a:solidFill>
+                  <a:schemeClr val="tx1">
+                    <a:lumMod val="75000"/>
+                    <a:lumOff val="25000"/>
+                  </a:schemeClr>
+                </a:solidFill>
+                <a:latin typeface="微软雅黑" pitchFamily="34" charset="-122"/>
+                <a:ea typeface="微软雅黑" pitchFamily="34" charset="-122"/>
+              </a:rPr>
+              <a:t>12.</a:t>
+            </a:r>
+            <a:r>
+              <a:rPr lang="zh-CN" altLang="en-US" sz="2800" dirty="0" smtClean="0">
+                <a:solidFill>
+                  <a:schemeClr val="tx1">
+                    <a:lumMod val="75000"/>
+                    <a:lumOff val="25000"/>
+                  </a:schemeClr>
+                </a:solidFill>
+                <a:latin typeface="微软雅黑" pitchFamily="34" charset="-122"/>
+                <a:ea typeface="微软雅黑" pitchFamily="34" charset="-122"/>
+              </a:rPr>
+              <a:t>关联按钮和霓虹灯</a:t>
+            </a:r>
+            <a:endParaRPr lang="zh-CN" altLang="en-US" sz="2800" dirty="0">
+              <a:solidFill>
+                <a:schemeClr val="tx1">
+                  <a:lumMod val="75000"/>
+                  <a:lumOff val="25000"/>
+                </a:schemeClr>
+              </a:solidFill>
+              <a:latin typeface="微软雅黑" pitchFamily="34" charset="-122"/>
+              <a:ea typeface="微软雅黑" pitchFamily="34" charset="-122"/>
+            </a:endParaRPr>
+          </a:p>
+        </p:txBody>
+      </p:sp>
+      <p:sp>
+        <p:nvSpPr>
+          <p:cNvPr id="5" name="TextBox 4"/>
+          <p:cNvSpPr txBox="1"/>
+          <p:nvPr/>
+        </p:nvSpPr>
+        <p:spPr>
+          <a:xfrm>
+            <a:off x="621565" y="1365540"/>
+            <a:ext cx="7488832" cy="581057"/>
+          </a:xfrm>
+          <a:prstGeom prst="rect">
+            <a:avLst/>
+          </a:prstGeom>
+          <a:noFill/>
+        </p:spPr>
+        <p:txBody>
+          <a:bodyPr wrap="square" rtlCol="0">
+            <a:spAutoFit/>
+          </a:bodyPr>
+          <a:lstStyle/>
+          <a:p>
+            <a:pPr>
+              <a:lnSpc>
+                <a:spcPct val="150000"/>
+              </a:lnSpc>
+            </a:pPr>
+            <a:r>
+              <a:rPr lang="zh-CN" altLang="en-US" sz="2400" dirty="0" smtClean="0">
+                <a:solidFill>
+                  <a:schemeClr val="tx1">
+                    <a:lumMod val="75000"/>
+                    <a:lumOff val="25000"/>
+                  </a:schemeClr>
+                </a:solidFill>
+                <a:latin typeface="微软雅黑" pitchFamily="34" charset="-122"/>
+                <a:ea typeface="微软雅黑" pitchFamily="34" charset="-122"/>
+              </a:rPr>
+              <a:t>所谓闪烁，</a:t>
+            </a:r>
+            <a:endParaRPr lang="en-US" altLang="zh-CN" sz="2400" dirty="0">
+              <a:solidFill>
+                <a:schemeClr val="tx1">
+                  <a:lumMod val="75000"/>
+                  <a:lumOff val="25000"/>
+                </a:schemeClr>
+              </a:solidFill>
+              <a:latin typeface="微软雅黑" pitchFamily="34" charset="-122"/>
+              <a:ea typeface="微软雅黑" pitchFamily="34" charset="-122"/>
+            </a:endParaRPr>
+          </a:p>
+        </p:txBody>
+      </p:sp>
+    </p:spTree>
+    <p:extLst>
+      <p:ext uri="{BB962C8B-B14F-4D97-AF65-F5344CB8AC3E}">
+        <p14:creationId xmlns:p14="http://schemas.microsoft.com/office/powerpoint/2010/main" val="3912534722"/>
+      </p:ext>
+    </p:extLst>
+  </p:cSld>
+  <p:clrMapOvr>
+    <a:masterClrMapping/>
+  </p:clrMapOvr>
+  <p:timing>
+    <p:tnLst>
+      <p:par>
+        <p:cTn id="1" dur="indefinite" restart="never" nodeType="tmRoot"/>
+      </p:par>
+    </p:tnLst>
+  </p:timing>
+</p:sld>
+</file>
+
+<file path=ppt/slides/slide18.xml><?xml version="1.0" encoding="utf-8"?>
+<p:sld xmlns:a="http://schemas.openxmlformats.org/drawingml/2006/main" xmlns:r="http://schemas.openxmlformats.org/officeDocument/2006/relationships" xmlns:p="http://schemas.openxmlformats.org/presentationml/2006/main">
+  <p:cSld>
+    <p:spTree>
+      <p:nvGrpSpPr>
+        <p:cNvPr id="1" name=""/>
+        <p:cNvGrpSpPr/>
+        <p:nvPr/>
+      </p:nvGrpSpPr>
+      <p:grpSpPr>
+        <a:xfrm>
+          <a:off x="0" y="0"/>
+          <a:ext cx="0" cy="0"/>
+          <a:chOff x="0" y="0"/>
+          <a:chExt cx="0" cy="0"/>
+        </a:xfrm>
+      </p:grpSpPr>
+      <p:sp>
+        <p:nvSpPr>
+          <p:cNvPr id="4" name="TextBox 3"/>
+          <p:cNvSpPr txBox="1"/>
+          <p:nvPr/>
+        </p:nvSpPr>
+        <p:spPr>
+          <a:xfrm>
+            <a:off x="467544" y="476672"/>
             <a:ext cx="7776864" cy="523220"/>
           </a:xfrm>
           <a:prstGeom prst="rect">
@@ -5223,20 +5419,7 @@
                 <a:latin typeface="微软雅黑" pitchFamily="34" charset="-122"/>
                 <a:ea typeface="微软雅黑" pitchFamily="34" charset="-122"/>
               </a:rPr>
-              <a:t>13</a:t>
-            </a:r>
-            <a:r>
-              <a:rPr lang="en-US" altLang="zh-CN" sz="2800" dirty="0" smtClean="0">
-                <a:solidFill>
-                  <a:schemeClr val="tx1">
-                    <a:lumMod val="75000"/>
-                    <a:lumOff val="25000"/>
-                  </a:schemeClr>
-                </a:solidFill>
-                <a:latin typeface="微软雅黑" pitchFamily="34" charset="-122"/>
-                <a:ea typeface="微软雅黑" pitchFamily="34" charset="-122"/>
-              </a:rPr>
-              <a:t>.</a:t>
+              <a:t>13.</a:t>
             </a:r>
             <a:r>
               <a:rPr lang="zh-CN" altLang="en-US" sz="2800" dirty="0" smtClean="0">
@@ -5598,7 +5781,7 @@
 </p:sld>
 </file>
 
-<file path=ppt/slides/slide18.xml><?xml version="1.0" encoding="utf-8"?>
+<file path=ppt/slides/slide19.xml><?xml version="1.0" encoding="utf-8"?>
 <p:sld xmlns:a="http://schemas.openxmlformats.org/drawingml/2006/main" xmlns:r="http://schemas.openxmlformats.org/officeDocument/2006/relationships" xmlns:p="http://schemas.openxmlformats.org/presentationml/2006/main">
   <p:cSld>
     <p:spTree>
@@ -5628,7 +5811,399 @@
 </p:sld>
 </file>
 
-<file path=ppt/slides/slide19.xml><?xml version="1.0" encoding="utf-8"?>
+<file path=ppt/slides/slide2.xml><?xml version="1.0" encoding="utf-8"?>
+<p:sld xmlns:a="http://schemas.openxmlformats.org/drawingml/2006/main" xmlns:r="http://schemas.openxmlformats.org/officeDocument/2006/relationships" xmlns:p="http://schemas.openxmlformats.org/presentationml/2006/main">
+  <p:cSld>
+    <p:spTree>
+      <p:nvGrpSpPr>
+        <p:cNvPr id="1" name=""/>
+        <p:cNvGrpSpPr/>
+        <p:nvPr/>
+      </p:nvGrpSpPr>
+      <p:grpSpPr>
+        <a:xfrm>
+          <a:off x="0" y="0"/>
+          <a:ext cx="0" cy="0"/>
+          <a:chOff x="0" y="0"/>
+          <a:chExt cx="0" cy="0"/>
+        </a:xfrm>
+      </p:grpSpPr>
+      <p:sp>
+        <p:nvSpPr>
+          <p:cNvPr id="4" name="TextBox 3"/>
+          <p:cNvSpPr txBox="1"/>
+          <p:nvPr/>
+        </p:nvSpPr>
+        <p:spPr>
+          <a:xfrm>
+            <a:off x="467544" y="476672"/>
+            <a:ext cx="5976664" cy="523220"/>
+          </a:xfrm>
+          <a:prstGeom prst="rect">
+            <a:avLst/>
+          </a:prstGeom>
+          <a:noFill/>
+        </p:spPr>
+        <p:txBody>
+          <a:bodyPr wrap="square" rtlCol="0">
+            <a:spAutoFit/>
+          </a:bodyPr>
+          <a:lstStyle/>
+          <a:p>
+            <a:r>
+              <a:rPr lang="en-US" altLang="zh-CN" sz="2800" dirty="0" smtClean="0">
+                <a:solidFill>
+                  <a:schemeClr val="tx1">
+                    <a:lumMod val="75000"/>
+                    <a:lumOff val="25000"/>
+                  </a:schemeClr>
+                </a:solidFill>
+                <a:latin typeface="微软雅黑" pitchFamily="34" charset="-122"/>
+                <a:ea typeface="微软雅黑" pitchFamily="34" charset="-122"/>
+              </a:rPr>
+              <a:t>1.</a:t>
+            </a:r>
+            <a:r>
+              <a:rPr lang="zh-CN" altLang="en-US" sz="2800" dirty="0" smtClean="0">
+                <a:solidFill>
+                  <a:schemeClr val="tx1">
+                    <a:lumMod val="75000"/>
+                    <a:lumOff val="25000"/>
+                  </a:schemeClr>
+                </a:solidFill>
+                <a:latin typeface="微软雅黑" pitchFamily="34" charset="-122"/>
+                <a:ea typeface="微软雅黑" pitchFamily="34" charset="-122"/>
+              </a:rPr>
+              <a:t>动画</a:t>
+            </a:r>
+            <a:r>
+              <a:rPr lang="en-US" altLang="zh-CN" sz="2800" dirty="0" smtClean="0">
+                <a:solidFill>
+                  <a:schemeClr val="tx1">
+                    <a:lumMod val="75000"/>
+                    <a:lumOff val="25000"/>
+                  </a:schemeClr>
+                </a:solidFill>
+                <a:latin typeface="微软雅黑" pitchFamily="34" charset="-122"/>
+                <a:ea typeface="微软雅黑" pitchFamily="34" charset="-122"/>
+              </a:rPr>
+              <a:t>——</a:t>
+            </a:r>
+            <a:r>
+              <a:rPr lang="zh-CN" altLang="en-US" sz="2800" dirty="0" smtClean="0">
+                <a:solidFill>
+                  <a:schemeClr val="tx1">
+                    <a:lumMod val="75000"/>
+                    <a:lumOff val="25000"/>
+                  </a:schemeClr>
+                </a:solidFill>
+                <a:latin typeface="微软雅黑" pitchFamily="34" charset="-122"/>
+                <a:ea typeface="微软雅黑" pitchFamily="34" charset="-122"/>
+              </a:rPr>
+              <a:t>霓虹灯</a:t>
+            </a:r>
+            <a:endParaRPr lang="zh-CN" altLang="en-US" sz="2800" dirty="0">
+              <a:solidFill>
+                <a:schemeClr val="tx1">
+                  <a:lumMod val="75000"/>
+                  <a:lumOff val="25000"/>
+                </a:schemeClr>
+              </a:solidFill>
+              <a:latin typeface="微软雅黑" pitchFamily="34" charset="-122"/>
+              <a:ea typeface="微软雅黑" pitchFamily="34" charset="-122"/>
+            </a:endParaRPr>
+          </a:p>
+        </p:txBody>
+      </p:sp>
+      <p:sp>
+        <p:nvSpPr>
+          <p:cNvPr id="2" name="TextBox 1"/>
+          <p:cNvSpPr txBox="1"/>
+          <p:nvPr/>
+        </p:nvSpPr>
+        <p:spPr>
+          <a:xfrm>
+            <a:off x="611560" y="1124744"/>
+            <a:ext cx="7416824" cy="3416320"/>
+          </a:xfrm>
+          <a:prstGeom prst="rect">
+            <a:avLst/>
+          </a:prstGeom>
+          <a:noFill/>
+        </p:spPr>
+        <p:txBody>
+          <a:bodyPr wrap="square" rtlCol="0">
+            <a:spAutoFit/>
+          </a:bodyPr>
+          <a:lstStyle/>
+          <a:p>
+            <a:pPr>
+              <a:lnSpc>
+                <a:spcPct val="150000"/>
+              </a:lnSpc>
+            </a:pPr>
+            <a:r>
+              <a:rPr lang="zh-CN" altLang="en-US" sz="2400" dirty="0" smtClean="0">
+                <a:solidFill>
+                  <a:schemeClr val="tx1">
+                    <a:lumMod val="75000"/>
+                    <a:lumOff val="25000"/>
+                  </a:schemeClr>
+                </a:solidFill>
+                <a:latin typeface="微软雅黑" pitchFamily="34" charset="-122"/>
+                <a:ea typeface="微软雅黑" pitchFamily="34" charset="-122"/>
+              </a:rPr>
+              <a:t>本期我们要实现一个开关控制的霓虹灯，难度系数</a:t>
+            </a:r>
+            <a:r>
+              <a:rPr lang="en-US" altLang="zh-CN" sz="2400" b="1" dirty="0" smtClean="0">
+                <a:solidFill>
+                  <a:schemeClr val="tx1">
+                    <a:lumMod val="75000"/>
+                    <a:lumOff val="25000"/>
+                  </a:schemeClr>
+                </a:solidFill>
+                <a:latin typeface="微软雅黑" pitchFamily="34" charset="-122"/>
+                <a:ea typeface="微软雅黑" pitchFamily="34" charset="-122"/>
+              </a:rPr>
+              <a:t>2.5</a:t>
+            </a:r>
+            <a:r>
+              <a:rPr lang="en-US" altLang="zh-CN" sz="2400" dirty="0" smtClean="0">
+                <a:solidFill>
+                  <a:schemeClr val="tx1">
+                    <a:lumMod val="75000"/>
+                    <a:lumOff val="25000"/>
+                  </a:schemeClr>
+                </a:solidFill>
+                <a:latin typeface="微软雅黑" pitchFamily="34" charset="-122"/>
+                <a:ea typeface="微软雅黑" pitchFamily="34" charset="-122"/>
+              </a:rPr>
+              <a:t> </a:t>
+            </a:r>
+          </a:p>
+          <a:p>
+            <a:pPr>
+              <a:lnSpc>
+                <a:spcPct val="150000"/>
+              </a:lnSpc>
+            </a:pPr>
+            <a:r>
+              <a:rPr lang="zh-CN" altLang="en-US" sz="2400" dirty="0" smtClean="0">
+                <a:solidFill>
+                  <a:schemeClr val="tx1">
+                    <a:lumMod val="75000"/>
+                    <a:lumOff val="25000"/>
+                  </a:schemeClr>
+                </a:solidFill>
+                <a:latin typeface="微软雅黑" pitchFamily="34" charset="-122"/>
+                <a:ea typeface="微软雅黑" pitchFamily="34" charset="-122"/>
+              </a:rPr>
+              <a:t>该动画主要</a:t>
+            </a:r>
+            <a:r>
+              <a:rPr lang="zh-CN" altLang="en-US" sz="2400" dirty="0">
+                <a:solidFill>
+                  <a:schemeClr val="tx1">
+                    <a:lumMod val="75000"/>
+                    <a:lumOff val="25000"/>
+                  </a:schemeClr>
+                </a:solidFill>
+                <a:latin typeface="微软雅黑" pitchFamily="34" charset="-122"/>
+                <a:ea typeface="微软雅黑" pitchFamily="34" charset="-122"/>
+              </a:rPr>
+              <a:t>通过</a:t>
+            </a:r>
+            <a:r>
+              <a:rPr lang="en-US" altLang="zh-CN" sz="2400" dirty="0" err="1" smtClean="0">
+                <a:solidFill>
+                  <a:schemeClr val="tx1">
+                    <a:lumMod val="75000"/>
+                    <a:lumOff val="25000"/>
+                  </a:schemeClr>
+                </a:solidFill>
+                <a:latin typeface="微软雅黑" pitchFamily="34" charset="-122"/>
+                <a:ea typeface="微软雅黑" pitchFamily="34" charset="-122"/>
+              </a:rPr>
+              <a:t>css</a:t>
+            </a:r>
+            <a:r>
+              <a:rPr lang="zh-CN" altLang="en-US" sz="2400" dirty="0" smtClean="0">
+                <a:solidFill>
+                  <a:schemeClr val="tx1">
+                    <a:lumMod val="75000"/>
+                    <a:lumOff val="25000"/>
+                  </a:schemeClr>
+                </a:solidFill>
+                <a:latin typeface="微软雅黑" pitchFamily="34" charset="-122"/>
+                <a:ea typeface="微软雅黑" pitchFamily="34" charset="-122"/>
+              </a:rPr>
+              <a:t>实现，简单</a:t>
+            </a:r>
+            <a:r>
+              <a:rPr lang="en-US" altLang="zh-CN" sz="2400" dirty="0" err="1" smtClean="0">
+                <a:solidFill>
+                  <a:schemeClr val="tx1">
+                    <a:lumMod val="75000"/>
+                    <a:lumOff val="25000"/>
+                  </a:schemeClr>
+                </a:solidFill>
+                <a:latin typeface="微软雅黑" pitchFamily="34" charset="-122"/>
+                <a:ea typeface="微软雅黑" pitchFamily="34" charset="-122"/>
+              </a:rPr>
+              <a:t>js</a:t>
+            </a:r>
+            <a:r>
+              <a:rPr lang="zh-CN" altLang="en-US" sz="2400" dirty="0" smtClean="0">
+                <a:solidFill>
+                  <a:schemeClr val="tx1">
+                    <a:lumMod val="75000"/>
+                    <a:lumOff val="25000"/>
+                  </a:schemeClr>
+                </a:solidFill>
+                <a:latin typeface="微软雅黑" pitchFamily="34" charset="-122"/>
+                <a:ea typeface="微软雅黑" pitchFamily="34" charset="-122"/>
+              </a:rPr>
+              <a:t>代码实现开关</a:t>
+            </a:r>
+            <a:r>
+              <a:rPr lang="zh-CN" altLang="en-US" sz="2400" dirty="0">
+                <a:solidFill>
+                  <a:schemeClr val="tx1">
+                    <a:lumMod val="75000"/>
+                    <a:lumOff val="25000"/>
+                  </a:schemeClr>
+                </a:solidFill>
+                <a:latin typeface="微软雅黑" pitchFamily="34" charset="-122"/>
+                <a:ea typeface="微软雅黑" pitchFamily="34" charset="-122"/>
+              </a:rPr>
+              <a:t>控制</a:t>
+            </a:r>
+            <a:r>
+              <a:rPr lang="zh-CN" altLang="en-US" sz="2400" dirty="0" smtClean="0">
+                <a:solidFill>
+                  <a:schemeClr val="tx1">
+                    <a:lumMod val="75000"/>
+                    <a:lumOff val="25000"/>
+                  </a:schemeClr>
+                </a:solidFill>
+                <a:latin typeface="微软雅黑" pitchFamily="34" charset="-122"/>
+                <a:ea typeface="微软雅黑" pitchFamily="34" charset="-122"/>
+              </a:rPr>
+              <a:t>霓虹灯效果</a:t>
+            </a:r>
+            <a:r>
+              <a:rPr lang="en-US" altLang="zh-CN" sz="2400" dirty="0" smtClean="0">
+                <a:solidFill>
+                  <a:schemeClr val="tx1">
+                    <a:lumMod val="75000"/>
+                    <a:lumOff val="25000"/>
+                  </a:schemeClr>
+                </a:solidFill>
+                <a:latin typeface="微软雅黑" pitchFamily="34" charset="-122"/>
+                <a:ea typeface="微软雅黑" pitchFamily="34" charset="-122"/>
+              </a:rPr>
+              <a:t>. </a:t>
+            </a:r>
+            <a:r>
+              <a:rPr lang="zh-CN" altLang="en-US" sz="2400" dirty="0" smtClean="0">
+                <a:solidFill>
+                  <a:schemeClr val="tx1">
+                    <a:lumMod val="75000"/>
+                    <a:lumOff val="25000"/>
+                  </a:schemeClr>
+                </a:solidFill>
+                <a:latin typeface="微软雅黑" pitchFamily="34" charset="-122"/>
+                <a:ea typeface="微软雅黑" pitchFamily="34" charset="-122"/>
+              </a:rPr>
+              <a:t>通过盒子阴影实现立体的灯管和灯管的发光，通过文本阴影实现霓虹灯文字，结合</a:t>
+            </a:r>
+            <a:r>
+              <a:rPr lang="en-US" altLang="zh-CN" sz="2400" dirty="0" err="1" smtClean="0">
+                <a:solidFill>
+                  <a:schemeClr val="tx1">
+                    <a:lumMod val="75000"/>
+                    <a:lumOff val="25000"/>
+                  </a:schemeClr>
+                </a:solidFill>
+                <a:latin typeface="微软雅黑" pitchFamily="34" charset="-122"/>
+                <a:ea typeface="微软雅黑" pitchFamily="34" charset="-122"/>
+              </a:rPr>
+              <a:t>css</a:t>
+            </a:r>
+            <a:r>
+              <a:rPr lang="zh-CN" altLang="en-US" sz="2400" dirty="0" smtClean="0">
+                <a:solidFill>
+                  <a:schemeClr val="tx1">
+                    <a:lumMod val="75000"/>
+                    <a:lumOff val="25000"/>
+                  </a:schemeClr>
+                </a:solidFill>
+                <a:latin typeface="微软雅黑" pitchFamily="34" charset="-122"/>
+                <a:ea typeface="微软雅黑" pitchFamily="34" charset="-122"/>
+              </a:rPr>
+              <a:t>动画实现霓虹接触不良，或是电压不稳的效果；按钮开关</a:t>
+            </a:r>
+            <a:r>
+              <a:rPr lang="zh-CN" altLang="en-US" sz="2400" dirty="0">
+                <a:solidFill>
+                  <a:schemeClr val="tx1">
+                    <a:lumMod val="75000"/>
+                    <a:lumOff val="25000"/>
+                  </a:schemeClr>
+                </a:solidFill>
+                <a:latin typeface="微软雅黑" pitchFamily="34" charset="-122"/>
+                <a:ea typeface="微软雅黑" pitchFamily="34" charset="-122"/>
+              </a:rPr>
+              <a:t>主要通过组合渐变背景来</a:t>
+            </a:r>
+            <a:r>
+              <a:rPr lang="zh-CN" altLang="en-US" sz="2400" dirty="0" smtClean="0">
+                <a:solidFill>
+                  <a:schemeClr val="tx1">
+                    <a:lumMod val="75000"/>
+                    <a:lumOff val="25000"/>
+                  </a:schemeClr>
+                </a:solidFill>
+                <a:latin typeface="微软雅黑" pitchFamily="34" charset="-122"/>
+                <a:ea typeface="微软雅黑" pitchFamily="34" charset="-122"/>
+              </a:rPr>
+              <a:t>实现。</a:t>
+            </a:r>
+            <a:endParaRPr lang="en-US" altLang="zh-CN" sz="2400" dirty="0" smtClean="0">
+              <a:solidFill>
+                <a:schemeClr val="tx1">
+                  <a:lumMod val="75000"/>
+                  <a:lumOff val="25000"/>
+                </a:schemeClr>
+              </a:solidFill>
+              <a:latin typeface="微软雅黑" pitchFamily="34" charset="-122"/>
+              <a:ea typeface="微软雅黑" pitchFamily="34" charset="-122"/>
+            </a:endParaRPr>
+          </a:p>
+        </p:txBody>
+      </p:sp>
+    </p:spTree>
+    <p:extLst>
+      <p:ext uri="{BB962C8B-B14F-4D97-AF65-F5344CB8AC3E}">
+        <p14:creationId xmlns:p14="http://schemas.microsoft.com/office/powerpoint/2010/main" val="530281721"/>
+      </p:ext>
+    </p:extLst>
+  </p:cSld>
+  <p:clrMapOvr>
+    <a:masterClrMapping/>
+  </p:clrMapOvr>
+  <p:timing>
+    <p:tnLst>
+      <p:par>
+        <p:cTn id="1" dur="indefinite" restart="never" nodeType="tmRoot"/>
+      </p:par>
+    </p:tnLst>
+  </p:timing>
+</p:sld>
+</file>
+
+<file path=ppt/slides/slide20.xml><?xml version="1.0" encoding="utf-8"?>
 <p:sld xmlns:a="http://schemas.openxmlformats.org/drawingml/2006/main" xmlns:r="http://schemas.openxmlformats.org/officeDocument/2006/relationships" xmlns:p="http://schemas.openxmlformats.org/presentationml/2006/main">
   <p:cSld>
     <p:spTree>
@@ -6337,447 +6912,6 @@
   <p:clrMapOvr>
     <a:masterClrMapping/>
   </p:clrMapOvr>
-</p:sld>
-</file>
-
-<file path=ppt/slides/slide2.xml><?xml version="1.0" encoding="utf-8"?>
-<p:sld xmlns:a="http://schemas.openxmlformats.org/drawingml/2006/main" xmlns:r="http://schemas.openxmlformats.org/officeDocument/2006/relationships" xmlns:p="http://schemas.openxmlformats.org/presentationml/2006/main">
-  <p:cSld>
-    <p:spTree>
-      <p:nvGrpSpPr>
-        <p:cNvPr id="1" name=""/>
-        <p:cNvGrpSpPr/>
-        <p:nvPr/>
-      </p:nvGrpSpPr>
-      <p:grpSpPr>
-        <a:xfrm>
-          <a:off x="0" y="0"/>
-          <a:ext cx="0" cy="0"/>
-          <a:chOff x="0" y="0"/>
-          <a:chExt cx="0" cy="0"/>
-        </a:xfrm>
-      </p:grpSpPr>
-      <p:sp>
-        <p:nvSpPr>
-          <p:cNvPr id="4" name="TextBox 3"/>
-          <p:cNvSpPr txBox="1"/>
-          <p:nvPr/>
-        </p:nvSpPr>
-        <p:spPr>
-          <a:xfrm>
-            <a:off x="467544" y="476672"/>
-            <a:ext cx="5976664" cy="523220"/>
-          </a:xfrm>
-          <a:prstGeom prst="rect">
-            <a:avLst/>
-          </a:prstGeom>
-          <a:noFill/>
-        </p:spPr>
-        <p:txBody>
-          <a:bodyPr wrap="square" rtlCol="0">
-            <a:spAutoFit/>
-          </a:bodyPr>
-          <a:lstStyle/>
-          <a:p>
-            <a:r>
-              <a:rPr lang="en-US" altLang="zh-CN" sz="2800" dirty="0" smtClean="0">
-                <a:solidFill>
-                  <a:schemeClr val="tx1">
-                    <a:lumMod val="75000"/>
-                    <a:lumOff val="25000"/>
-                  </a:schemeClr>
-                </a:solidFill>
-                <a:latin typeface="微软雅黑" pitchFamily="34" charset="-122"/>
-                <a:ea typeface="微软雅黑" pitchFamily="34" charset="-122"/>
-              </a:rPr>
-              <a:t>1.</a:t>
-            </a:r>
-            <a:r>
-              <a:rPr lang="zh-CN" altLang="en-US" sz="2800" dirty="0" smtClean="0">
-                <a:solidFill>
-                  <a:schemeClr val="tx1">
-                    <a:lumMod val="75000"/>
-                    <a:lumOff val="25000"/>
-                  </a:schemeClr>
-                </a:solidFill>
-                <a:latin typeface="微软雅黑" pitchFamily="34" charset="-122"/>
-                <a:ea typeface="微软雅黑" pitchFamily="34" charset="-122"/>
-              </a:rPr>
-              <a:t>动画</a:t>
-            </a:r>
-            <a:r>
-              <a:rPr lang="en-US" altLang="zh-CN" sz="2800" dirty="0" smtClean="0">
-                <a:solidFill>
-                  <a:schemeClr val="tx1">
-                    <a:lumMod val="75000"/>
-                    <a:lumOff val="25000"/>
-                  </a:schemeClr>
-                </a:solidFill>
-                <a:latin typeface="微软雅黑" pitchFamily="34" charset="-122"/>
-                <a:ea typeface="微软雅黑" pitchFamily="34" charset="-122"/>
-              </a:rPr>
-              <a:t>——</a:t>
-            </a:r>
-            <a:r>
-              <a:rPr lang="zh-CN" altLang="en-US" sz="2800" dirty="0" smtClean="0">
-                <a:solidFill>
-                  <a:schemeClr val="tx1">
-                    <a:lumMod val="75000"/>
-                    <a:lumOff val="25000"/>
-                  </a:schemeClr>
-                </a:solidFill>
-                <a:latin typeface="微软雅黑" pitchFamily="34" charset="-122"/>
-                <a:ea typeface="微软雅黑" pitchFamily="34" charset="-122"/>
-              </a:rPr>
-              <a:t>霓虹灯</a:t>
-            </a:r>
-            <a:endParaRPr lang="zh-CN" altLang="en-US" sz="2800" dirty="0">
-              <a:solidFill>
-                <a:schemeClr val="tx1">
-                  <a:lumMod val="75000"/>
-                  <a:lumOff val="25000"/>
-                </a:schemeClr>
-              </a:solidFill>
-              <a:latin typeface="微软雅黑" pitchFamily="34" charset="-122"/>
-              <a:ea typeface="微软雅黑" pitchFamily="34" charset="-122"/>
-            </a:endParaRPr>
-          </a:p>
-        </p:txBody>
-      </p:sp>
-      <p:sp>
-        <p:nvSpPr>
-          <p:cNvPr id="2" name="TextBox 1"/>
-          <p:cNvSpPr txBox="1"/>
-          <p:nvPr/>
-        </p:nvSpPr>
-        <p:spPr>
-          <a:xfrm>
-            <a:off x="611560" y="1124744"/>
-            <a:ext cx="7416824" cy="3416320"/>
-          </a:xfrm>
-          <a:prstGeom prst="rect">
-            <a:avLst/>
-          </a:prstGeom>
-          <a:noFill/>
-        </p:spPr>
-        <p:txBody>
-          <a:bodyPr wrap="square" rtlCol="0">
-            <a:spAutoFit/>
-          </a:bodyPr>
-          <a:lstStyle/>
-          <a:p>
-            <a:pPr>
-              <a:lnSpc>
-                <a:spcPct val="150000"/>
-              </a:lnSpc>
-            </a:pPr>
-            <a:r>
-              <a:rPr lang="zh-CN" altLang="en-US" sz="2400" dirty="0" smtClean="0">
-                <a:solidFill>
-                  <a:schemeClr val="tx1">
-                    <a:lumMod val="75000"/>
-                    <a:lumOff val="25000"/>
-                  </a:schemeClr>
-                </a:solidFill>
-                <a:latin typeface="微软雅黑" pitchFamily="34" charset="-122"/>
-                <a:ea typeface="微软雅黑" pitchFamily="34" charset="-122"/>
-              </a:rPr>
-              <a:t>本期我们要实现一个开关控制的霓虹灯，难度系数</a:t>
-            </a:r>
-            <a:r>
-              <a:rPr lang="en-US" altLang="zh-CN" sz="2400" b="1" dirty="0" smtClean="0">
-                <a:solidFill>
-                  <a:schemeClr val="tx1">
-                    <a:lumMod val="75000"/>
-                    <a:lumOff val="25000"/>
-                  </a:schemeClr>
-                </a:solidFill>
-                <a:latin typeface="微软雅黑" pitchFamily="34" charset="-122"/>
-                <a:ea typeface="微软雅黑" pitchFamily="34" charset="-122"/>
-              </a:rPr>
-              <a:t>2.5</a:t>
-            </a:r>
-            <a:r>
-              <a:rPr lang="en-US" altLang="zh-CN" sz="2400" dirty="0" smtClean="0">
-                <a:solidFill>
-                  <a:schemeClr val="tx1">
-                    <a:lumMod val="75000"/>
-                    <a:lumOff val="25000"/>
-                  </a:schemeClr>
-                </a:solidFill>
-                <a:latin typeface="微软雅黑" pitchFamily="34" charset="-122"/>
-                <a:ea typeface="微软雅黑" pitchFamily="34" charset="-122"/>
-              </a:rPr>
-              <a:t> </a:t>
-            </a:r>
-            <a:endParaRPr lang="en-US" altLang="zh-CN" sz="2400" dirty="0" smtClean="0">
-              <a:solidFill>
-                <a:schemeClr val="tx1">
-                  <a:lumMod val="75000"/>
-                  <a:lumOff val="25000"/>
-                </a:schemeClr>
-              </a:solidFill>
-              <a:latin typeface="微软雅黑" pitchFamily="34" charset="-122"/>
-              <a:ea typeface="微软雅黑" pitchFamily="34" charset="-122"/>
-            </a:endParaRPr>
-          </a:p>
-          <a:p>
-            <a:pPr>
-              <a:lnSpc>
-                <a:spcPct val="150000"/>
-              </a:lnSpc>
-            </a:pPr>
-            <a:r>
-              <a:rPr lang="zh-CN" altLang="en-US" sz="2400" dirty="0" smtClean="0">
-                <a:solidFill>
-                  <a:schemeClr val="tx1">
-                    <a:lumMod val="75000"/>
-                    <a:lumOff val="25000"/>
-                  </a:schemeClr>
-                </a:solidFill>
-                <a:latin typeface="微软雅黑" pitchFamily="34" charset="-122"/>
-                <a:ea typeface="微软雅黑" pitchFamily="34" charset="-122"/>
-              </a:rPr>
-              <a:t>该</a:t>
-            </a:r>
-            <a:r>
-              <a:rPr lang="zh-CN" altLang="en-US" sz="2400" dirty="0" smtClean="0">
-                <a:solidFill>
-                  <a:schemeClr val="tx1">
-                    <a:lumMod val="75000"/>
-                    <a:lumOff val="25000"/>
-                  </a:schemeClr>
-                </a:solidFill>
-                <a:latin typeface="微软雅黑" pitchFamily="34" charset="-122"/>
-                <a:ea typeface="微软雅黑" pitchFamily="34" charset="-122"/>
-              </a:rPr>
-              <a:t>动画</a:t>
-            </a:r>
-            <a:r>
-              <a:rPr lang="zh-CN" altLang="en-US" sz="2400" dirty="0" smtClean="0">
-                <a:solidFill>
-                  <a:schemeClr val="tx1">
-                    <a:lumMod val="75000"/>
-                    <a:lumOff val="25000"/>
-                  </a:schemeClr>
-                </a:solidFill>
-                <a:latin typeface="微软雅黑" pitchFamily="34" charset="-122"/>
-                <a:ea typeface="微软雅黑" pitchFamily="34" charset="-122"/>
-              </a:rPr>
-              <a:t>主要</a:t>
-            </a:r>
-            <a:r>
-              <a:rPr lang="zh-CN" altLang="en-US" sz="2400" dirty="0">
-                <a:solidFill>
-                  <a:schemeClr val="tx1">
-                    <a:lumMod val="75000"/>
-                    <a:lumOff val="25000"/>
-                  </a:schemeClr>
-                </a:solidFill>
-                <a:latin typeface="微软雅黑" pitchFamily="34" charset="-122"/>
-                <a:ea typeface="微软雅黑" pitchFamily="34" charset="-122"/>
-              </a:rPr>
-              <a:t>通过</a:t>
-            </a:r>
-            <a:r>
-              <a:rPr lang="en-US" altLang="zh-CN" sz="2400" dirty="0" err="1" smtClean="0">
-                <a:solidFill>
-                  <a:schemeClr val="tx1">
-                    <a:lumMod val="75000"/>
-                    <a:lumOff val="25000"/>
-                  </a:schemeClr>
-                </a:solidFill>
-                <a:latin typeface="微软雅黑" pitchFamily="34" charset="-122"/>
-                <a:ea typeface="微软雅黑" pitchFamily="34" charset="-122"/>
-              </a:rPr>
-              <a:t>css</a:t>
-            </a:r>
-            <a:r>
-              <a:rPr lang="zh-CN" altLang="en-US" sz="2400" dirty="0" smtClean="0">
-                <a:solidFill>
-                  <a:schemeClr val="tx1">
-                    <a:lumMod val="75000"/>
-                    <a:lumOff val="25000"/>
-                  </a:schemeClr>
-                </a:solidFill>
-                <a:latin typeface="微软雅黑" pitchFamily="34" charset="-122"/>
-                <a:ea typeface="微软雅黑" pitchFamily="34" charset="-122"/>
-              </a:rPr>
-              <a:t>实现</a:t>
-            </a:r>
-            <a:r>
-              <a:rPr lang="zh-CN" altLang="en-US" sz="2400" dirty="0" smtClean="0">
-                <a:solidFill>
-                  <a:schemeClr val="tx1">
-                    <a:lumMod val="75000"/>
-                    <a:lumOff val="25000"/>
-                  </a:schemeClr>
-                </a:solidFill>
-                <a:latin typeface="微软雅黑" pitchFamily="34" charset="-122"/>
-                <a:ea typeface="微软雅黑" pitchFamily="34" charset="-122"/>
-              </a:rPr>
-              <a:t>，简单</a:t>
-            </a:r>
-            <a:r>
-              <a:rPr lang="en-US" altLang="zh-CN" sz="2400" dirty="0" err="1" smtClean="0">
-                <a:solidFill>
-                  <a:schemeClr val="tx1">
-                    <a:lumMod val="75000"/>
-                    <a:lumOff val="25000"/>
-                  </a:schemeClr>
-                </a:solidFill>
-                <a:latin typeface="微软雅黑" pitchFamily="34" charset="-122"/>
-                <a:ea typeface="微软雅黑" pitchFamily="34" charset="-122"/>
-              </a:rPr>
-              <a:t>js</a:t>
-            </a:r>
-            <a:r>
-              <a:rPr lang="zh-CN" altLang="en-US" sz="2400" dirty="0" smtClean="0">
-                <a:solidFill>
-                  <a:schemeClr val="tx1">
-                    <a:lumMod val="75000"/>
-                    <a:lumOff val="25000"/>
-                  </a:schemeClr>
-                </a:solidFill>
-                <a:latin typeface="微软雅黑" pitchFamily="34" charset="-122"/>
-                <a:ea typeface="微软雅黑" pitchFamily="34" charset="-122"/>
-              </a:rPr>
-              <a:t>代码实现开关</a:t>
-            </a:r>
-            <a:r>
-              <a:rPr lang="zh-CN" altLang="en-US" sz="2400" dirty="0">
-                <a:solidFill>
-                  <a:schemeClr val="tx1">
-                    <a:lumMod val="75000"/>
-                    <a:lumOff val="25000"/>
-                  </a:schemeClr>
-                </a:solidFill>
-                <a:latin typeface="微软雅黑" pitchFamily="34" charset="-122"/>
-                <a:ea typeface="微软雅黑" pitchFamily="34" charset="-122"/>
-              </a:rPr>
-              <a:t>控制</a:t>
-            </a:r>
-            <a:r>
-              <a:rPr lang="zh-CN" altLang="en-US" sz="2400" dirty="0" smtClean="0">
-                <a:solidFill>
-                  <a:schemeClr val="tx1">
-                    <a:lumMod val="75000"/>
-                    <a:lumOff val="25000"/>
-                  </a:schemeClr>
-                </a:solidFill>
-                <a:latin typeface="微软雅黑" pitchFamily="34" charset="-122"/>
-                <a:ea typeface="微软雅黑" pitchFamily="34" charset="-122"/>
-              </a:rPr>
-              <a:t>霓虹灯效果</a:t>
-            </a:r>
-            <a:r>
-              <a:rPr lang="en-US" altLang="zh-CN" sz="2400" dirty="0" smtClean="0">
-                <a:solidFill>
-                  <a:schemeClr val="tx1">
-                    <a:lumMod val="75000"/>
-                    <a:lumOff val="25000"/>
-                  </a:schemeClr>
-                </a:solidFill>
-                <a:latin typeface="微软雅黑" pitchFamily="34" charset="-122"/>
-                <a:ea typeface="微软雅黑" pitchFamily="34" charset="-122"/>
-              </a:rPr>
-              <a:t>. </a:t>
-            </a:r>
-            <a:r>
-              <a:rPr lang="zh-CN" altLang="en-US" sz="2400" dirty="0" smtClean="0">
-                <a:solidFill>
-                  <a:schemeClr val="tx1">
-                    <a:lumMod val="75000"/>
-                    <a:lumOff val="25000"/>
-                  </a:schemeClr>
-                </a:solidFill>
-                <a:latin typeface="微软雅黑" pitchFamily="34" charset="-122"/>
-                <a:ea typeface="微软雅黑" pitchFamily="34" charset="-122"/>
-              </a:rPr>
-              <a:t>通过盒子阴影实现立体的灯管和灯管的发光，通过文本阴影实现霓虹灯文字，结合</a:t>
-            </a:r>
-            <a:r>
-              <a:rPr lang="en-US" altLang="zh-CN" sz="2400" dirty="0" err="1" smtClean="0">
-                <a:solidFill>
-                  <a:schemeClr val="tx1">
-                    <a:lumMod val="75000"/>
-                    <a:lumOff val="25000"/>
-                  </a:schemeClr>
-                </a:solidFill>
-                <a:latin typeface="微软雅黑" pitchFamily="34" charset="-122"/>
-                <a:ea typeface="微软雅黑" pitchFamily="34" charset="-122"/>
-              </a:rPr>
-              <a:t>css</a:t>
-            </a:r>
-            <a:r>
-              <a:rPr lang="zh-CN" altLang="en-US" sz="2400" dirty="0" smtClean="0">
-                <a:solidFill>
-                  <a:schemeClr val="tx1">
-                    <a:lumMod val="75000"/>
-                    <a:lumOff val="25000"/>
-                  </a:schemeClr>
-                </a:solidFill>
-                <a:latin typeface="微软雅黑" pitchFamily="34" charset="-122"/>
-                <a:ea typeface="微软雅黑" pitchFamily="34" charset="-122"/>
-              </a:rPr>
-              <a:t>动画实现霓虹接触不良，或是电压不稳的效果；按钮开关</a:t>
-            </a:r>
-            <a:r>
-              <a:rPr lang="zh-CN" altLang="en-US" sz="2400" dirty="0">
-                <a:solidFill>
-                  <a:schemeClr val="tx1">
-                    <a:lumMod val="75000"/>
-                    <a:lumOff val="25000"/>
-                  </a:schemeClr>
-                </a:solidFill>
-                <a:latin typeface="微软雅黑" pitchFamily="34" charset="-122"/>
-                <a:ea typeface="微软雅黑" pitchFamily="34" charset="-122"/>
-              </a:rPr>
-              <a:t>主要通过组合渐变背景来</a:t>
-            </a:r>
-            <a:r>
-              <a:rPr lang="zh-CN" altLang="en-US" sz="2400" dirty="0" smtClean="0">
-                <a:solidFill>
-                  <a:schemeClr val="tx1">
-                    <a:lumMod val="75000"/>
-                    <a:lumOff val="25000"/>
-                  </a:schemeClr>
-                </a:solidFill>
-                <a:latin typeface="微软雅黑" pitchFamily="34" charset="-122"/>
-                <a:ea typeface="微软雅黑" pitchFamily="34" charset="-122"/>
-              </a:rPr>
-              <a:t>实现。</a:t>
-            </a:r>
-            <a:endParaRPr lang="en-US" altLang="zh-CN" sz="2400" dirty="0" smtClean="0">
-              <a:solidFill>
-                <a:schemeClr val="tx1">
-                  <a:lumMod val="75000"/>
-                  <a:lumOff val="25000"/>
-                </a:schemeClr>
-              </a:solidFill>
-              <a:latin typeface="微软雅黑" pitchFamily="34" charset="-122"/>
-              <a:ea typeface="微软雅黑" pitchFamily="34" charset="-122"/>
-            </a:endParaRPr>
-          </a:p>
-        </p:txBody>
-      </p:sp>
-    </p:spTree>
-    <p:extLst>
-      <p:ext uri="{BB962C8B-B14F-4D97-AF65-F5344CB8AC3E}">
-        <p14:creationId xmlns:p14="http://schemas.microsoft.com/office/powerpoint/2010/main" val="530281721"/>
-      </p:ext>
-    </p:extLst>
-  </p:cSld>
-  <p:clrMapOvr>
-    <a:masterClrMapping/>
-  </p:clrMapOvr>
-  <p:timing>
-    <p:tnLst>
-      <p:par>
-        <p:cTn id="1" dur="indefinite" restart="never" nodeType="tmRoot"/>
-      </p:par>
-    </p:tnLst>
-  </p:timing>
 </p:sld>
 </file>
 
@@ -7128,20 +7262,7 @@
                 <a:latin typeface="微软雅黑" pitchFamily="34" charset="-122"/>
                 <a:ea typeface="微软雅黑" pitchFamily="34" charset="-122"/>
               </a:rPr>
-              <a:t>多层</a:t>
-            </a:r>
-            <a:r>
-              <a:rPr lang="zh-CN" altLang="en-US" sz="2400" b="1" dirty="0" smtClean="0">
-                <a:solidFill>
-                  <a:schemeClr val="tx1">
-                    <a:lumMod val="75000"/>
-                    <a:lumOff val="25000"/>
-                  </a:schemeClr>
-                </a:solidFill>
-                <a:latin typeface="微软雅黑" pitchFamily="34" charset="-122"/>
-                <a:ea typeface="微软雅黑" pitchFamily="34" charset="-122"/>
-              </a:rPr>
-              <a:t>阴影</a:t>
+              <a:t>多层阴影</a:t>
             </a:r>
             <a:r>
               <a:rPr lang="zh-CN" altLang="en-US" sz="2400" dirty="0" smtClean="0">
@@ -7966,20 +8087,7 @@
                 <a:latin typeface="微软雅黑" pitchFamily="34" charset="-122"/>
                 <a:ea typeface="微软雅黑" pitchFamily="34" charset="-122"/>
               </a:rPr>
-              <a:t>实现；其实</a:t>
-            </a:r>
-            <a:r>
-              <a:rPr lang="zh-CN" altLang="en-US" sz="2400" dirty="0" smtClean="0">
-                <a:solidFill>
-                  <a:schemeClr val="tx1">
-                    <a:lumMod val="75000"/>
-                    <a:lumOff val="25000"/>
-                  </a:schemeClr>
-                </a:solidFill>
-                <a:latin typeface="微软雅黑" pitchFamily="34" charset="-122"/>
-                <a:ea typeface="微软雅黑" pitchFamily="34" charset="-122"/>
-              </a:rPr>
-              <a:t>就是在</a:t>
+              <a:t>实现；其实就是在</a:t>
             </a:r>
             <a:r>
               <a:rPr lang="zh-CN" altLang="en-US" sz="2400" dirty="0">
@@ -8100,7 +8208,59 @@
                 <a:latin typeface="微软雅黑" pitchFamily="34" charset="-122"/>
                 <a:ea typeface="微软雅黑" pitchFamily="34" charset="-122"/>
               </a:rPr>
-              <a:t>的参数一共有八个：</a:t>
+              <a:t>的参数一共</a:t>
+            </a:r>
+            <a:r>
+              <a:rPr lang="zh-CN" altLang="en-US" sz="2400" dirty="0" smtClean="0">
+                <a:solidFill>
+                  <a:schemeClr val="tx1">
+                    <a:lumMod val="75000"/>
+                    <a:lumOff val="25000"/>
+                  </a:schemeClr>
+                </a:solidFill>
+                <a:latin typeface="微软雅黑" pitchFamily="34" charset="-122"/>
+                <a:ea typeface="微软雅黑" pitchFamily="34" charset="-122"/>
+              </a:rPr>
+              <a:t>有</a:t>
+            </a:r>
+            <a:r>
+              <a:rPr lang="en-US" altLang="zh-CN" sz="2400" dirty="0" smtClean="0">
+                <a:solidFill>
+                  <a:schemeClr val="tx1">
+                    <a:lumMod val="75000"/>
+                    <a:lumOff val="25000"/>
+                  </a:schemeClr>
+                </a:solidFill>
+                <a:latin typeface="微软雅黑" pitchFamily="34" charset="-122"/>
+                <a:ea typeface="微软雅黑" pitchFamily="34" charset="-122"/>
+              </a:rPr>
+              <a:t>8</a:t>
+            </a:r>
+            <a:r>
+              <a:rPr lang="zh-CN" altLang="en-US" sz="2400" dirty="0" smtClean="0">
+                <a:solidFill>
+                  <a:schemeClr val="tx1">
+                    <a:lumMod val="75000"/>
+                    <a:lumOff val="25000"/>
+                  </a:schemeClr>
+                </a:solidFill>
+                <a:latin typeface="微软雅黑" pitchFamily="34" charset="-122"/>
+                <a:ea typeface="微软雅黑" pitchFamily="34" charset="-122"/>
+              </a:rPr>
+              <a:t>个</a:t>
+            </a:r>
+            <a:r>
+              <a:rPr lang="zh-CN" altLang="en-US" sz="2400" dirty="0" smtClean="0">
+                <a:solidFill>
+                  <a:schemeClr val="tx1">
+                    <a:lumMod val="75000"/>
+                    <a:lumOff val="25000"/>
+                  </a:schemeClr>
+                </a:solidFill>
+                <a:latin typeface="微软雅黑" pitchFamily="34" charset="-122"/>
+                <a:ea typeface="微软雅黑" pitchFamily="34" charset="-122"/>
+              </a:rPr>
+              <a:t>：</a:t>
             </a:r>
             <a:endParaRPr lang="en-US" altLang="zh-CN" sz="2400" dirty="0" smtClean="0">
               <a:solidFill>
@@ -8143,20 +8303,7 @@
                 <a:latin typeface="微软雅黑" pitchFamily="34" charset="-122"/>
                 <a:ea typeface="微软雅黑" pitchFamily="34" charset="-122"/>
               </a:rPr>
-              <a:t>order-radius: </a:t>
-            </a:r>
-            <a:r>
-              <a:rPr lang="en-US" altLang="zh-CN" sz="2400" dirty="0" smtClean="0">
-                <a:solidFill>
-                  <a:schemeClr val="tx1">
-                    <a:lumMod val="75000"/>
-                    <a:lumOff val="25000"/>
-                  </a:schemeClr>
-                </a:solidFill>
-                <a:latin typeface="微软雅黑" pitchFamily="34" charset="-122"/>
-                <a:ea typeface="微软雅黑" pitchFamily="34" charset="-122"/>
-              </a:rPr>
-              <a:t>a b c d / e f g h;</a:t>
+              <a:t>order-radius: a b c d / e f g h;</a:t>
             </a:r>
           </a:p>
           <a:p>
@@ -8228,7 +8375,46 @@
                 <a:latin typeface="微软雅黑" pitchFamily="34" charset="-122"/>
                 <a:ea typeface="微软雅黑" pitchFamily="34" charset="-122"/>
               </a:rPr>
-              <a:t>表示左上，右上，右下，左下圆角的垂直坐标。如果分别设置就是：</a:t>
+              <a:t>表示左上，右上，右下，左下圆角的垂直坐标。</a:t>
+            </a:r>
+            <a:r>
+              <a:rPr lang="zh-CN" altLang="en-US" sz="2400" dirty="0" smtClean="0">
+                <a:solidFill>
+                  <a:schemeClr val="tx1">
+                    <a:lumMod val="75000"/>
+                    <a:lumOff val="25000"/>
+                  </a:schemeClr>
+                </a:solidFill>
+                <a:latin typeface="微软雅黑" pitchFamily="34" charset="-122"/>
+                <a:ea typeface="微软雅黑" pitchFamily="34" charset="-122"/>
+              </a:rPr>
+              <a:t>如果</a:t>
+            </a:r>
+            <a:r>
+              <a:rPr lang="zh-CN" altLang="en-US" sz="2400" dirty="0">
+                <a:solidFill>
+                  <a:schemeClr val="tx1">
+                    <a:lumMod val="75000"/>
+                    <a:lumOff val="25000"/>
+                  </a:schemeClr>
+                </a:solidFill>
+                <a:latin typeface="微软雅黑" pitchFamily="34" charset="-122"/>
+                <a:ea typeface="微软雅黑" pitchFamily="34" charset="-122"/>
+              </a:rPr>
+              <a:t>单独</a:t>
+            </a:r>
+            <a:r>
+              <a:rPr lang="zh-CN" altLang="en-US" sz="2400" dirty="0" smtClean="0">
+                <a:solidFill>
+                  <a:schemeClr val="tx1">
+                    <a:lumMod val="75000"/>
+                    <a:lumOff val="25000"/>
+                  </a:schemeClr>
+                </a:solidFill>
+                <a:latin typeface="微软雅黑" pitchFamily="34" charset="-122"/>
+                <a:ea typeface="微软雅黑" pitchFamily="34" charset="-122"/>
+              </a:rPr>
+              <a:t>设置类似下面的形式：</a:t>
             </a:r>
             <a:endParaRPr lang="en-US" altLang="zh-CN" sz="2400" dirty="0" smtClean="0">
               <a:solidFill>
@@ -8248,6 +8434,19 @@
               </a:lnSpc>
             </a:pPr>
             <a:r>
+              <a:rPr lang="en-US" altLang="zh-CN" sz="2400" dirty="0">
+                <a:solidFill>
+                  <a:schemeClr val="tx1">
+                    <a:lumMod val="75000"/>
+                    <a:lumOff val="25000"/>
+                  </a:schemeClr>
+                </a:solidFill>
+                <a:latin typeface="微软雅黑" pitchFamily="34" charset="-122"/>
+                <a:ea typeface="微软雅黑" pitchFamily="34" charset="-122"/>
+              </a:rPr>
+              <a:t>	</a:t>
+            </a:r>
+            <a:r>
               <a:rPr lang="en-US" altLang="zh-CN" sz="2400" dirty="0" smtClean="0">
                 <a:solidFill>
                   <a:schemeClr val="tx1">
@@ -8258,7 +8457,20 @@
                 <a:latin typeface="微软雅黑" pitchFamily="34" charset="-122"/>
                 <a:ea typeface="微软雅黑" pitchFamily="34" charset="-122"/>
               </a:rPr>
-              <a:t>border-top-left-radius: a b</a:t>
+              <a:t>border-top-left-radius</a:t>
+            </a:r>
+            <a:r>
+              <a:rPr lang="en-US" altLang="zh-CN" sz="2400" dirty="0" smtClean="0">
+                <a:solidFill>
+                  <a:schemeClr val="tx1">
+                    <a:lumMod val="75000"/>
+                    <a:lumOff val="25000"/>
+                  </a:schemeClr>
+                </a:solidFill>
+                <a:latin typeface="微软雅黑" pitchFamily="34" charset="-122"/>
+                <a:ea typeface="微软雅黑" pitchFamily="34" charset="-122"/>
+              </a:rPr>
+              <a:t>: a b</a:t>
             </a:r>
             <a:r>
               <a:rPr lang="zh-CN" altLang="en-US" sz="2400" dirty="0" smtClean="0">
@@ -8339,6 +8551,11 @@
           </a:prstGeom>
           <a:noFill/>
           <a:ln>
+            <a:solidFill>
+              <a:schemeClr val="accent3">
+                <a:lumMod val="75000"/>
+              </a:schemeClr>
+            </a:solidFill>
             <a:prstDash val="sysDash"/>
           </a:ln>
         </p:spPr>
@@ -8381,6 +8598,13 @@
           <a:prstGeom prst="ellipse">
             <a:avLst/>
           </a:prstGeom>
+          <a:ln>
+            <a:solidFill>
+              <a:schemeClr val="accent6">
+                <a:lumMod val="75000"/>
+              </a:schemeClr>
+            </a:solidFill>
+          </a:ln>
         </p:spPr>
         <p:style>
           <a:lnRef idx="2">
@@ -8546,7 +8770,7 @@
         <p:spPr>
           <a:xfrm>
             <a:off x="1655676" y="3304561"/>
-            <a:ext cx="4248472" cy="432048"/>
+            <a:ext cx="3708412" cy="432048"/>
           </a:xfrm>
           <a:prstGeom prst="wedgeRoundRectCallout">
             <a:avLst>
@@ -8590,20 +8814,7 @@
                 <a:latin typeface="微软雅黑" panose="020B0503020204020204" pitchFamily="34" charset="-122"/>
                 <a:ea typeface="微软雅黑" panose="020B0503020204020204" pitchFamily="34" charset="-122"/>
               </a:rPr>
-              <a:t>b</a:t>
-            </a:r>
-            <a:r>
-              <a:rPr lang="en-US" altLang="zh-CN" sz="2000" dirty="0" smtClean="0">
-                <a:solidFill>
-                  <a:schemeClr val="tx1">
-                    <a:lumMod val="75000"/>
-                    <a:lumOff val="25000"/>
-                  </a:schemeClr>
-                </a:solidFill>
-                <a:latin typeface="微软雅黑" panose="020B0503020204020204" pitchFamily="34" charset="-122"/>
-                <a:ea typeface="微软雅黑" panose="020B0503020204020204" pitchFamily="34" charset="-122"/>
-              </a:rPr>
-              <a:t>order-top-left-radius: x y;</a:t>
+              <a:t>border-top-left-radius: x y;</a:t>
             </a:r>
             <a:endParaRPr lang="zh-CN" altLang="en-US" sz="2000" dirty="0">
               <a:solidFill>
@@ -8634,6 +8845,11 @@
           </a:prstGeom>
           <a:noFill/>
           <a:ln>
+            <a:solidFill>
+              <a:schemeClr val="accent3">
+                <a:lumMod val="75000"/>
+              </a:schemeClr>
+            </a:solidFill>
             <a:prstDash val="sysDash"/>
           </a:ln>
         </p:spPr>
@@ -8677,6 +8893,13 @@
             <a:avLst/>
           </a:prstGeom>
           <a:noFill/>
+          <a:ln>
+            <a:solidFill>
+              <a:schemeClr val="accent6">
+                <a:lumMod val="75000"/>
+              </a:schemeClr>
+            </a:solidFill>
+          </a:ln>
         </p:spPr>
         <p:style>
           <a:lnRef idx="2">
@@ -8709,8 +8932,8 @@
         </p:nvSpPr>
         <p:spPr>
           <a:xfrm>
-            <a:off x="2280846" y="5445224"/>
-            <a:ext cx="5027457" cy="432048"/>
+            <a:off x="2280847" y="5445224"/>
+            <a:ext cx="4595410" cy="432048"/>
           </a:xfrm>
           <a:prstGeom prst="wedgeRoundRectCallout">
             <a:avLst>
@@ -8754,46 +8977,7 @@
                 <a:latin typeface="微软雅黑" panose="020B0503020204020204" pitchFamily="34" charset="-122"/>
                 <a:ea typeface="微软雅黑" panose="020B0503020204020204" pitchFamily="34" charset="-122"/>
               </a:rPr>
-              <a:t>b</a:t>
-            </a:r>
-            <a:r>
-              <a:rPr lang="en-US" altLang="zh-CN" sz="2000" dirty="0" smtClean="0">
-                <a:solidFill>
-                  <a:schemeClr val="tx1">
-                    <a:lumMod val="75000"/>
-                    <a:lumOff val="25000"/>
-                  </a:schemeClr>
-                </a:solidFill>
-                <a:latin typeface="微软雅黑" panose="020B0503020204020204" pitchFamily="34" charset="-122"/>
-                <a:ea typeface="微软雅黑" panose="020B0503020204020204" pitchFamily="34" charset="-122"/>
-              </a:rPr>
-              <a:t>order-top-left-radius: 100% </a:t>
-            </a:r>
-            <a:r>
-              <a:rPr lang="en-US" altLang="zh-CN" sz="2000" dirty="0" smtClean="0">
-                <a:solidFill>
-                  <a:schemeClr val="tx1">
-                    <a:lumMod val="75000"/>
-                    <a:lumOff val="25000"/>
-                  </a:schemeClr>
-                </a:solidFill>
-                <a:latin typeface="微软雅黑" panose="020B0503020204020204" pitchFamily="34" charset="-122"/>
-                <a:ea typeface="微软雅黑" panose="020B0503020204020204" pitchFamily="34" charset="-122"/>
-              </a:rPr>
-              <a:t>100%</a:t>
-            </a:r>
-            <a:r>
-              <a:rPr lang="en-US" altLang="zh-CN" sz="2000" dirty="0" smtClean="0">
-                <a:solidFill>
-                  <a:schemeClr val="tx1">
-                    <a:lumMod val="75000"/>
-                    <a:lumOff val="25000"/>
-                  </a:schemeClr>
-                </a:solidFill>
-                <a:latin typeface="微软雅黑" panose="020B0503020204020204" pitchFamily="34" charset="-122"/>
-                <a:ea typeface="微软雅黑" panose="020B0503020204020204" pitchFamily="34" charset="-122"/>
-              </a:rPr>
-              <a:t>;</a:t>
+              <a:t>border-top-left-radius: 100% 100%;</a:t>
             </a:r>
             <a:endParaRPr lang="zh-CN" altLang="en-US" sz="2000" dirty="0">
               <a:solidFill>
@@ -8966,75 +9150,590 @@
           <a:chExt cx="0" cy="0"/>
         </a:xfrm>
       </p:grpSpPr>
-      <p:sp>
-        <p:nvSpPr>
-          <p:cNvPr id="2" name="矩形 1"/>
-          <p:cNvSpPr/>
+      <p:grpSp>
+        <p:nvGrpSpPr>
+          <p:cNvPr id="19" name="组合 18"/>
+          <p:cNvGrpSpPr/>
           <p:nvPr/>
-        </p:nvSpPr>
+        </p:nvGrpSpPr>
+        <p:grpSpPr>
+          <a:xfrm>
+            <a:off x="-4454814" y="620688"/>
+            <a:ext cx="12987254" cy="4349836"/>
+            <a:chOff x="-4429000" y="620688"/>
+            <a:chExt cx="12987254" cy="4349836"/>
+          </a:xfrm>
+        </p:grpSpPr>
+        <p:sp>
+          <p:nvSpPr>
+            <p:cNvPr id="3" name="椭圆 2"/>
+            <p:cNvSpPr/>
+            <p:nvPr/>
+          </p:nvSpPr>
+          <p:spPr>
+            <a:xfrm>
+              <a:off x="1331640" y="650524"/>
+              <a:ext cx="5184000" cy="4320000"/>
+            </a:xfrm>
+            <a:prstGeom prst="ellipse">
+              <a:avLst/>
+            </a:prstGeom>
+            <a:noFill/>
+            <a:ln w="57150">
+              <a:solidFill>
+                <a:srgbClr val="7030A0"/>
+              </a:solidFill>
+              <a:prstDash val="sysDash"/>
+            </a:ln>
+          </p:spPr>
+          <p:style>
+            <a:lnRef idx="2">
+              <a:schemeClr val="accent3"/>
+            </a:lnRef>
+            <a:fillRef idx="1">
+              <a:schemeClr val="lt1"/>
+            </a:fillRef>
+            <a:effectRef idx="0">
+              <a:schemeClr val="accent3"/>
+            </a:effectRef>
+            <a:fontRef idx="minor">
+              <a:schemeClr val="dk1"/>
+            </a:fontRef>
+          </p:style>
+          <p:txBody>
+            <a:bodyPr rtlCol="0" anchor="ctr"/>
+            <a:lstStyle/>
+            <a:p>
+              <a:pPr algn="ctr"/>
+              <a:endParaRPr lang="zh-CN" altLang="en-US"/>
+            </a:p>
+          </p:txBody>
+        </p:sp>
+        <p:grpSp>
+          <p:nvGrpSpPr>
+            <p:cNvPr id="18" name="组合 17"/>
+            <p:cNvGrpSpPr/>
+            <p:nvPr/>
+          </p:nvGrpSpPr>
+          <p:grpSpPr>
+            <a:xfrm>
+              <a:off x="-4429000" y="620688"/>
+              <a:ext cx="12987254" cy="4320001"/>
+              <a:chOff x="-4429000" y="620688"/>
+              <a:chExt cx="12987254" cy="4320001"/>
+            </a:xfrm>
+          </p:grpSpPr>
+          <p:sp>
+            <p:nvSpPr>
+              <p:cNvPr id="10" name="椭圆 9"/>
+              <p:cNvSpPr/>
+              <p:nvPr/>
+            </p:nvSpPr>
+            <p:spPr>
+              <a:xfrm>
+                <a:off x="1403648" y="1916832"/>
+                <a:ext cx="864000" cy="864000"/>
+              </a:xfrm>
+              <a:prstGeom prst="ellipse">
+                <a:avLst/>
+              </a:prstGeom>
+              <a:noFill/>
+              <a:ln w="57150">
+                <a:solidFill>
+                  <a:srgbClr val="FFC000"/>
+                </a:solidFill>
+                <a:prstDash val="sysDash"/>
+              </a:ln>
+            </p:spPr>
+            <p:style>
+              <a:lnRef idx="2">
+                <a:schemeClr val="accent3"/>
+              </a:lnRef>
+              <a:fillRef idx="1">
+                <a:schemeClr val="lt1"/>
+              </a:fillRef>
+              <a:effectRef idx="0">
+                <a:schemeClr val="accent3"/>
+              </a:effectRef>
+              <a:fontRef idx="minor">
+                <a:schemeClr val="dk1"/>
+              </a:fontRef>
+            </p:style>
+            <p:txBody>
+              <a:bodyPr rtlCol="0" anchor="ctr"/>
+              <a:lstStyle/>
+              <a:p>
+                <a:pPr algn="ctr"/>
+                <a:endParaRPr lang="zh-CN" altLang="en-US"/>
+              </a:p>
+            </p:txBody>
+          </p:sp>
+          <p:grpSp>
+            <p:nvGrpSpPr>
+              <p:cNvPr id="17" name="组合 16"/>
+              <p:cNvGrpSpPr/>
+              <p:nvPr/>
+            </p:nvGrpSpPr>
+            <p:grpSpPr>
+              <a:xfrm>
+                <a:off x="-4429000" y="620688"/>
+                <a:ext cx="12987254" cy="4320001"/>
+                <a:chOff x="-4717032" y="620688"/>
+                <a:chExt cx="12987254" cy="4320001"/>
+              </a:xfrm>
+            </p:grpSpPr>
+            <p:sp>
+              <p:nvSpPr>
+                <p:cNvPr id="2" name="矩形 1"/>
+                <p:cNvSpPr/>
+                <p:nvPr/>
+              </p:nvSpPr>
+              <p:spPr>
+                <a:xfrm>
+                  <a:off x="1069422" y="650524"/>
+                  <a:ext cx="7200000" cy="2160000"/>
+                </a:xfrm>
+                <a:prstGeom prst="rect">
+                  <a:avLst/>
+                </a:prstGeom>
+                <a:noFill/>
+                <a:ln w="57150">
+                  <a:solidFill>
+                    <a:srgbClr val="000000"/>
+                  </a:solidFill>
+                  <a:prstDash val="sysDash"/>
+                </a:ln>
+              </p:spPr>
+              <p:style>
+                <a:lnRef idx="2">
+                  <a:schemeClr val="accent1">
+                    <a:shade val="50000"/>
+                  </a:schemeClr>
+                </a:lnRef>
+                <a:fillRef idx="1">
+                  <a:schemeClr val="accent1"/>
+                </a:fillRef>
+                <a:effectRef idx="0">
+                  <a:schemeClr val="accent1"/>
+                </a:effectRef>
+                <a:fontRef idx="minor">
+                  <a:schemeClr val="lt1"/>
+                </a:fontRef>
+              </p:style>
+              <p:txBody>
+                <a:bodyPr rtlCol="0" anchor="ctr"/>
+                <a:lstStyle/>
+                <a:p>
+                  <a:pPr algn="ctr"/>
+                  <a:endParaRPr lang="zh-CN" altLang="en-US"/>
+                </a:p>
+              </p:txBody>
+            </p:sp>
+            <p:sp>
+              <p:nvSpPr>
+                <p:cNvPr id="9" name="弦形 8"/>
+                <p:cNvSpPr/>
+                <p:nvPr/>
+              </p:nvSpPr>
+              <p:spPr>
+                <a:xfrm rot="10800000">
+                  <a:off x="-4717032" y="620689"/>
+                  <a:ext cx="12960000" cy="4320000"/>
+                </a:xfrm>
+                <a:prstGeom prst="chord">
+                  <a:avLst>
+                    <a:gd name="adj1" fmla="val 3903282"/>
+                    <a:gd name="adj2" fmla="val 17650211"/>
+                  </a:avLst>
+                </a:prstGeom>
+                <a:noFill/>
+                <a:ln w="57150">
+                  <a:solidFill>
+                    <a:srgbClr val="00B0F0"/>
+                  </a:solidFill>
+                  <a:prstDash val="sysDash"/>
+                </a:ln>
+              </p:spPr>
+              <p:style>
+                <a:lnRef idx="2">
+                  <a:schemeClr val="accent3"/>
+                </a:lnRef>
+                <a:fillRef idx="1">
+                  <a:schemeClr val="lt1"/>
+                </a:fillRef>
+                <a:effectRef idx="0">
+                  <a:schemeClr val="accent3"/>
+                </a:effectRef>
+                <a:fontRef idx="minor">
+                  <a:schemeClr val="dk1"/>
+                </a:fontRef>
+              </p:style>
+              <p:txBody>
+                <a:bodyPr rtlCol="0" anchor="ctr"/>
+                <a:lstStyle/>
+                <a:p>
+                  <a:pPr algn="ctr"/>
+                  <a:endParaRPr lang="zh-CN" altLang="en-US"/>
+                </a:p>
+              </p:txBody>
+            </p:sp>
+            <p:sp>
+              <p:nvSpPr>
+                <p:cNvPr id="11" name="椭圆 10"/>
+                <p:cNvSpPr/>
+                <p:nvPr/>
+              </p:nvSpPr>
+              <p:spPr>
+                <a:xfrm>
+                  <a:off x="7406222" y="1916832"/>
+                  <a:ext cx="864000" cy="864000"/>
+                </a:xfrm>
+                <a:prstGeom prst="ellipse">
+                  <a:avLst/>
+                </a:prstGeom>
+                <a:noFill/>
+                <a:ln w="57150">
+                  <a:solidFill>
+                    <a:srgbClr val="00B050"/>
+                  </a:solidFill>
+                  <a:prstDash val="sysDash"/>
+                </a:ln>
+              </p:spPr>
+              <p:style>
+                <a:lnRef idx="2">
+                  <a:schemeClr val="accent3"/>
+                </a:lnRef>
+                <a:fillRef idx="1">
+                  <a:schemeClr val="lt1"/>
+                </a:fillRef>
+                <a:effectRef idx="0">
+                  <a:schemeClr val="accent3"/>
+                </a:effectRef>
+                <a:fontRef idx="minor">
+                  <a:schemeClr val="dk1"/>
+                </a:fontRef>
+              </p:style>
+              <p:txBody>
+                <a:bodyPr rtlCol="0" anchor="ctr"/>
+                <a:lstStyle/>
+                <a:p>
+                  <a:pPr algn="ctr"/>
+                  <a:endParaRPr lang="zh-CN" altLang="en-US"/>
+                </a:p>
+              </p:txBody>
+            </p:sp>
+            <p:sp>
+              <p:nvSpPr>
+                <p:cNvPr id="14" name="任意多边形 13"/>
+                <p:cNvSpPr/>
+                <p:nvPr/>
+              </p:nvSpPr>
+              <p:spPr>
+                <a:xfrm>
+                  <a:off x="1090117" y="620688"/>
+                  <a:ext cx="7141837" cy="2196124"/>
+                </a:xfrm>
+                <a:custGeom>
+                  <a:avLst/>
+                  <a:gdLst>
+                    <a:gd name="connsiteX0" fmla="*/ 369861 w 7141837"/>
+                    <a:gd name="connsiteY0" fmla="*/ 2196124 h 2196124"/>
+                    <a:gd name="connsiteX1" fmla="*/ 90729 w 7141837"/>
+                    <a:gd name="connsiteY1" fmla="*/ 2032494 h 2196124"/>
+                    <a:gd name="connsiteX2" fmla="*/ 4101 w 7141837"/>
+                    <a:gd name="connsiteY2" fmla="*/ 1801488 h 2196124"/>
+                    <a:gd name="connsiteX3" fmla="*/ 32977 w 7141837"/>
+                    <a:gd name="connsiteY3" fmla="*/ 1589732 h 2196124"/>
+                    <a:gd name="connsiteX4" fmla="*/ 196606 w 7141837"/>
+                    <a:gd name="connsiteY4" fmla="*/ 1233597 h 2196124"/>
+                    <a:gd name="connsiteX5" fmla="*/ 658619 w 7141837"/>
+                    <a:gd name="connsiteY5" fmla="*/ 684957 h 2196124"/>
+                    <a:gd name="connsiteX6" fmla="*/ 1293886 w 7141837"/>
+                    <a:gd name="connsiteY6" fmla="*/ 280696 h 2196124"/>
+                    <a:gd name="connsiteX7" fmla="*/ 1890653 w 7141837"/>
+                    <a:gd name="connsiteY7" fmla="*/ 88191 h 2196124"/>
+                    <a:gd name="connsiteX8" fmla="*/ 2535545 w 7141837"/>
+                    <a:gd name="connsiteY8" fmla="*/ 1564 h 2196124"/>
+                    <a:gd name="connsiteX9" fmla="*/ 3517322 w 7141837"/>
+                    <a:gd name="connsiteY9" fmla="*/ 155568 h 2196124"/>
+                    <a:gd name="connsiteX10" fmla="*/ 4383596 w 7141837"/>
+                    <a:gd name="connsiteY10" fmla="*/ 328823 h 2196124"/>
+                    <a:gd name="connsiteX11" fmla="*/ 5740758 w 7141837"/>
+                    <a:gd name="connsiteY11" fmla="*/ 752334 h 2196124"/>
+                    <a:gd name="connsiteX12" fmla="*/ 6664783 w 7141837"/>
+                    <a:gd name="connsiteY12" fmla="*/ 1272098 h 2196124"/>
+                    <a:gd name="connsiteX13" fmla="*/ 7030543 w 7141837"/>
+                    <a:gd name="connsiteY13" fmla="*/ 1618608 h 2196124"/>
+                    <a:gd name="connsiteX14" fmla="*/ 7136421 w 7141837"/>
+                    <a:gd name="connsiteY14" fmla="*/ 1936241 h 2196124"/>
+                    <a:gd name="connsiteX15" fmla="*/ 6895790 w 7141837"/>
+                    <a:gd name="connsiteY15" fmla="*/ 2157623 h 2196124"/>
+                    <a:gd name="connsiteX16" fmla="*/ 6395276 w 7141837"/>
+                    <a:gd name="connsiteY16" fmla="*/ 2176873 h 2196124"/>
+                    <a:gd name="connsiteX17" fmla="*/ 369861 w 7141837"/>
+                    <a:gd name="connsiteY17" fmla="*/ 2196124 h 2196124"/>
+                  </a:gdLst>
+                  <a:ahLst/>
+                  <a:cxnLst>
+                    <a:cxn ang="0">
+                      <a:pos x="connsiteX0" y="connsiteY0"/>
+                    </a:cxn>
+                    <a:cxn ang="0">
+                      <a:pos x="connsiteX1" y="connsiteY1"/>
+                    </a:cxn>
+                    <a:cxn ang="0">
+                      <a:pos x="connsiteX2" y="connsiteY2"/>
+                    </a:cxn>
+                    <a:cxn ang="0">
+                      <a:pos x="connsiteX3" y="connsiteY3"/>
+                    </a:cxn>
+                    <a:cxn ang="0">
+                      <a:pos x="connsiteX4" y="connsiteY4"/>
+                    </a:cxn>
+                    <a:cxn ang="0">
+                      <a:pos x="connsiteX5" y="connsiteY5"/>
+                    </a:cxn>
+                    <a:cxn ang="0">
+                      <a:pos x="connsiteX6" y="connsiteY6"/>
+                    </a:cxn>
+                    <a:cxn ang="0">
+                      <a:pos x="connsiteX7" y="connsiteY7"/>
+                    </a:cxn>
+                    <a:cxn ang="0">
+                      <a:pos x="connsiteX8" y="connsiteY8"/>
+                    </a:cxn>
+                    <a:cxn ang="0">
+                      <a:pos x="connsiteX9" y="connsiteY9"/>
+                    </a:cxn>
+                    <a:cxn ang="0">
+                      <a:pos x="connsiteX10" y="connsiteY10"/>
+                    </a:cxn>
+                    <a:cxn ang="0">
+                      <a:pos x="connsiteX11" y="connsiteY11"/>
+                    </a:cxn>
+                    <a:cxn ang="0">
+                      <a:pos x="connsiteX12" y="connsiteY12"/>
+                    </a:cxn>
+                    <a:cxn ang="0">
+                      <a:pos x="connsiteX13" y="connsiteY13"/>
+                    </a:cxn>
+                    <a:cxn ang="0">
+                      <a:pos x="connsiteX14" y="connsiteY14"/>
+                    </a:cxn>
+                    <a:cxn ang="0">
+                      <a:pos x="connsiteX15" y="connsiteY15"/>
+                    </a:cxn>
+                    <a:cxn ang="0">
+                      <a:pos x="connsiteX16" y="connsiteY16"/>
+                    </a:cxn>
+                    <a:cxn ang="0">
+                      <a:pos x="connsiteX17" y="connsiteY17"/>
+                    </a:cxn>
+                  </a:cxnLst>
+                  <a:rect l="l" t="t" r="r" b="b"/>
+                  <a:pathLst>
+                    <a:path w="7141837" h="2196124">
+                      <a:moveTo>
+                        <a:pt x="369861" y="2196124"/>
+                      </a:moveTo>
+                      <a:cubicBezTo>
+                        <a:pt x="260775" y="2147195"/>
+                        <a:pt x="151689" y="2098267"/>
+                        <a:pt x="90729" y="2032494"/>
+                      </a:cubicBezTo>
+                      <a:cubicBezTo>
+                        <a:pt x="29769" y="1966721"/>
+                        <a:pt x="13726" y="1875282"/>
+                        <a:pt x="4101" y="1801488"/>
+                      </a:cubicBezTo>
+                      <a:cubicBezTo>
+                        <a:pt x="-5524" y="1727694"/>
+                        <a:pt x="893" y="1684380"/>
+                        <a:pt x="32977" y="1589732"/>
+                      </a:cubicBezTo>
+                      <a:cubicBezTo>
+                        <a:pt x="65061" y="1495084"/>
+                        <a:pt x="92332" y="1384393"/>
+                        <a:pt x="196606" y="1233597"/>
+                      </a:cubicBezTo>
+                      <a:cubicBezTo>
+                        <a:pt x="300880" y="1082801"/>
+                        <a:pt x="475739" y="843774"/>
+                        <a:pt x="658619" y="684957"/>
+                      </a:cubicBezTo>
+                      <a:cubicBezTo>
+                        <a:pt x="841499" y="526140"/>
+                        <a:pt x="1088547" y="380157"/>
+                        <a:pt x="1293886" y="280696"/>
+                      </a:cubicBezTo>
+                      <a:cubicBezTo>
+                        <a:pt x="1499225" y="181235"/>
+                        <a:pt x="1683710" y="134713"/>
+                        <a:pt x="1890653" y="88191"/>
+                      </a:cubicBezTo>
+                      <a:cubicBezTo>
+                        <a:pt x="2097596" y="41669"/>
+                        <a:pt x="2264434" y="-9666"/>
+                        <a:pt x="2535545" y="1564"/>
+                      </a:cubicBezTo>
+                      <a:cubicBezTo>
+                        <a:pt x="2806657" y="12793"/>
+                        <a:pt x="3209314" y="101025"/>
+                        <a:pt x="3517322" y="155568"/>
+                      </a:cubicBezTo>
+                      <a:cubicBezTo>
+                        <a:pt x="3825331" y="210111"/>
+                        <a:pt x="4013023" y="229362"/>
+                        <a:pt x="4383596" y="328823"/>
+                      </a:cubicBezTo>
+                      <a:cubicBezTo>
+                        <a:pt x="4754169" y="428284"/>
+                        <a:pt x="5360560" y="595122"/>
+                        <a:pt x="5740758" y="752334"/>
+                      </a:cubicBezTo>
+                      <a:cubicBezTo>
+                        <a:pt x="6120956" y="909546"/>
+                        <a:pt x="6449819" y="1127719"/>
+                        <a:pt x="6664783" y="1272098"/>
+                      </a:cubicBezTo>
+                      <a:cubicBezTo>
+                        <a:pt x="6879747" y="1416477"/>
+                        <a:pt x="6951937" y="1507918"/>
+                        <a:pt x="7030543" y="1618608"/>
+                      </a:cubicBezTo>
+                      <a:cubicBezTo>
+                        <a:pt x="7109149" y="1729298"/>
+                        <a:pt x="7158880" y="1846405"/>
+                        <a:pt x="7136421" y="1936241"/>
+                      </a:cubicBezTo>
+                      <a:cubicBezTo>
+                        <a:pt x="7113962" y="2026077"/>
+                        <a:pt x="7019314" y="2117518"/>
+                        <a:pt x="6895790" y="2157623"/>
+                      </a:cubicBezTo>
+                      <a:cubicBezTo>
+                        <a:pt x="6772266" y="2197728"/>
+                        <a:pt x="6395276" y="2176873"/>
+                        <a:pt x="6395276" y="2176873"/>
+                      </a:cubicBezTo>
+                      <a:lnTo>
+                        <a:pt x="369861" y="2196124"/>
+                      </a:lnTo>
+                      <a:close/>
+                    </a:path>
+                  </a:pathLst>
+                </a:custGeom>
+                <a:solidFill>
+                  <a:srgbClr val="FF9966">
+                    <a:alpha val="30196"/>
+                  </a:srgbClr>
+                </a:solidFill>
+                <a:ln w="76200">
+                  <a:solidFill>
+                    <a:srgbClr val="FF0000"/>
+                  </a:solidFill>
+                  <a:prstDash val="solid"/>
+                </a:ln>
+              </p:spPr>
+              <p:style>
+                <a:lnRef idx="2">
+                  <a:schemeClr val="accent1">
+                    <a:shade val="50000"/>
+                  </a:schemeClr>
+                </a:lnRef>
+                <a:fillRef idx="1">
+                  <a:schemeClr val="accent1"/>
+                </a:fillRef>
+                <a:effectRef idx="0">
+                  <a:schemeClr val="accent1"/>
+                </a:effectRef>
+                <a:fontRef idx="minor">
+                  <a:schemeClr val="lt1"/>
+                </a:fontRef>
+              </p:style>
+              <p:txBody>
+                <a:bodyPr rtlCol="0" anchor="ctr"/>
+                <a:lstStyle/>
+                <a:p>
+                  <a:pPr algn="ctr"/>
+                  <a:endParaRPr lang="zh-CN" altLang="en-US"/>
+                </a:p>
+              </p:txBody>
+            </p:sp>
+          </p:grpSp>
+        </p:grpSp>
+      </p:grpSp>
+      <p:pic>
+        <p:nvPicPr>
+          <p:cNvPr id="15" name="图片 14" descr="屏幕剪辑"/>
+          <p:cNvPicPr>
+            <a:picLocks noChangeAspect="1"/>
+          </p:cNvPicPr>
+          <p:nvPr/>
+        </p:nvPicPr>
+        <p:blipFill>
+          <a:blip r:embed="rId2">
+            <a:extLst>
+              <a:ext uri="{28A0092B-C50C-407E-A947-70E740481C1C}">
+                <a14:useLocalDpi xmlns:a14="http://schemas.microsoft.com/office/drawing/2010/main" val="0"/>
+              </a:ext>
+            </a:extLst>
+          </a:blip>
+          <a:stretch>
+            <a:fillRect/>
+          </a:stretch>
+        </p:blipFill>
         <p:spPr>
           <a:xfrm>
-            <a:off x="1438304" y="692696"/>
-            <a:ext cx="1269065" cy="634551"/>
+            <a:off x="1043608" y="5157192"/>
+            <a:ext cx="5296639" cy="1457528"/>
           </a:xfrm>
           <a:prstGeom prst="rect">
             <a:avLst/>
           </a:prstGeom>
-          <a:noFill/>
           <a:ln>
-            <a:prstDash val="sysDash"/>
+            <a:noFill/>
           </a:ln>
+          <a:effectLst>
+            <a:outerShdw blurRad="292100" dist="139700" dir="2700000" algn="tl" rotWithShape="0">
+              <a:srgbClr val="333333">
+                <a:alpha val="65000"/>
+              </a:srgbClr>
+            </a:outerShdw>
+          </a:effectLst>
+        </p:spPr>
+      </p:pic>
+      <p:sp>
+        <p:nvSpPr>
+          <p:cNvPr id="20" name="圆角矩形标注 19"/>
+          <p:cNvSpPr/>
+          <p:nvPr/>
+        </p:nvSpPr>
+        <p:spPr>
+          <a:xfrm>
+            <a:off x="6339797" y="5003290"/>
+            <a:ext cx="792088" cy="432048"/>
+          </a:xfrm>
+          <a:prstGeom prst="wedgeRoundRectCallout">
+            <a:avLst>
+              <a:gd name="adj1" fmla="val -68461"/>
+              <a:gd name="adj2" fmla="val 24082"/>
+              <a:gd name="adj3" fmla="val 16667"/>
+            </a:avLst>
+          </a:prstGeom>
+          <a:solidFill>
+            <a:srgbClr val="7030A0"/>
+          </a:solidFill>
         </p:spPr>
         <p:style>
           <a:lnRef idx="2">
-            <a:schemeClr val="accent1">
-              <a:shade val="50000"/>
-            </a:schemeClr>
-          </a:lnRef>
-          <a:fillRef idx="1">
-            <a:schemeClr val="accent1"/>
-          </a:fillRef>
-          <a:effectRef idx="0">
-            <a:schemeClr val="accent1"/>
-          </a:effectRef>
-          <a:fontRef idx="minor">
-            <a:schemeClr val="lt1"/>
-          </a:fontRef>
-        </p:style>
-        <p:txBody>
-          <a:bodyPr rtlCol="0" anchor="ctr"/>
-          <a:lstStyle/>
-          <a:p>
-            <a:pPr algn="ctr"/>
-            <a:endParaRPr lang="zh-CN" altLang="en-US"/>
-          </a:p>
-        </p:txBody>
-      </p:sp>
-      <p:sp>
-        <p:nvSpPr>
-          <p:cNvPr id="3" name="椭圆 2"/>
-          <p:cNvSpPr/>
-          <p:nvPr/>
-        </p:nvSpPr>
-        <p:spPr>
-          <a:xfrm>
-            <a:off x="1304641" y="548680"/>
-            <a:ext cx="5010554" cy="2363689"/>
-          </a:xfrm>
-          <a:prstGeom prst="ellipse">
-            <a:avLst/>
-          </a:prstGeom>
-          <a:noFill/>
-        </p:spPr>
-        <p:style>
-          <a:lnRef idx="2">
-            <a:schemeClr val="accent3"/>
+            <a:schemeClr val="accent4"/>
           </a:lnRef>
           <a:fillRef idx="1">
             <a:schemeClr val="lt1"/>
           </a:fillRef>
           <a:effectRef idx="0">
-            <a:schemeClr val="accent3"/>
+            <a:schemeClr val="accent4"/>
           </a:effectRef>
           <a:fontRef idx="minor">
             <a:schemeClr val="dk1"/>
@@ -9044,26 +9743,246 @@
           <a:bodyPr rtlCol="0" anchor="ctr"/>
           <a:lstStyle/>
           <a:p>
-            <a:pPr algn="ctr"/>
-            <a:endParaRPr lang="zh-CN" altLang="en-US"/>
-          </a:p>
-        </p:txBody>
-      </p:sp>
-      <p:sp>
-        <p:nvSpPr>
-          <p:cNvPr id="4" name="圆角矩形标注 3"/>
+            <a:pPr>
+              <a:lnSpc>
+                <a:spcPct val="150000"/>
+              </a:lnSpc>
+            </a:pPr>
+            <a:r>
+              <a:rPr lang="zh-CN" altLang="en-US" sz="2000" dirty="0">
+                <a:solidFill>
+                  <a:schemeClr val="tx1"/>
+                </a:solidFill>
+                <a:latin typeface="微软雅黑" panose="020B0503020204020204" pitchFamily="34" charset="-122"/>
+                <a:ea typeface="微软雅黑" panose="020B0503020204020204" pitchFamily="34" charset="-122"/>
+              </a:rPr>
+              <a:t>左上</a:t>
+            </a:r>
+            <a:endParaRPr lang="zh-CN" altLang="en-US" sz="2000" dirty="0">
+              <a:solidFill>
+                <a:schemeClr val="tx1"/>
+              </a:solidFill>
+              <a:latin typeface="微软雅黑" panose="020B0503020204020204" pitchFamily="34" charset="-122"/>
+              <a:ea typeface="微软雅黑" panose="020B0503020204020204" pitchFamily="34" charset="-122"/>
+            </a:endParaRPr>
+          </a:p>
+        </p:txBody>
+      </p:sp>
+      <p:sp>
+        <p:nvSpPr>
+          <p:cNvPr id="21" name="圆角矩形标注 20"/>
           <p:cNvSpPr/>
           <p:nvPr/>
         </p:nvSpPr>
         <p:spPr>
           <a:xfrm>
-            <a:off x="1485135" y="3284984"/>
-            <a:ext cx="5027457" cy="432048"/>
+            <a:off x="6358597" y="5539373"/>
+            <a:ext cx="792088" cy="416814"/>
           </a:xfrm>
           <a:prstGeom prst="wedgeRoundRectCallout">
             <a:avLst>
-              <a:gd name="adj1" fmla="val -29205"/>
-              <a:gd name="adj2" fmla="val -93992"/>
+              <a:gd name="adj1" fmla="val -68461"/>
+              <a:gd name="adj2" fmla="val 24082"/>
+              <a:gd name="adj3" fmla="val 16667"/>
+            </a:avLst>
+          </a:prstGeom>
+          <a:solidFill>
+            <a:srgbClr val="00B0F0"/>
+          </a:solidFill>
+        </p:spPr>
+        <p:style>
+          <a:lnRef idx="2">
+            <a:schemeClr val="accent5"/>
+          </a:lnRef>
+          <a:fillRef idx="1">
+            <a:schemeClr val="lt1"/>
+          </a:fillRef>
+          <a:effectRef idx="0">
+            <a:schemeClr val="accent5"/>
+          </a:effectRef>
+          <a:fontRef idx="minor">
+            <a:schemeClr val="dk1"/>
+          </a:fontRef>
+        </p:style>
+        <p:txBody>
+          <a:bodyPr rtlCol="0" anchor="ctr"/>
+          <a:lstStyle/>
+          <a:p>
+            <a:pPr>
+              <a:lnSpc>
+                <a:spcPct val="150000"/>
+              </a:lnSpc>
+            </a:pPr>
+            <a:r>
+              <a:rPr lang="zh-CN" altLang="en-US" sz="2000" dirty="0">
+                <a:solidFill>
+                  <a:schemeClr val="tx1"/>
+                </a:solidFill>
+                <a:latin typeface="微软雅黑" panose="020B0503020204020204" pitchFamily="34" charset="-122"/>
+                <a:ea typeface="微软雅黑" panose="020B0503020204020204" pitchFamily="34" charset="-122"/>
+              </a:rPr>
+              <a:t>右上</a:t>
+            </a:r>
+            <a:endParaRPr lang="zh-CN" altLang="en-US" sz="2000" dirty="0">
+              <a:solidFill>
+                <a:schemeClr val="tx1"/>
+              </a:solidFill>
+              <a:latin typeface="微软雅黑" panose="020B0503020204020204" pitchFamily="34" charset="-122"/>
+              <a:ea typeface="微软雅黑" panose="020B0503020204020204" pitchFamily="34" charset="-122"/>
+            </a:endParaRPr>
+          </a:p>
+        </p:txBody>
+      </p:sp>
+      <p:sp>
+        <p:nvSpPr>
+          <p:cNvPr id="22" name="圆角矩形标注 21"/>
+          <p:cNvSpPr/>
+          <p:nvPr/>
+        </p:nvSpPr>
+        <p:spPr>
+          <a:xfrm>
+            <a:off x="5566509" y="5956186"/>
+            <a:ext cx="792088" cy="353133"/>
+          </a:xfrm>
+          <a:prstGeom prst="wedgeRoundRectCallout">
+            <a:avLst>
+              <a:gd name="adj1" fmla="val -68461"/>
+              <a:gd name="adj2" fmla="val -424"/>
+              <a:gd name="adj3" fmla="val 16667"/>
+            </a:avLst>
+          </a:prstGeom>
+          <a:solidFill>
+            <a:srgbClr val="FFC000"/>
+          </a:solidFill>
+          <a:ln>
+            <a:solidFill>
+              <a:srgbClr val="FFC000"/>
+            </a:solidFill>
+          </a:ln>
+        </p:spPr>
+        <p:style>
+          <a:lnRef idx="2">
+            <a:schemeClr val="accent5"/>
+          </a:lnRef>
+          <a:fillRef idx="1">
+            <a:schemeClr val="lt1"/>
+          </a:fillRef>
+          <a:effectRef idx="0">
+            <a:schemeClr val="accent5"/>
+          </a:effectRef>
+          <a:fontRef idx="minor">
+            <a:schemeClr val="dk1"/>
+          </a:fontRef>
+        </p:style>
+        <p:txBody>
+          <a:bodyPr rtlCol="0" anchor="ctr"/>
+          <a:lstStyle/>
+          <a:p>
+            <a:pPr>
+              <a:lnSpc>
+                <a:spcPct val="150000"/>
+              </a:lnSpc>
+            </a:pPr>
+            <a:r>
+              <a:rPr lang="zh-CN" altLang="en-US" sz="2000" dirty="0">
+                <a:solidFill>
+                  <a:schemeClr val="tx1"/>
+                </a:solidFill>
+                <a:latin typeface="微软雅黑" panose="020B0503020204020204" pitchFamily="34" charset="-122"/>
+                <a:ea typeface="微软雅黑" panose="020B0503020204020204" pitchFamily="34" charset="-122"/>
+              </a:rPr>
+              <a:t>左下</a:t>
+            </a:r>
+            <a:endParaRPr lang="zh-CN" altLang="en-US" sz="2000" dirty="0">
+              <a:solidFill>
+                <a:schemeClr val="tx1"/>
+              </a:solidFill>
+              <a:latin typeface="微软雅黑" panose="020B0503020204020204" pitchFamily="34" charset="-122"/>
+              <a:ea typeface="微软雅黑" panose="020B0503020204020204" pitchFamily="34" charset="-122"/>
+            </a:endParaRPr>
+          </a:p>
+        </p:txBody>
+      </p:sp>
+      <p:sp>
+        <p:nvSpPr>
+          <p:cNvPr id="23" name="圆角矩形标注 22"/>
+          <p:cNvSpPr/>
+          <p:nvPr/>
+        </p:nvSpPr>
+        <p:spPr>
+          <a:xfrm>
+            <a:off x="5697738" y="6381328"/>
+            <a:ext cx="792088" cy="392067"/>
+          </a:xfrm>
+          <a:prstGeom prst="wedgeRoundRectCallout">
+            <a:avLst>
+              <a:gd name="adj1" fmla="val -67246"/>
+              <a:gd name="adj2" fmla="val -32505"/>
+              <a:gd name="adj3" fmla="val 16667"/>
+            </a:avLst>
+          </a:prstGeom>
+          <a:solidFill>
+            <a:srgbClr val="00B050"/>
+          </a:solidFill>
+        </p:spPr>
+        <p:style>
+          <a:lnRef idx="2">
+            <a:schemeClr val="accent5"/>
+          </a:lnRef>
+          <a:fillRef idx="1">
+            <a:schemeClr val="lt1"/>
+          </a:fillRef>
+          <a:effectRef idx="0">
+            <a:schemeClr val="accent5"/>
+          </a:effectRef>
+          <a:fontRef idx="minor">
+            <a:schemeClr val="dk1"/>
+          </a:fontRef>
+        </p:style>
+        <p:txBody>
+          <a:bodyPr rtlCol="0" anchor="ctr"/>
+          <a:lstStyle/>
+          <a:p>
+            <a:pPr>
+              <a:lnSpc>
+                <a:spcPct val="150000"/>
+              </a:lnSpc>
+            </a:pPr>
+            <a:r>
+              <a:rPr lang="zh-CN" altLang="en-US" sz="2000" dirty="0" smtClean="0">
+                <a:solidFill>
+                  <a:schemeClr val="tx1"/>
+                </a:solidFill>
+                <a:latin typeface="微软雅黑" panose="020B0503020204020204" pitchFamily="34" charset="-122"/>
+                <a:ea typeface="微软雅黑" panose="020B0503020204020204" pitchFamily="34" charset="-122"/>
+              </a:rPr>
+              <a:t>右下</a:t>
+            </a:r>
+            <a:endParaRPr lang="zh-CN" altLang="en-US" sz="2000" dirty="0">
+              <a:solidFill>
+                <a:schemeClr val="tx1"/>
+              </a:solidFill>
+              <a:latin typeface="微软雅黑" panose="020B0503020204020204" pitchFamily="34" charset="-122"/>
+              <a:ea typeface="微软雅黑" panose="020B0503020204020204" pitchFamily="34" charset="-122"/>
+            </a:endParaRPr>
+          </a:p>
+        </p:txBody>
+      </p:sp>
+      <p:sp>
+        <p:nvSpPr>
+          <p:cNvPr id="24" name="圆角矩形标注 23"/>
+          <p:cNvSpPr/>
+          <p:nvPr/>
+        </p:nvSpPr>
+        <p:spPr>
+          <a:xfrm>
+            <a:off x="4392028" y="74568"/>
+            <a:ext cx="2988284" cy="432048"/>
+          </a:xfrm>
+          <a:prstGeom prst="wedgeRoundRectCallout">
+            <a:avLst>
+              <a:gd name="adj1" fmla="val -19602"/>
+              <a:gd name="adj2" fmla="val 86462"/>
               <a:gd name="adj3" fmla="val 16667"/>
             </a:avLst>
           </a:prstGeom>
@@ -9092,7 +10011,7 @@
               </a:lnSpc>
             </a:pPr>
             <a:r>
-              <a:rPr lang="en-US" altLang="zh-CN" sz="2000" dirty="0" smtClean="0">
+              <a:rPr lang="zh-CN" altLang="en-US" sz="2000" dirty="0" smtClean="0">
                 <a:solidFill>
                   <a:schemeClr val="tx1">
                     <a:lumMod val="75000"/>
@@ -9102,7 +10021,7 @@
                 <a:latin typeface="微软雅黑" panose="020B0503020204020204" pitchFamily="34" charset="-122"/>
                 <a:ea typeface="微软雅黑" panose="020B0503020204020204" pitchFamily="34" charset="-122"/>
               </a:rPr>
-              <a:t>b</a:t>
+              <a:t>四个椭圆</a:t>
             </a:r>
             <a:r>
               <a:rPr lang="en-US" altLang="zh-CN" sz="2000" dirty="0" smtClean="0">
@@ -9115,10 +10034,10 @@
                 <a:latin typeface="微软雅黑" panose="020B0503020204020204" pitchFamily="34" charset="-122"/>
                 <a:ea typeface="微软雅黑" panose="020B0503020204020204" pitchFamily="34" charset="-122"/>
               </a:rPr>
-              <a:t>order-top-left-radius: 100% </a:t>
-            </a:r>
-            <a:r>
-              <a:rPr lang="en-US" altLang="zh-CN" sz="2000" dirty="0" smtClean="0">
+              <a:t>/</a:t>
+            </a:r>
+            <a:r>
+              <a:rPr lang="zh-CN" altLang="en-US" sz="2000" dirty="0" smtClean="0">
                 <a:solidFill>
                   <a:schemeClr val="tx1">
                     <a:lumMod val="75000"/>
@@ -9128,20 +10047,7 @@
                 <a:latin typeface="微软雅黑" panose="020B0503020204020204" pitchFamily="34" charset="-122"/>
                 <a:ea typeface="微软雅黑" panose="020B0503020204020204" pitchFamily="34" charset="-122"/>
               </a:rPr>
-              <a:t>100%</a:t>
-            </a:r>
-            <a:r>
-              <a:rPr lang="en-US" altLang="zh-CN" sz="2000" dirty="0" smtClean="0">
-                <a:solidFill>
-                  <a:schemeClr val="tx1">
-                    <a:lumMod val="75000"/>
-                    <a:lumOff val="25000"/>
-                  </a:schemeClr>
-                </a:solidFill>
-                <a:latin typeface="微软雅黑" panose="020B0503020204020204" pitchFamily="34" charset="-122"/>
-                <a:ea typeface="微软雅黑" panose="020B0503020204020204" pitchFamily="34" charset="-122"/>
-              </a:rPr>
-              <a:t>;</a:t>
+              <a:t>圆圆角的组合</a:t>
             </a:r>
             <a:endParaRPr lang="zh-CN" altLang="en-US" sz="2000" dirty="0">
               <a:solidFill>
@@ -9153,134 +10059,6 @@
               <a:latin typeface="微软雅黑" panose="020B0503020204020204" pitchFamily="34" charset="-122"/>
               <a:ea typeface="微软雅黑" panose="020B0503020204020204" pitchFamily="34" charset="-122"/>
             </a:endParaRPr>
-          </a:p>
-        </p:txBody>
-      </p:sp>
-      <p:cxnSp>
-        <p:nvCxnSpPr>
-          <p:cNvPr id="5" name="直接箭头连接符 4"/>
-          <p:cNvCxnSpPr/>
-          <p:nvPr/>
-        </p:nvCxnSpPr>
-        <p:spPr>
-          <a:xfrm>
-            <a:off x="3464881" y="548680"/>
-            <a:ext cx="0" cy="1067545"/>
-          </a:xfrm>
-          <a:prstGeom prst="straightConnector1">
-            <a:avLst/>
-          </a:prstGeom>
-          <a:ln>
-            <a:headEnd type="arrow"/>
-            <a:tailEnd type="arrow"/>
-          </a:ln>
-        </p:spPr>
-        <p:style>
-          <a:lnRef idx="3">
-            <a:schemeClr val="accent2"/>
-          </a:lnRef>
-          <a:fillRef idx="0">
-            <a:schemeClr val="accent2"/>
-          </a:fillRef>
-          <a:effectRef idx="2">
-            <a:schemeClr val="accent2"/>
-          </a:effectRef>
-          <a:fontRef idx="minor">
-            <a:schemeClr val="tx1"/>
-          </a:fontRef>
-        </p:style>
-      </p:cxnSp>
-      <p:cxnSp>
-        <p:nvCxnSpPr>
-          <p:cNvPr id="6" name="直接箭头连接符 5"/>
-          <p:cNvCxnSpPr/>
-          <p:nvPr/>
-        </p:nvCxnSpPr>
-        <p:spPr>
-          <a:xfrm flipH="1">
-            <a:off x="1274635" y="1616225"/>
-            <a:ext cx="2190246" cy="4481"/>
-          </a:xfrm>
-          <a:prstGeom prst="straightConnector1">
-            <a:avLst/>
-          </a:prstGeom>
-          <a:ln>
-            <a:headEnd type="arrow"/>
-            <a:tailEnd type="arrow"/>
-          </a:ln>
-        </p:spPr>
-        <p:style>
-          <a:lnRef idx="3">
-            <a:schemeClr val="accent2"/>
-          </a:lnRef>
-          <a:fillRef idx="0">
-            <a:schemeClr val="accent2"/>
-          </a:fillRef>
-          <a:effectRef idx="2">
-            <a:schemeClr val="accent2"/>
-          </a:effectRef>
-          <a:fontRef idx="minor">
-            <a:schemeClr val="tx1"/>
-          </a:fontRef>
-        </p:style>
-      </p:cxnSp>
-      <p:sp>
-        <p:nvSpPr>
-          <p:cNvPr id="7" name="TextBox 6"/>
-          <p:cNvSpPr txBox="1"/>
-          <p:nvPr/>
-        </p:nvSpPr>
-        <p:spPr>
-          <a:xfrm>
-            <a:off x="3620972" y="985990"/>
-            <a:ext cx="377892" cy="369332"/>
-          </a:xfrm>
-          <a:prstGeom prst="rect">
-            <a:avLst/>
-          </a:prstGeom>
-          <a:noFill/>
-        </p:spPr>
-        <p:txBody>
-          <a:bodyPr wrap="square" rtlCol="0">
-            <a:spAutoFit/>
-          </a:bodyPr>
-          <a:lstStyle/>
-          <a:p>
-            <a:r>
-              <a:rPr lang="en-US" altLang="zh-CN" dirty="0"/>
-              <a:t>y</a:t>
-            </a:r>
-            <a:endParaRPr lang="zh-CN" altLang="en-US" dirty="0"/>
-          </a:p>
-        </p:txBody>
-      </p:sp>
-      <p:sp>
-        <p:nvSpPr>
-          <p:cNvPr id="8" name="TextBox 7"/>
-          <p:cNvSpPr txBox="1"/>
-          <p:nvPr/>
-        </p:nvSpPr>
-        <p:spPr>
-          <a:xfrm>
-            <a:off x="2195814" y="1284094"/>
-            <a:ext cx="377892" cy="369332"/>
-          </a:xfrm>
-          <a:prstGeom prst="rect">
-            <a:avLst/>
-          </a:prstGeom>
-          <a:noFill/>
-        </p:spPr>
-        <p:txBody>
-          <a:bodyPr wrap="square" rtlCol="0">
-            <a:spAutoFit/>
-          </a:bodyPr>
-          <a:lstStyle/>
-          <a:p>
-            <a:r>
-              <a:rPr lang="en-US" altLang="zh-CN" dirty="0" smtClean="0"/>
-              <a:t>x</a:t>
-            </a:r>
-            <a:endParaRPr lang="zh-CN" altLang="en-US" dirty="0"/>
           </a:p>
         </p:txBody>
       </p:sp>
@@ -9316,79 +10094,13 @@
       </p:grpSpPr>
       <p:sp>
         <p:nvSpPr>
-          <p:cNvPr id="4" name="TextBox 3"/>
-          <p:cNvSpPr txBox="1"/>
-          <p:nvPr/>
-        </p:nvSpPr>
-        <p:spPr>
-          <a:xfrm>
-            <a:off x="467544" y="476672"/>
-            <a:ext cx="7200800" cy="662554"/>
-          </a:xfrm>
-          <a:prstGeom prst="rect">
-            <a:avLst/>
-          </a:prstGeom>
-          <a:noFill/>
-        </p:spPr>
-        <p:txBody>
-          <a:bodyPr wrap="square" rtlCol="0">
-            <a:spAutoFit/>
-          </a:bodyPr>
-          <a:lstStyle/>
-          <a:p>
-            <a:pPr>
-              <a:lnSpc>
-                <a:spcPct val="150000"/>
-              </a:lnSpc>
-            </a:pPr>
-            <a:r>
-              <a:rPr lang="en-US" altLang="zh-CN" sz="2800" dirty="0" smtClean="0">
-                <a:solidFill>
-                  <a:schemeClr val="tx1">
-                    <a:lumMod val="75000"/>
-                    <a:lumOff val="25000"/>
-                  </a:schemeClr>
-                </a:solidFill>
-                <a:latin typeface="微软雅黑" pitchFamily="34" charset="-122"/>
-                <a:ea typeface="微软雅黑" pitchFamily="34" charset="-122"/>
-              </a:rPr>
-              <a:t>4.</a:t>
-            </a:r>
-            <a:r>
-              <a:rPr lang="zh-CN" altLang="en-US" sz="2800" dirty="0" smtClean="0">
-                <a:solidFill>
-                  <a:schemeClr val="tx1">
-                    <a:lumMod val="75000"/>
-                    <a:lumOff val="25000"/>
-                  </a:schemeClr>
-                </a:solidFill>
-                <a:latin typeface="微软雅黑" pitchFamily="34" charset="-122"/>
-                <a:ea typeface="微软雅黑" pitchFamily="34" charset="-122"/>
-              </a:rPr>
-              <a:t>立体灯管</a:t>
-            </a:r>
-            <a:endParaRPr lang="zh-CN" altLang="en-US" sz="2800" dirty="0">
-              <a:solidFill>
-                <a:schemeClr val="tx1">
-                  <a:lumMod val="75000"/>
-                  <a:lumOff val="25000"/>
-                </a:schemeClr>
-              </a:solidFill>
-              <a:latin typeface="微软雅黑" pitchFamily="34" charset="-122"/>
-              <a:ea typeface="微软雅黑" pitchFamily="34" charset="-122"/>
-            </a:endParaRPr>
-          </a:p>
-        </p:txBody>
-      </p:sp>
-      <p:sp>
-        <p:nvSpPr>
           <p:cNvPr id="5" name="TextBox 4"/>
           <p:cNvSpPr txBox="1"/>
           <p:nvPr/>
         </p:nvSpPr>
         <p:spPr>
           <a:xfrm>
-            <a:off x="621565" y="1365540"/>
+            <a:off x="755576" y="332656"/>
             <a:ext cx="7488832" cy="1754326"/>
           </a:xfrm>
           <a:prstGeom prst="rect">
@@ -9444,20 +10156,7 @@
                 <a:latin typeface="微软雅黑" pitchFamily="34" charset="-122"/>
                 <a:ea typeface="微软雅黑" pitchFamily="34" charset="-122"/>
               </a:rPr>
-              <a:t>实现；其实</a:t>
-            </a:r>
-            <a:r>
-              <a:rPr lang="zh-CN" altLang="en-US" sz="2400" dirty="0" smtClean="0">
-                <a:solidFill>
-                  <a:schemeClr val="tx1">
-                    <a:lumMod val="75000"/>
-                    <a:lumOff val="25000"/>
-                  </a:schemeClr>
-                </a:solidFill>
-                <a:latin typeface="微软雅黑" pitchFamily="34" charset="-122"/>
-                <a:ea typeface="微软雅黑" pitchFamily="34" charset="-122"/>
-              </a:rPr>
-              <a:t>就是在</a:t>
+              <a:t>实现；其实就是在</a:t>
             </a:r>
             <a:r>
               <a:rPr lang="zh-CN" altLang="en-US" sz="2400" dirty="0">
@@ -9540,7 +10239,7 @@
     </p:spTree>
     <p:extLst>
       <p:ext uri="{BB962C8B-B14F-4D97-AF65-F5344CB8AC3E}">
-        <p14:creationId xmlns:p14="http://schemas.microsoft.com/office/powerpoint/2010/main" val="2960002766"/>
+        <p14:creationId xmlns:p14="http://schemas.microsoft.com/office/powerpoint/2010/main" val="3917724945"/>
       </p:ext>
     </p:extLst>
   </p:cSld>
@@ -9612,20 +10311,7 @@
                 <a:latin typeface="微软雅黑" pitchFamily="34" charset="-122"/>
                 <a:ea typeface="微软雅黑" pitchFamily="34" charset="-122"/>
               </a:rPr>
-              <a:t>5</a:t>
-            </a:r>
-            <a:r>
-              <a:rPr lang="en-US" altLang="zh-CN" sz="2800" dirty="0" smtClean="0">
-                <a:solidFill>
-                  <a:schemeClr val="tx1">
-                    <a:lumMod val="75000"/>
-                    <a:lumOff val="25000"/>
-                  </a:schemeClr>
-                </a:solidFill>
-                <a:latin typeface="微软雅黑" pitchFamily="34" charset="-122"/>
-                <a:ea typeface="微软雅黑" pitchFamily="34" charset="-122"/>
-              </a:rPr>
-              <a:t>.</a:t>
+              <a:t>4.</a:t>
             </a:r>
             <a:r>
               <a:rPr lang="zh-CN" altLang="en-US" sz="2800" dirty="0" smtClean="0">
@@ -9638,7 +10324,7 @@
                 <a:latin typeface="微软雅黑" pitchFamily="34" charset="-122"/>
                 <a:ea typeface="微软雅黑" pitchFamily="34" charset="-122"/>
               </a:rPr>
-              <a:t>闪光的灯管</a:t>
+              <a:t>立体灯管</a:t>
             </a:r>
             <a:endParaRPr lang="zh-CN" altLang="en-US" sz="2800" dirty="0">
               <a:solidFill>
@@ -9717,20 +10403,7 @@
                 <a:latin typeface="微软雅黑" pitchFamily="34" charset="-122"/>
                 <a:ea typeface="微软雅黑" pitchFamily="34" charset="-122"/>
               </a:rPr>
-              <a:t>实现；其实</a:t>
-            </a:r>
-            <a:r>
-              <a:rPr lang="zh-CN" altLang="en-US" sz="2400" dirty="0" smtClean="0">
-                <a:solidFill>
-                  <a:schemeClr val="tx1">
-                    <a:lumMod val="75000"/>
-                    <a:lumOff val="25000"/>
-                  </a:schemeClr>
-                </a:solidFill>
-                <a:latin typeface="微软雅黑" pitchFamily="34" charset="-122"/>
-                <a:ea typeface="微软雅黑" pitchFamily="34" charset="-122"/>
-              </a:rPr>
-              <a:t>就是在</a:t>
+              <a:t>实现；其实就是在</a:t>
             </a:r>
             <a:r>
               <a:rPr lang="zh-CN" altLang="en-US" sz="2400" dirty="0">
@@ -9813,7 +10486,7 @@
     </p:spTree>
     <p:extLst>
       <p:ext uri="{BB962C8B-B14F-4D97-AF65-F5344CB8AC3E}">
-        <p14:creationId xmlns:p14="http://schemas.microsoft.com/office/powerpoint/2010/main" val="2149539409"/>
+        <p14:creationId xmlns:p14="http://schemas.microsoft.com/office/powerpoint/2010/main" val="2960002766"/>
       </p:ext>
     </p:extLst>
   </p:cSld>

--- a/7-neon2/neon2.pptx
+++ b/7-neon2/neon2.pptx
@@ -140,7 +140,7 @@
   </p:defaultTextStyle>
   <p:extLst>
     <p:ext uri="{EFAFB233-063F-42B5-8137-9DF3F51BA10A}">
-      <p15:sldGuideLst xmlns:p15="http://schemas.microsoft.com/office/powerpoint/2012/main" xmlns="">
+      <p15:sldGuideLst xmlns="" xmlns:p15="http://schemas.microsoft.com/office/powerpoint/2012/main">
         <p15:guide id="1" orient="horz" pos="2160">
           <p15:clr>
             <a:srgbClr val="A4A3A4"/>
@@ -338,7 +338,7 @@
           <a:p>
             <a:fld id="{17C7C8FB-1C37-4023-AA22-09D5A8E13DCF}" type="datetimeFigureOut">
               <a:rPr lang="zh-CN" altLang="en-US" smtClean="0"/>
-              <a:t>2018/6/6</a:t>
+              <a:t>2018/9/6</a:t>
             </a:fld>
             <a:endParaRPr lang="zh-CN" altLang="en-US"/>
           </a:p>
@@ -508,7 +508,7 @@
           <a:p>
             <a:fld id="{17C7C8FB-1C37-4023-AA22-09D5A8E13DCF}" type="datetimeFigureOut">
               <a:rPr lang="zh-CN" altLang="en-US" smtClean="0"/>
-              <a:t>2018/6/6</a:t>
+              <a:t>2018/9/6</a:t>
             </a:fld>
             <a:endParaRPr lang="zh-CN" altLang="en-US"/>
           </a:p>
@@ -688,7 +688,7 @@
           <a:p>
             <a:fld id="{17C7C8FB-1C37-4023-AA22-09D5A8E13DCF}" type="datetimeFigureOut">
               <a:rPr lang="zh-CN" altLang="en-US" smtClean="0"/>
-              <a:t>2018/6/6</a:t>
+              <a:t>2018/9/6</a:t>
             </a:fld>
             <a:endParaRPr lang="zh-CN" altLang="en-US"/>
           </a:p>
@@ -858,7 +858,7 @@
           <a:p>
             <a:fld id="{17C7C8FB-1C37-4023-AA22-09D5A8E13DCF}" type="datetimeFigureOut">
               <a:rPr lang="zh-CN" altLang="en-US" smtClean="0"/>
-              <a:t>2018/6/6</a:t>
+              <a:t>2018/9/6</a:t>
             </a:fld>
             <a:endParaRPr lang="zh-CN" altLang="en-US"/>
           </a:p>
@@ -1104,7 +1104,7 @@
           <a:p>
             <a:fld id="{17C7C8FB-1C37-4023-AA22-09D5A8E13DCF}" type="datetimeFigureOut">
               <a:rPr lang="zh-CN" altLang="en-US" smtClean="0"/>
-              <a:t>2018/6/6</a:t>
+              <a:t>2018/9/6</a:t>
             </a:fld>
             <a:endParaRPr lang="zh-CN" altLang="en-US"/>
           </a:p>
@@ -1392,7 +1392,7 @@
           <a:p>
             <a:fld id="{17C7C8FB-1C37-4023-AA22-09D5A8E13DCF}" type="datetimeFigureOut">
               <a:rPr lang="zh-CN" altLang="en-US" smtClean="0"/>
-              <a:t>2018/6/6</a:t>
+              <a:t>2018/9/6</a:t>
             </a:fld>
             <a:endParaRPr lang="zh-CN" altLang="en-US"/>
           </a:p>
@@ -1814,7 +1814,7 @@
           <a:p>
             <a:fld id="{17C7C8FB-1C37-4023-AA22-09D5A8E13DCF}" type="datetimeFigureOut">
               <a:rPr lang="zh-CN" altLang="en-US" smtClean="0"/>
-              <a:t>2018/6/6</a:t>
+              <a:t>2018/9/6</a:t>
             </a:fld>
             <a:endParaRPr lang="zh-CN" altLang="en-US"/>
           </a:p>
@@ -1932,7 +1932,7 @@
           <a:p>
             <a:fld id="{17C7C8FB-1C37-4023-AA22-09D5A8E13DCF}" type="datetimeFigureOut">
               <a:rPr lang="zh-CN" altLang="en-US" smtClean="0"/>
-              <a:t>2018/6/6</a:t>
+              <a:t>2018/9/6</a:t>
             </a:fld>
             <a:endParaRPr lang="zh-CN" altLang="en-US"/>
           </a:p>
@@ -2027,7 +2027,7 @@
           <a:p>
             <a:fld id="{17C7C8FB-1C37-4023-AA22-09D5A8E13DCF}" type="datetimeFigureOut">
               <a:rPr lang="zh-CN" altLang="en-US" smtClean="0"/>
-              <a:t>2018/6/6</a:t>
+              <a:t>2018/9/6</a:t>
             </a:fld>
             <a:endParaRPr lang="zh-CN" altLang="en-US"/>
           </a:p>
@@ -2304,7 +2304,7 @@
           <a:p>
             <a:fld id="{17C7C8FB-1C37-4023-AA22-09D5A8E13DCF}" type="datetimeFigureOut">
               <a:rPr lang="zh-CN" altLang="en-US" smtClean="0"/>
-              <a:t>2018/6/6</a:t>
+              <a:t>2018/9/6</a:t>
             </a:fld>
             <a:endParaRPr lang="zh-CN" altLang="en-US"/>
           </a:p>
@@ -2557,7 +2557,7 @@
           <a:p>
             <a:fld id="{17C7C8FB-1C37-4023-AA22-09D5A8E13DCF}" type="datetimeFigureOut">
               <a:rPr lang="zh-CN" altLang="en-US" smtClean="0"/>
-              <a:t>2018/6/6</a:t>
+              <a:t>2018/9/6</a:t>
             </a:fld>
             <a:endParaRPr lang="zh-CN" altLang="en-US"/>
           </a:p>
@@ -2770,7 +2770,7 @@
           <a:p>
             <a:fld id="{17C7C8FB-1C37-4023-AA22-09D5A8E13DCF}" type="datetimeFigureOut">
               <a:rPr lang="zh-CN" altLang="en-US" smtClean="0"/>
-              <a:t>2018/6/6</a:t>
+              <a:t>2018/9/6</a:t>
             </a:fld>
             <a:endParaRPr lang="zh-CN" altLang="en-US"/>
           </a:p>
@@ -5418,20 +5418,7 @@
                 <a:latin typeface="微软雅黑" pitchFamily="34" charset="-122"/>
                 <a:ea typeface="微软雅黑" pitchFamily="34" charset="-122"/>
               </a:rPr>
-              <a:t>要</a:t>
-            </a:r>
-            <a:r>
-              <a:rPr lang="zh-CN" altLang="en-US" sz="2400" dirty="0" smtClean="0">
-                <a:solidFill>
-                  <a:schemeClr val="tx1">
-                    <a:lumMod val="75000"/>
-                    <a:lumOff val="25000"/>
-                  </a:schemeClr>
-                </a:solidFill>
-                <a:latin typeface="微软雅黑" pitchFamily="34" charset="-122"/>
-                <a:ea typeface="微软雅黑" pitchFamily="34" charset="-122"/>
-              </a:rPr>
-              <a:t>做到形状一样，非常简单，</a:t>
+              <a:t>要做到形状一样，非常简单，</a:t>
             </a:r>
             <a:r>
               <a:rPr lang="zh-CN" altLang="en-US" sz="2400" b="1" dirty="0" smtClean="0">
@@ -5614,16 +5601,6 @@
               </a:rPr>
               <a:t>灯管</a:t>
             </a:r>
-            <a:endParaRPr lang="zh-CN" altLang="en-US" sz="2000" dirty="0">
-              <a:solidFill>
-                <a:schemeClr val="tx1">
-                  <a:lumMod val="75000"/>
-                  <a:lumOff val="25000"/>
-                </a:schemeClr>
-              </a:solidFill>
-              <a:latin typeface="微软雅黑" panose="020B0503020204020204" pitchFamily="34" charset="-122"/>
-              <a:ea typeface="微软雅黑" panose="020B0503020204020204" pitchFamily="34" charset="-122"/>
-            </a:endParaRPr>
           </a:p>
         </p:txBody>
       </p:sp>
@@ -6821,33 +6798,7 @@
                 <a:latin typeface="微软雅黑" pitchFamily="34" charset="-122"/>
                 <a:ea typeface="微软雅黑" pitchFamily="34" charset="-122"/>
               </a:rPr>
-              <a:t>以上几个部分</a:t>
-            </a:r>
-            <a:r>
-              <a:rPr lang="zh-CN" altLang="en-US" sz="2400" dirty="0" smtClean="0">
-                <a:solidFill>
-                  <a:schemeClr val="tx1">
-                    <a:lumMod val="75000"/>
-                    <a:lumOff val="25000"/>
-                  </a:schemeClr>
-                </a:solidFill>
-                <a:latin typeface="微软雅黑" pitchFamily="34" charset="-122"/>
-                <a:ea typeface="微软雅黑" pitchFamily="34" charset="-122"/>
-              </a:rPr>
-              <a:t>，全部</a:t>
-            </a:r>
-            <a:r>
-              <a:rPr lang="zh-CN" altLang="en-US" sz="2400" dirty="0" smtClean="0">
-                <a:solidFill>
-                  <a:schemeClr val="tx1">
-                    <a:lumMod val="75000"/>
-                    <a:lumOff val="25000"/>
-                  </a:schemeClr>
-                </a:solidFill>
-                <a:latin typeface="微软雅黑" pitchFamily="34" charset="-122"/>
-                <a:ea typeface="微软雅黑" pitchFamily="34" charset="-122"/>
-              </a:rPr>
-              <a:t>可以通过不同参数的</a:t>
+              <a:t>以上几个部分，全部可以通过不同参数的</a:t>
             </a:r>
             <a:r>
               <a:rPr lang="en-US" altLang="zh-CN" sz="2400" dirty="0" smtClean="0">
@@ -8475,16 +8426,6 @@
               </a:rPr>
               <a:t>投影</a:t>
             </a:r>
-            <a:endParaRPr lang="zh-CN" altLang="en-US" sz="2000" dirty="0">
-              <a:solidFill>
-                <a:schemeClr val="tx1">
-                  <a:lumMod val="75000"/>
-                  <a:lumOff val="25000"/>
-                </a:schemeClr>
-              </a:solidFill>
-              <a:latin typeface="微软雅黑" panose="020B0503020204020204" pitchFamily="34" charset="-122"/>
-              <a:ea typeface="微软雅黑" panose="020B0503020204020204" pitchFamily="34" charset="-122"/>
-            </a:endParaRPr>
           </a:p>
         </p:txBody>
       </p:sp>
@@ -9874,20 +9815,7 @@
                 <a:latin typeface="微软雅黑" pitchFamily="34" charset="-122"/>
                 <a:ea typeface="微软雅黑" pitchFamily="34" charset="-122"/>
               </a:rPr>
-              <a:t>正常发光，闪几下熄灭，再闪几下正常</a:t>
-            </a:r>
-            <a:r>
-              <a:rPr lang="zh-CN" altLang="en-US" sz="2400" dirty="0" smtClean="0">
-                <a:solidFill>
-                  <a:schemeClr val="tx1">
-                    <a:lumMod val="75000"/>
-                    <a:lumOff val="25000"/>
-                  </a:schemeClr>
-                </a:solidFill>
-                <a:latin typeface="微软雅黑" pitchFamily="34" charset="-122"/>
-                <a:ea typeface="微软雅黑" pitchFamily="34" charset="-122"/>
-              </a:rPr>
-              <a:t>发光</a:t>
+              <a:t>正常发光，闪几下熄灭，再闪几下正常发光</a:t>
             </a:r>
             <a:endParaRPr lang="en-US" altLang="zh-CN" sz="2400" dirty="0" smtClean="0">
               <a:solidFill>
@@ -13575,20 +13503,7 @@
                 <a:latin typeface="微软雅黑" panose="020B0503020204020204" pitchFamily="34" charset="-122"/>
                 <a:ea typeface="微软雅黑" panose="020B0503020204020204" pitchFamily="34" charset="-122"/>
               </a:rPr>
-              <a:t>父元素的最大作用是确定</a:t>
-            </a:r>
-            <a:r>
-              <a:rPr lang="zh-CN" altLang="en-US" sz="2000" dirty="0" smtClean="0">
-                <a:solidFill>
-                  <a:schemeClr val="tx1">
-                    <a:lumMod val="75000"/>
-                    <a:lumOff val="25000"/>
-                  </a:schemeClr>
-                </a:solidFill>
-                <a:latin typeface="微软雅黑" panose="020B0503020204020204" pitchFamily="34" charset="-122"/>
-                <a:ea typeface="微软雅黑" panose="020B0503020204020204" pitchFamily="34" charset="-122"/>
-              </a:rPr>
-              <a:t>显示范围</a:t>
+              <a:t>父元素的最大作用是确定显示范围</a:t>
             </a:r>
             <a:r>
               <a:rPr lang="en-US" altLang="zh-CN" sz="2000" dirty="0" smtClean="0">
@@ -16480,7 +16395,20 @@
                 <a:latin typeface="微软雅黑" pitchFamily="34" charset="-122"/>
                 <a:ea typeface="微软雅黑" pitchFamily="34" charset="-122"/>
               </a:rPr>
-              <a:t>表示左上，右上，右下，左下圆角的</a:t>
+              <a:t>表示左上，右上，右下，左下圆角的水平</a:t>
+            </a:r>
+            <a:r>
+              <a:rPr lang="zh-CN" altLang="en-US" sz="2400" dirty="0">
+                <a:solidFill>
+                  <a:schemeClr val="tx1">
+                    <a:lumMod val="75000"/>
+                    <a:lumOff val="25000"/>
+                  </a:schemeClr>
+                </a:solidFill>
+                <a:latin typeface="微软雅黑" pitchFamily="34" charset="-122"/>
+                <a:ea typeface="微软雅黑" pitchFamily="34" charset="-122"/>
+              </a:rPr>
+              <a:t>半径</a:t>
             </a:r>
             <a:r>
               <a:rPr lang="zh-CN" altLang="en-US" sz="2400" dirty="0" smtClean="0">
@@ -16493,7 +16421,33 @@
                 <a:latin typeface="微软雅黑" pitchFamily="34" charset="-122"/>
                 <a:ea typeface="微软雅黑" pitchFamily="34" charset="-122"/>
               </a:rPr>
-              <a:t>水平</a:t>
+              <a:t>；</a:t>
+            </a:r>
+            <a:r>
+              <a:rPr lang="en-US" altLang="zh-CN" sz="2400" dirty="0" err="1" smtClean="0">
+                <a:solidFill>
+                  <a:schemeClr val="tx1">
+                    <a:lumMod val="75000"/>
+                    <a:lumOff val="25000"/>
+                  </a:schemeClr>
+                </a:solidFill>
+                <a:latin typeface="微软雅黑" pitchFamily="34" charset="-122"/>
+                <a:ea typeface="微软雅黑" pitchFamily="34" charset="-122"/>
+              </a:rPr>
+              <a:t>e,f,g,h</a:t>
+            </a:r>
+            <a:r>
+              <a:rPr lang="zh-CN" altLang="en-US" sz="2400" dirty="0" smtClean="0">
+                <a:solidFill>
+                  <a:schemeClr val="tx1">
+                    <a:lumMod val="75000"/>
+                    <a:lumOff val="25000"/>
+                  </a:schemeClr>
+                </a:solidFill>
+                <a:latin typeface="微软雅黑" pitchFamily="34" charset="-122"/>
+                <a:ea typeface="微软雅黑" pitchFamily="34" charset="-122"/>
+              </a:rPr>
+              <a:t>表示左上，右上，右下，左下圆角的垂直</a:t>
             </a:r>
             <a:r>
               <a:rPr lang="zh-CN" altLang="en-US" sz="2400" dirty="0">
@@ -16519,85 +16473,7 @@
                 <a:latin typeface="微软雅黑" pitchFamily="34" charset="-122"/>
                 <a:ea typeface="微软雅黑" pitchFamily="34" charset="-122"/>
               </a:rPr>
-              <a:t>；</a:t>
-            </a:r>
-            <a:r>
-              <a:rPr lang="en-US" altLang="zh-CN" sz="2400" dirty="0" err="1" smtClean="0">
-                <a:solidFill>
-                  <a:schemeClr val="tx1">
-                    <a:lumMod val="75000"/>
-                    <a:lumOff val="25000"/>
-                  </a:schemeClr>
-                </a:solidFill>
-                <a:latin typeface="微软雅黑" pitchFamily="34" charset="-122"/>
-                <a:ea typeface="微软雅黑" pitchFamily="34" charset="-122"/>
-              </a:rPr>
-              <a:t>e,f,g,h</a:t>
-            </a:r>
-            <a:r>
-              <a:rPr lang="zh-CN" altLang="en-US" sz="2400" dirty="0" smtClean="0">
-                <a:solidFill>
-                  <a:schemeClr val="tx1">
-                    <a:lumMod val="75000"/>
-                    <a:lumOff val="25000"/>
-                  </a:schemeClr>
-                </a:solidFill>
-                <a:latin typeface="微软雅黑" pitchFamily="34" charset="-122"/>
-                <a:ea typeface="微软雅黑" pitchFamily="34" charset="-122"/>
-              </a:rPr>
-              <a:t>表示左上，右上，右下，左下圆角的</a:t>
-            </a:r>
-            <a:r>
-              <a:rPr lang="zh-CN" altLang="en-US" sz="2400" dirty="0" smtClean="0">
-                <a:solidFill>
-                  <a:schemeClr val="tx1">
-                    <a:lumMod val="75000"/>
-                    <a:lumOff val="25000"/>
-                  </a:schemeClr>
-                </a:solidFill>
-                <a:latin typeface="微软雅黑" pitchFamily="34" charset="-122"/>
-                <a:ea typeface="微软雅黑" pitchFamily="34" charset="-122"/>
-              </a:rPr>
-              <a:t>垂直</a:t>
-            </a:r>
-            <a:r>
-              <a:rPr lang="zh-CN" altLang="en-US" sz="2400" dirty="0">
-                <a:solidFill>
-                  <a:schemeClr val="tx1">
-                    <a:lumMod val="75000"/>
-                    <a:lumOff val="25000"/>
-                  </a:schemeClr>
-                </a:solidFill>
-                <a:latin typeface="微软雅黑" pitchFamily="34" charset="-122"/>
-                <a:ea typeface="微软雅黑" pitchFamily="34" charset="-122"/>
-              </a:rPr>
-              <a:t>半径</a:t>
-            </a:r>
-            <a:r>
-              <a:rPr lang="zh-CN" altLang="en-US" sz="2400" dirty="0" smtClean="0">
-                <a:solidFill>
-                  <a:schemeClr val="tx1">
-                    <a:lumMod val="75000"/>
-                    <a:lumOff val="25000"/>
-                  </a:schemeClr>
-                </a:solidFill>
-                <a:latin typeface="微软雅黑" pitchFamily="34" charset="-122"/>
-                <a:ea typeface="微软雅黑" pitchFamily="34" charset="-122"/>
-              </a:rPr>
-              <a:t>。</a:t>
-            </a:r>
-            <a:r>
-              <a:rPr lang="zh-CN" altLang="en-US" sz="2400" dirty="0" smtClean="0">
-                <a:solidFill>
-                  <a:schemeClr val="tx1">
-                    <a:lumMod val="75000"/>
-                    <a:lumOff val="25000"/>
-                  </a:schemeClr>
-                </a:solidFill>
-                <a:latin typeface="微软雅黑" pitchFamily="34" charset="-122"/>
-                <a:ea typeface="微软雅黑" pitchFamily="34" charset="-122"/>
-              </a:rPr>
-              <a:t>如果</a:t>
+              <a:t>。如果</a:t>
             </a:r>
             <a:r>
               <a:rPr lang="zh-CN" altLang="en-US" sz="2400" dirty="0">
@@ -18491,20 +18367,7 @@
                 <a:latin typeface="微软雅黑" pitchFamily="34" charset="-122"/>
                 <a:ea typeface="微软雅黑" pitchFamily="34" charset="-122"/>
               </a:rPr>
-              <a:t>圆</a:t>
-            </a:r>
-            <a:r>
-              <a:rPr lang="zh-CN" altLang="en-US" sz="2400" dirty="0" smtClean="0">
-                <a:solidFill>
-                  <a:schemeClr val="tx1">
-                    <a:lumMod val="75000"/>
-                    <a:lumOff val="25000"/>
-                  </a:schemeClr>
-                </a:solidFill>
-                <a:latin typeface="微软雅黑" pitchFamily="34" charset="-122"/>
-                <a:ea typeface="微软雅黑" pitchFamily="34" charset="-122"/>
-              </a:rPr>
-              <a:t>的半径，然后元素</a:t>
+              <a:t>圆的半径，然后元素</a:t>
             </a:r>
             <a:r>
               <a:rPr lang="en-US" altLang="zh-CN" sz="2400" dirty="0" smtClean="0">
@@ -18586,7 +18449,20 @@
                 <a:latin typeface="微软雅黑" pitchFamily="34" charset="-122"/>
                 <a:ea typeface="微软雅黑" pitchFamily="34" charset="-122"/>
               </a:rPr>
-              <a:t>注意，圆角</a:t>
+              <a:t>注意，圆角水平</a:t>
+            </a:r>
+            <a:r>
+              <a:rPr lang="en-US" altLang="zh-CN" sz="2400" dirty="0" smtClean="0">
+                <a:solidFill>
+                  <a:schemeClr val="tx1">
+                    <a:lumMod val="75000"/>
+                    <a:lumOff val="25000"/>
+                  </a:schemeClr>
+                </a:solidFill>
+                <a:latin typeface="微软雅黑" pitchFamily="34" charset="-122"/>
+                <a:ea typeface="微软雅黑" pitchFamily="34" charset="-122"/>
+              </a:rPr>
+              <a:t>/</a:t>
             </a:r>
             <a:r>
               <a:rPr lang="zh-CN" altLang="en-US" sz="2400" dirty="0" smtClean="0">
@@ -18599,7 +18475,33 @@
                 <a:latin typeface="微软雅黑" pitchFamily="34" charset="-122"/>
                 <a:ea typeface="微软雅黑" pitchFamily="34" charset="-122"/>
               </a:rPr>
-              <a:t>水平</a:t>
+              <a:t>垂直半径如果</a:t>
+            </a:r>
+            <a:r>
+              <a:rPr lang="zh-CN" altLang="en-US" sz="2400" b="1" dirty="0" smtClean="0">
+                <a:solidFill>
+                  <a:schemeClr val="tx1">
+                    <a:lumMod val="75000"/>
+                    <a:lumOff val="25000"/>
+                  </a:schemeClr>
+                </a:solidFill>
+                <a:latin typeface="微软雅黑" pitchFamily="34" charset="-122"/>
+                <a:ea typeface="微软雅黑" pitchFamily="34" charset="-122"/>
+              </a:rPr>
+              <a:t>大于</a:t>
+            </a:r>
+            <a:r>
+              <a:rPr lang="zh-CN" altLang="en-US" sz="2400" dirty="0" smtClean="0">
+                <a:solidFill>
+                  <a:schemeClr val="tx1">
+                    <a:lumMod val="75000"/>
+                    <a:lumOff val="25000"/>
+                  </a:schemeClr>
+                </a:solidFill>
+                <a:latin typeface="微软雅黑" pitchFamily="34" charset="-122"/>
+                <a:ea typeface="微软雅黑" pitchFamily="34" charset="-122"/>
+              </a:rPr>
+              <a:t>宽度</a:t>
             </a:r>
             <a:r>
               <a:rPr lang="en-US" altLang="zh-CN" sz="2400" dirty="0" smtClean="0">
@@ -18625,7 +18527,20 @@
                 <a:latin typeface="微软雅黑" pitchFamily="34" charset="-122"/>
                 <a:ea typeface="微软雅黑" pitchFamily="34" charset="-122"/>
               </a:rPr>
-              <a:t>垂直半径</a:t>
+              <a:t>高度，等同于</a:t>
+            </a:r>
+            <a:r>
+              <a:rPr lang="zh-CN" altLang="en-US" sz="2400" b="1" dirty="0" smtClean="0">
+                <a:solidFill>
+                  <a:schemeClr val="tx1">
+                    <a:lumMod val="75000"/>
+                    <a:lumOff val="25000"/>
+                  </a:schemeClr>
+                </a:solidFill>
+                <a:latin typeface="微软雅黑" pitchFamily="34" charset="-122"/>
+                <a:ea typeface="微软雅黑" pitchFamily="34" charset="-122"/>
+              </a:rPr>
+              <a:t>同比例缩小</a:t>
             </a:r>
             <a:r>
               <a:rPr lang="zh-CN" altLang="en-US" sz="2400" dirty="0" smtClean="0">
@@ -18638,7 +18553,7 @@
                 <a:latin typeface="微软雅黑" pitchFamily="34" charset="-122"/>
                 <a:ea typeface="微软雅黑" pitchFamily="34" charset="-122"/>
               </a:rPr>
-              <a:t>如果</a:t>
+              <a:t>水平和垂直半径，使水平和垂直半径</a:t>
             </a:r>
             <a:r>
               <a:rPr lang="zh-CN" altLang="en-US" sz="2400" b="1" dirty="0" smtClean="0">
@@ -18651,7 +18566,7 @@
                 <a:latin typeface="微软雅黑" pitchFamily="34" charset="-122"/>
                 <a:ea typeface="微软雅黑" pitchFamily="34" charset="-122"/>
               </a:rPr>
-              <a:t>大于</a:t>
+              <a:t>恰好</a:t>
             </a:r>
             <a:r>
               <a:rPr lang="zh-CN" altLang="en-US" sz="2400" dirty="0" smtClean="0">
@@ -18664,7 +18579,7 @@
                 <a:latin typeface="微软雅黑" pitchFamily="34" charset="-122"/>
                 <a:ea typeface="微软雅黑" pitchFamily="34" charset="-122"/>
               </a:rPr>
-              <a:t>宽度</a:t>
+              <a:t>小于</a:t>
             </a:r>
             <a:r>
               <a:rPr lang="en-US" altLang="zh-CN" sz="2400" dirty="0" smtClean="0">
@@ -18677,7 +18592,7 @@
                 <a:latin typeface="微软雅黑" pitchFamily="34" charset="-122"/>
                 <a:ea typeface="微软雅黑" pitchFamily="34" charset="-122"/>
               </a:rPr>
-              <a:t>/</a:t>
+              <a:t>box</a:t>
             </a:r>
             <a:r>
               <a:rPr lang="zh-CN" altLang="en-US" sz="2400" dirty="0" smtClean="0">
@@ -18690,7 +18605,20 @@
                 <a:latin typeface="微软雅黑" pitchFamily="34" charset="-122"/>
                 <a:ea typeface="微软雅黑" pitchFamily="34" charset="-122"/>
               </a:rPr>
-              <a:t>高度，</a:t>
+              <a:t>的宽度和高度。举个例子，</a:t>
+            </a:r>
+            <a:r>
+              <a:rPr lang="en-US" altLang="zh-CN" sz="2400" dirty="0" smtClean="0">
+                <a:solidFill>
+                  <a:schemeClr val="tx1">
+                    <a:lumMod val="75000"/>
+                    <a:lumOff val="25000"/>
+                  </a:schemeClr>
+                </a:solidFill>
+                <a:latin typeface="微软雅黑" pitchFamily="34" charset="-122"/>
+                <a:ea typeface="微软雅黑" pitchFamily="34" charset="-122"/>
+              </a:rPr>
+              <a:t>50px </a:t>
             </a:r>
             <a:r>
               <a:rPr lang="zh-CN" altLang="en-US" sz="2400" dirty="0" smtClean="0">
@@ -18703,20 +18631,20 @@
                 <a:latin typeface="微软雅黑" pitchFamily="34" charset="-122"/>
                 <a:ea typeface="微软雅黑" pitchFamily="34" charset="-122"/>
               </a:rPr>
-              <a:t>等同于</a:t>
-            </a:r>
-            <a:r>
-              <a:rPr lang="zh-CN" altLang="en-US" sz="2400" b="1" dirty="0" smtClean="0">
-                <a:solidFill>
-                  <a:schemeClr val="tx1">
-                    <a:lumMod val="75000"/>
-                    <a:lumOff val="25000"/>
-                  </a:schemeClr>
-                </a:solidFill>
-                <a:latin typeface="微软雅黑" pitchFamily="34" charset="-122"/>
-                <a:ea typeface="微软雅黑" pitchFamily="34" charset="-122"/>
-              </a:rPr>
-              <a:t>同比例缩小</a:t>
+              <a:t>* </a:t>
+            </a:r>
+            <a:r>
+              <a:rPr lang="en-US" altLang="zh-CN" sz="2400" dirty="0" smtClean="0">
+                <a:solidFill>
+                  <a:schemeClr val="tx1">
+                    <a:lumMod val="75000"/>
+                    <a:lumOff val="25000"/>
+                  </a:schemeClr>
+                </a:solidFill>
+                <a:latin typeface="微软雅黑" pitchFamily="34" charset="-122"/>
+                <a:ea typeface="微软雅黑" pitchFamily="34" charset="-122"/>
+              </a:rPr>
+              <a:t>30px</a:t>
             </a:r>
             <a:r>
               <a:rPr lang="zh-CN" altLang="en-US" sz="2400" dirty="0" smtClean="0">
@@ -18729,20 +18657,20 @@
                 <a:latin typeface="微软雅黑" pitchFamily="34" charset="-122"/>
                 <a:ea typeface="微软雅黑" pitchFamily="34" charset="-122"/>
               </a:rPr>
-              <a:t>水平和垂直半径，使水平和垂直半径</a:t>
-            </a:r>
-            <a:r>
-              <a:rPr lang="zh-CN" altLang="en-US" sz="2400" b="1" dirty="0" smtClean="0">
-                <a:solidFill>
-                  <a:schemeClr val="tx1">
-                    <a:lumMod val="75000"/>
-                    <a:lumOff val="25000"/>
-                  </a:schemeClr>
-                </a:solidFill>
-                <a:latin typeface="微软雅黑" pitchFamily="34" charset="-122"/>
-                <a:ea typeface="微软雅黑" pitchFamily="34" charset="-122"/>
-              </a:rPr>
-              <a:t>恰好</a:t>
+              <a:t>的</a:t>
+            </a:r>
+            <a:r>
+              <a:rPr lang="en-US" altLang="zh-CN" sz="2400" dirty="0" smtClean="0">
+                <a:solidFill>
+                  <a:schemeClr val="tx1">
+                    <a:lumMod val="75000"/>
+                    <a:lumOff val="25000"/>
+                  </a:schemeClr>
+                </a:solidFill>
+                <a:latin typeface="微软雅黑" pitchFamily="34" charset="-122"/>
+                <a:ea typeface="微软雅黑" pitchFamily="34" charset="-122"/>
+              </a:rPr>
+              <a:t>box</a:t>
             </a:r>
             <a:r>
               <a:rPr lang="zh-CN" altLang="en-US" sz="2400" dirty="0" smtClean="0">
@@ -18755,7 +18683,7 @@
                 <a:latin typeface="微软雅黑" pitchFamily="34" charset="-122"/>
                 <a:ea typeface="微软雅黑" pitchFamily="34" charset="-122"/>
               </a:rPr>
-              <a:t>小于</a:t>
+              <a:t>，圆角半径是</a:t>
             </a:r>
             <a:r>
               <a:rPr lang="en-US" altLang="zh-CN" sz="2400" dirty="0" smtClean="0">
@@ -18768,7 +18696,33 @@
                 <a:latin typeface="微软雅黑" pitchFamily="34" charset="-122"/>
                 <a:ea typeface="微软雅黑" pitchFamily="34" charset="-122"/>
               </a:rPr>
-              <a:t>box</a:t>
+              <a:t>150px,120px;</a:t>
+            </a:r>
+            <a:r>
+              <a:rPr lang="zh-CN" altLang="en-US" sz="2400" dirty="0">
+                <a:solidFill>
+                  <a:schemeClr val="tx1">
+                    <a:lumMod val="75000"/>
+                    <a:lumOff val="25000"/>
+                  </a:schemeClr>
+                </a:solidFill>
+                <a:latin typeface="微软雅黑" pitchFamily="34" charset="-122"/>
+                <a:ea typeface="微软雅黑" pitchFamily="34" charset="-122"/>
+              </a:rPr>
+              <a:t>等同于缩小</a:t>
+            </a:r>
+            <a:r>
+              <a:rPr lang="en-US" altLang="zh-CN" sz="2400" dirty="0">
+                <a:solidFill>
+                  <a:schemeClr val="tx1">
+                    <a:lumMod val="75000"/>
+                    <a:lumOff val="25000"/>
+                  </a:schemeClr>
+                </a:solidFill>
+                <a:latin typeface="微软雅黑" pitchFamily="34" charset="-122"/>
+                <a:ea typeface="微软雅黑" pitchFamily="34" charset="-122"/>
+              </a:rPr>
+              <a:t>3</a:t>
             </a:r>
             <a:r>
               <a:rPr lang="zh-CN" altLang="en-US" sz="2400" dirty="0" smtClean="0">
@@ -18781,7 +18735,7 @@
                 <a:latin typeface="微软雅黑" pitchFamily="34" charset="-122"/>
                 <a:ea typeface="微软雅黑" pitchFamily="34" charset="-122"/>
               </a:rPr>
-              <a:t>的宽度和高度。举个例子，</a:t>
+              <a:t>倍，</a:t>
             </a:r>
             <a:r>
               <a:rPr lang="en-US" altLang="zh-CN" sz="2400" dirty="0" smtClean="0">
@@ -18794,20 +18748,7 @@
                 <a:latin typeface="微软雅黑" pitchFamily="34" charset="-122"/>
                 <a:ea typeface="微软雅黑" pitchFamily="34" charset="-122"/>
               </a:rPr>
-              <a:t>50px </a:t>
-            </a:r>
-            <a:r>
-              <a:rPr lang="zh-CN" altLang="en-US" sz="2400" dirty="0" smtClean="0">
-                <a:solidFill>
-                  <a:schemeClr val="tx1">
-                    <a:lumMod val="75000"/>
-                    <a:lumOff val="25000"/>
-                  </a:schemeClr>
-                </a:solidFill>
-                <a:latin typeface="微软雅黑" pitchFamily="34" charset="-122"/>
-                <a:ea typeface="微软雅黑" pitchFamily="34" charset="-122"/>
-              </a:rPr>
-              <a:t>* </a:t>
+              <a:t>50px, </a:t>
             </a:r>
             <a:r>
               <a:rPr lang="en-US" altLang="zh-CN" sz="2400" dirty="0" smtClean="0">
@@ -18820,163 +18761,7 @@
                 <a:latin typeface="微软雅黑" pitchFamily="34" charset="-122"/>
                 <a:ea typeface="微软雅黑" pitchFamily="34" charset="-122"/>
               </a:rPr>
-              <a:t>30px</a:t>
-            </a:r>
-            <a:r>
-              <a:rPr lang="zh-CN" altLang="en-US" sz="2400" dirty="0" smtClean="0">
-                <a:solidFill>
-                  <a:schemeClr val="tx1">
-                    <a:lumMod val="75000"/>
-                    <a:lumOff val="25000"/>
-                  </a:schemeClr>
-                </a:solidFill>
-                <a:latin typeface="微软雅黑" pitchFamily="34" charset="-122"/>
-                <a:ea typeface="微软雅黑" pitchFamily="34" charset="-122"/>
-              </a:rPr>
-              <a:t>的</a:t>
-            </a:r>
-            <a:r>
-              <a:rPr lang="en-US" altLang="zh-CN" sz="2400" dirty="0" smtClean="0">
-                <a:solidFill>
-                  <a:schemeClr val="tx1">
-                    <a:lumMod val="75000"/>
-                    <a:lumOff val="25000"/>
-                  </a:schemeClr>
-                </a:solidFill>
-                <a:latin typeface="微软雅黑" pitchFamily="34" charset="-122"/>
-                <a:ea typeface="微软雅黑" pitchFamily="34" charset="-122"/>
-              </a:rPr>
-              <a:t>box</a:t>
-            </a:r>
-            <a:r>
-              <a:rPr lang="zh-CN" altLang="en-US" sz="2400" dirty="0" smtClean="0">
-                <a:solidFill>
-                  <a:schemeClr val="tx1">
-                    <a:lumMod val="75000"/>
-                    <a:lumOff val="25000"/>
-                  </a:schemeClr>
-                </a:solidFill>
-                <a:latin typeface="微软雅黑" pitchFamily="34" charset="-122"/>
-                <a:ea typeface="微软雅黑" pitchFamily="34" charset="-122"/>
-              </a:rPr>
-              <a:t>，</a:t>
-            </a:r>
-            <a:r>
-              <a:rPr lang="zh-CN" altLang="en-US" sz="2400" dirty="0" smtClean="0">
-                <a:solidFill>
-                  <a:schemeClr val="tx1">
-                    <a:lumMod val="75000"/>
-                    <a:lumOff val="25000"/>
-                  </a:schemeClr>
-                </a:solidFill>
-                <a:latin typeface="微软雅黑" pitchFamily="34" charset="-122"/>
-                <a:ea typeface="微软雅黑" pitchFamily="34" charset="-122"/>
-              </a:rPr>
-              <a:t>圆角半径是</a:t>
-            </a:r>
-            <a:r>
-              <a:rPr lang="en-US" altLang="zh-CN" sz="2400" dirty="0" smtClean="0">
-                <a:solidFill>
-                  <a:schemeClr val="tx1">
-                    <a:lumMod val="75000"/>
-                    <a:lumOff val="25000"/>
-                  </a:schemeClr>
-                </a:solidFill>
-                <a:latin typeface="微软雅黑" pitchFamily="34" charset="-122"/>
-                <a:ea typeface="微软雅黑" pitchFamily="34" charset="-122"/>
-              </a:rPr>
-              <a:t>150</a:t>
-            </a:r>
-            <a:r>
-              <a:rPr lang="en-US" altLang="zh-CN" sz="2400" dirty="0" smtClean="0">
-                <a:solidFill>
-                  <a:schemeClr val="tx1">
-                    <a:lumMod val="75000"/>
-                    <a:lumOff val="25000"/>
-                  </a:schemeClr>
-                </a:solidFill>
-                <a:latin typeface="微软雅黑" pitchFamily="34" charset="-122"/>
-                <a:ea typeface="微软雅黑" pitchFamily="34" charset="-122"/>
-              </a:rPr>
-              <a:t>px,120px;</a:t>
-            </a:r>
-            <a:r>
-              <a:rPr lang="zh-CN" altLang="en-US" sz="2400" dirty="0">
-                <a:solidFill>
-                  <a:schemeClr val="tx1">
-                    <a:lumMod val="75000"/>
-                    <a:lumOff val="25000"/>
-                  </a:schemeClr>
-                </a:solidFill>
-                <a:latin typeface="微软雅黑" pitchFamily="34" charset="-122"/>
-                <a:ea typeface="微软雅黑" pitchFamily="34" charset="-122"/>
-              </a:rPr>
-              <a:t>等同于缩小</a:t>
-            </a:r>
-            <a:r>
-              <a:rPr lang="en-US" altLang="zh-CN" sz="2400" dirty="0">
-                <a:solidFill>
-                  <a:schemeClr val="tx1">
-                    <a:lumMod val="75000"/>
-                    <a:lumOff val="25000"/>
-                  </a:schemeClr>
-                </a:solidFill>
-                <a:latin typeface="微软雅黑" pitchFamily="34" charset="-122"/>
-                <a:ea typeface="微软雅黑" pitchFamily="34" charset="-122"/>
-              </a:rPr>
-              <a:t>3</a:t>
-            </a:r>
-            <a:r>
-              <a:rPr lang="zh-CN" altLang="en-US" sz="2400" dirty="0" smtClean="0">
-                <a:solidFill>
-                  <a:schemeClr val="tx1">
-                    <a:lumMod val="75000"/>
-                    <a:lumOff val="25000"/>
-                  </a:schemeClr>
-                </a:solidFill>
-                <a:latin typeface="微软雅黑" pitchFamily="34" charset="-122"/>
-                <a:ea typeface="微软雅黑" pitchFamily="34" charset="-122"/>
-              </a:rPr>
-              <a:t>倍，</a:t>
-            </a:r>
-            <a:r>
-              <a:rPr lang="en-US" altLang="zh-CN" sz="2400" dirty="0" smtClean="0">
-                <a:solidFill>
-                  <a:schemeClr val="tx1">
-                    <a:lumMod val="75000"/>
-                    <a:lumOff val="25000"/>
-                  </a:schemeClr>
-                </a:solidFill>
-                <a:latin typeface="微软雅黑" pitchFamily="34" charset="-122"/>
-                <a:ea typeface="微软雅黑" pitchFamily="34" charset="-122"/>
-              </a:rPr>
-              <a:t>50px, 40px</a:t>
-            </a:r>
-            <a:r>
-              <a:rPr lang="zh-CN" altLang="en-US" sz="2400" dirty="0" smtClean="0">
-                <a:solidFill>
-                  <a:schemeClr val="tx1">
-                    <a:lumMod val="75000"/>
-                    <a:lumOff val="25000"/>
-                  </a:schemeClr>
-                </a:solidFill>
-                <a:latin typeface="微软雅黑" pitchFamily="34" charset="-122"/>
-                <a:ea typeface="微软雅黑" pitchFamily="34" charset="-122"/>
-              </a:rPr>
-              <a:t>（同）</a:t>
-            </a:r>
-            <a:r>
-              <a:rPr lang="en-US" altLang="zh-CN" sz="2400" dirty="0" smtClean="0">
-                <a:solidFill>
-                  <a:schemeClr val="tx1">
-                    <a:lumMod val="75000"/>
-                    <a:lumOff val="25000"/>
-                  </a:schemeClr>
-                </a:solidFill>
-                <a:latin typeface="微软雅黑" pitchFamily="34" charset="-122"/>
-                <a:ea typeface="微软雅黑" pitchFamily="34" charset="-122"/>
-              </a:rPr>
-              <a:t>,</a:t>
+              <a:t>40px,</a:t>
             </a:r>
             <a:r>
               <a:rPr lang="zh-CN" altLang="en-US" sz="2400" dirty="0" smtClean="0">
